--- a/Presentation pro5.pptx
+++ b/Presentation pro5.pptx
@@ -5,24 +5,25 @@
     <p:sldMasterId id="2147483696" r:id="rId1"/>
   </p:sldMasterIdLst>
   <p:notesMasterIdLst>
-    <p:notesMasterId r:id="rId17"/>
+    <p:notesMasterId r:id="rId18"/>
   </p:notesMasterIdLst>
   <p:sldIdLst>
     <p:sldId id="265" r:id="rId2"/>
-    <p:sldId id="271" r:id="rId3"/>
-    <p:sldId id="258" r:id="rId4"/>
-    <p:sldId id="259" r:id="rId5"/>
-    <p:sldId id="260" r:id="rId6"/>
-    <p:sldId id="261" r:id="rId7"/>
-    <p:sldId id="264" r:id="rId8"/>
-    <p:sldId id="267" r:id="rId9"/>
-    <p:sldId id="268" r:id="rId10"/>
-    <p:sldId id="270" r:id="rId11"/>
-    <p:sldId id="272" r:id="rId12"/>
-    <p:sldId id="273" r:id="rId13"/>
-    <p:sldId id="274" r:id="rId14"/>
-    <p:sldId id="275" r:id="rId15"/>
-    <p:sldId id="276" r:id="rId16"/>
+    <p:sldId id="277" r:id="rId3"/>
+    <p:sldId id="271" r:id="rId4"/>
+    <p:sldId id="258" r:id="rId5"/>
+    <p:sldId id="259" r:id="rId6"/>
+    <p:sldId id="260" r:id="rId7"/>
+    <p:sldId id="261" r:id="rId8"/>
+    <p:sldId id="264" r:id="rId9"/>
+    <p:sldId id="267" r:id="rId10"/>
+    <p:sldId id="268" r:id="rId11"/>
+    <p:sldId id="270" r:id="rId12"/>
+    <p:sldId id="272" r:id="rId13"/>
+    <p:sldId id="273" r:id="rId14"/>
+    <p:sldId id="274" r:id="rId15"/>
+    <p:sldId id="275" r:id="rId16"/>
+    <p:sldId id="276" r:id="rId17"/>
   </p:sldIdLst>
   <p:sldSz cx="9144000" cy="6858000" type="screen4x3"/>
   <p:notesSz cx="6858000" cy="9144000"/>
@@ -206,7 +207,7 @@
           <a:p>
             <a:fld id="{1D24D231-ECCF-4C81-838F-54A15B56E702}" type="datetimeFigureOut">
               <a:rPr lang="en-IN" smtClean="0"/>
-              <a:t>28-01-2025</a:t>
+              <a:t>29-01-2025</a:t>
             </a:fld>
             <a:endParaRPr lang="en-IN"/>
           </a:p>
@@ -539,7 +540,7 @@
           <a:p>
             <a:fld id="{4227D476-9131-40F6-8635-1728DBA9B579}" type="slidenum">
               <a:rPr lang="en-IN" smtClean="0"/>
-              <a:t>11</a:t>
+              <a:t>12</a:t>
             </a:fld>
             <a:endParaRPr lang="en-IN"/>
           </a:p>
@@ -695,7 +696,7 @@
           <a:p>
             <a:fld id="{9D3B325B-4EA6-47CE-BC7B-536A80AE14CE}" type="datetimeFigureOut">
               <a:rPr lang="en-IN" smtClean="0"/>
-              <a:t>28-01-2025</a:t>
+              <a:t>29-01-2025</a:t>
             </a:fld>
             <a:endParaRPr lang="en-IN"/>
           </a:p>
@@ -1564,7 +1565,7 @@
           <a:p>
             <a:fld id="{9D3B325B-4EA6-47CE-BC7B-536A80AE14CE}" type="datetimeFigureOut">
               <a:rPr lang="en-IN" smtClean="0"/>
-              <a:t>28-01-2025</a:t>
+              <a:t>29-01-2025</a:t>
             </a:fld>
             <a:endParaRPr lang="en-IN"/>
           </a:p>
@@ -1739,7 +1740,7 @@
           <a:p>
             <a:fld id="{9D3B325B-4EA6-47CE-BC7B-536A80AE14CE}" type="datetimeFigureOut">
               <a:rPr lang="en-IN" smtClean="0"/>
-              <a:t>28-01-2025</a:t>
+              <a:t>29-01-2025</a:t>
             </a:fld>
             <a:endParaRPr lang="en-IN"/>
           </a:p>
@@ -1909,7 +1910,7 @@
           <a:p>
             <a:fld id="{9D3B325B-4EA6-47CE-BC7B-536A80AE14CE}" type="datetimeFigureOut">
               <a:rPr lang="en-IN" smtClean="0"/>
-              <a:t>28-01-2025</a:t>
+              <a:t>29-01-2025</a:t>
             </a:fld>
             <a:endParaRPr lang="en-IN"/>
           </a:p>
@@ -2119,7 +2120,7 @@
           <a:p>
             <a:fld id="{9D3B325B-4EA6-47CE-BC7B-536A80AE14CE}" type="datetimeFigureOut">
               <a:rPr lang="en-IN" smtClean="0"/>
-              <a:t>28-01-2025</a:t>
+              <a:t>29-01-2025</a:t>
             </a:fld>
             <a:endParaRPr lang="en-IN"/>
           </a:p>
@@ -2933,7 +2934,7 @@
           <a:p>
             <a:fld id="{9D3B325B-4EA6-47CE-BC7B-536A80AE14CE}" type="datetimeFigureOut">
               <a:rPr lang="en-IN" smtClean="0"/>
-              <a:t>28-01-2025</a:t>
+              <a:t>29-01-2025</a:t>
             </a:fld>
             <a:endParaRPr lang="en-IN"/>
           </a:p>
@@ -3169,7 +3170,7 @@
           <a:p>
             <a:fld id="{9D3B325B-4EA6-47CE-BC7B-536A80AE14CE}" type="datetimeFigureOut">
               <a:rPr lang="en-IN" smtClean="0"/>
-              <a:t>28-01-2025</a:t>
+              <a:t>29-01-2025</a:t>
             </a:fld>
             <a:endParaRPr lang="en-IN"/>
           </a:p>
@@ -3492,7 +3493,7 @@
           <a:p>
             <a:fld id="{9D3B325B-4EA6-47CE-BC7B-536A80AE14CE}" type="datetimeFigureOut">
               <a:rPr lang="en-IN" smtClean="0"/>
-              <a:t>28-01-2025</a:t>
+              <a:t>29-01-2025</a:t>
             </a:fld>
             <a:endParaRPr lang="en-IN"/>
           </a:p>
@@ -3582,7 +3583,7 @@
           <a:p>
             <a:fld id="{9D3B325B-4EA6-47CE-BC7B-536A80AE14CE}" type="datetimeFigureOut">
               <a:rPr lang="en-IN" smtClean="0"/>
-              <a:t>28-01-2025</a:t>
+              <a:t>29-01-2025</a:t>
             </a:fld>
             <a:endParaRPr lang="en-IN"/>
           </a:p>
@@ -4099,7 +4100,7 @@
           <a:p>
             <a:fld id="{9D3B325B-4EA6-47CE-BC7B-536A80AE14CE}" type="datetimeFigureOut">
               <a:rPr lang="en-IN" smtClean="0"/>
-              <a:t>28-01-2025</a:t>
+              <a:t>29-01-2025</a:t>
             </a:fld>
             <a:endParaRPr lang="en-IN"/>
           </a:p>
@@ -4610,7 +4611,7 @@
           <a:p>
             <a:fld id="{9D3B325B-4EA6-47CE-BC7B-536A80AE14CE}" type="datetimeFigureOut">
               <a:rPr lang="en-IN" smtClean="0"/>
-              <a:t>28-01-2025</a:t>
+              <a:t>29-01-2025</a:t>
             </a:fld>
             <a:endParaRPr lang="en-IN"/>
           </a:p>
@@ -4855,7 +4856,7 @@
           <a:p>
             <a:fld id="{9D3B325B-4EA6-47CE-BC7B-536A80AE14CE}" type="datetimeFigureOut">
               <a:rPr lang="en-IN" smtClean="0"/>
-              <a:t>28-01-2025</a:t>
+              <a:t>29-01-2025</a:t>
             </a:fld>
             <a:endParaRPr lang="en-IN"/>
           </a:p>
@@ -5590,18 +5591,18 @@
       </p:grpSpPr>
       <p:sp>
         <p:nvSpPr>
-          <p:cNvPr id="3" name="Content Placeholder 2"/>
-          <p:cNvSpPr>
-            <a:spLocks noGrp="1"/>
-          </p:cNvSpPr>
-          <p:nvPr>
-            <p:ph sz="quarter" idx="1"/>
+          <p:cNvPr id="2" name="Title 1"/>
+          <p:cNvSpPr>
+            <a:spLocks noGrp="1"/>
+          </p:cNvSpPr>
+          <p:nvPr>
+            <p:ph type="title"/>
           </p:nvPr>
         </p:nvSpPr>
         <p:spPr>
           <a:xfrm>
-            <a:off x="457200" y="908720"/>
-            <a:ext cx="7643192" cy="5565232"/>
+            <a:off x="467544" y="332656"/>
+            <a:ext cx="7467600" cy="508918"/>
           </a:xfrm>
         </p:spPr>
         <p:txBody>
@@ -5610,182 +5611,46 @@
           </a:bodyPr>
           <a:lstStyle/>
           <a:p>
-            <a:pPr algn="just"/>
-            <a:r>
-              <a:rPr lang="en-US" b="1" dirty="0" smtClean="0">
+            <a:r>
+              <a:rPr lang="en-IN" sz="2400" b="1" dirty="0" smtClean="0">
                 <a:latin typeface="Times New Roman" pitchFamily="18" charset="0"/>
                 <a:cs typeface="Times New Roman" pitchFamily="18" charset="0"/>
               </a:rPr>
-              <a:t>High </a:t>
-            </a:r>
-            <a:r>
-              <a:rPr lang="en-US" b="1" dirty="0">
+              <a:t>Top 10 handset by average </a:t>
+            </a:r>
+            <a:r>
+              <a:rPr lang="en-IN" sz="2400" b="1" dirty="0" err="1" smtClean="0">
                 <a:latin typeface="Times New Roman" pitchFamily="18" charset="0"/>
                 <a:cs typeface="Times New Roman" pitchFamily="18" charset="0"/>
               </a:rPr>
-              <a:t>TCP retransmission rates: </a:t>
-            </a:r>
-            <a:r>
-              <a:rPr lang="en-US" dirty="0">
+              <a:t>tcp</a:t>
+            </a:r>
+            <a:r>
+              <a:rPr lang="en-IN" sz="2400" b="1" dirty="0" smtClean="0">
                 <a:latin typeface="Times New Roman" pitchFamily="18" charset="0"/>
                 <a:cs typeface="Times New Roman" pitchFamily="18" charset="0"/>
               </a:rPr>
-              <a:t>All top 10 handsets have average TCP retransmission rates above 4, indicating a significant amount of retransmitted </a:t>
-            </a:r>
-            <a:r>
-              <a:rPr lang="en-US" dirty="0" smtClean="0">
-                <a:latin typeface="Times New Roman" pitchFamily="18" charset="0"/>
-                <a:cs typeface="Times New Roman" pitchFamily="18" charset="0"/>
-              </a:rPr>
-              <a:t>data.</a:t>
-            </a:r>
-          </a:p>
-          <a:p>
-            <a:pPr algn="just"/>
-            <a:r>
-              <a:rPr lang="en-US" b="1" dirty="0" smtClean="0">
-                <a:latin typeface="Times New Roman" pitchFamily="18" charset="0"/>
-                <a:cs typeface="Times New Roman" pitchFamily="18" charset="0"/>
-              </a:rPr>
-              <a:t>Similar </a:t>
-            </a:r>
-            <a:r>
-              <a:rPr lang="en-US" b="1" dirty="0">
-                <a:latin typeface="Times New Roman" pitchFamily="18" charset="0"/>
-                <a:cs typeface="Times New Roman" pitchFamily="18" charset="0"/>
-              </a:rPr>
-              <a:t>retransmission rates: </a:t>
-            </a:r>
-            <a:r>
-              <a:rPr lang="en-US" dirty="0">
-                <a:latin typeface="Times New Roman" pitchFamily="18" charset="0"/>
-                <a:cs typeface="Times New Roman" pitchFamily="18" charset="0"/>
-              </a:rPr>
-              <a:t>The top 10 handsets have relatively similar average TCP retransmission rates, suggesting that these handsets may be experiencing similar network conditions or </a:t>
-            </a:r>
-            <a:r>
-              <a:rPr lang="en-US" dirty="0" smtClean="0">
-                <a:latin typeface="Times New Roman" pitchFamily="18" charset="0"/>
-                <a:cs typeface="Times New Roman" pitchFamily="18" charset="0"/>
-              </a:rPr>
-              <a:t>issues.</a:t>
-            </a:r>
-          </a:p>
-          <a:p>
-            <a:pPr algn="just"/>
-            <a:r>
-              <a:rPr lang="en-US" b="1" dirty="0" smtClean="0">
-                <a:latin typeface="Times New Roman" pitchFamily="18" charset="0"/>
-                <a:cs typeface="Times New Roman" pitchFamily="18" charset="0"/>
-              </a:rPr>
-              <a:t>No </a:t>
-            </a:r>
-            <a:r>
-              <a:rPr lang="en-US" b="1" dirty="0">
-                <a:latin typeface="Times New Roman" pitchFamily="18" charset="0"/>
-                <a:cs typeface="Times New Roman" pitchFamily="18" charset="0"/>
-              </a:rPr>
-              <a:t>clear leader: </a:t>
-            </a:r>
-            <a:r>
-              <a:rPr lang="en-US" dirty="0">
-                <a:latin typeface="Times New Roman" pitchFamily="18" charset="0"/>
-                <a:cs typeface="Times New Roman" pitchFamily="18" charset="0"/>
-              </a:rPr>
-              <a:t>Unlike the throughput graph, there is no clear leader in terms of TCP retransmission rate, as all handsets have similar rates.</a:t>
-            </a:r>
-            <a:endParaRPr lang="en-IN" dirty="0">
+              <a:t> retransmission</a:t>
+            </a:r>
+            <a:endParaRPr lang="en-IN" sz="2400" b="1" dirty="0">
               <a:latin typeface="Times New Roman" pitchFamily="18" charset="0"/>
               <a:cs typeface="Times New Roman" pitchFamily="18" charset="0"/>
             </a:endParaRPr>
           </a:p>
         </p:txBody>
       </p:sp>
-    </p:spTree>
-    <p:extLst>
-      <p:ext uri="{BB962C8B-B14F-4D97-AF65-F5344CB8AC3E}">
-        <p14:creationId xmlns:p14="http://schemas.microsoft.com/office/powerpoint/2010/main" val="2985201409"/>
-      </p:ext>
-    </p:extLst>
-  </p:cSld>
-  <p:clrMapOvr>
-    <a:masterClrMapping/>
-  </p:clrMapOvr>
-  <p:timing>
-    <p:tnLst>
-      <p:par>
-        <p:cTn id="1" dur="indefinite" restart="never" nodeType="tmRoot"/>
-      </p:par>
-    </p:tnLst>
-  </p:timing>
-</p:sld>
-</file>
-
-<file path=ppt/slides/slide11.xml><?xml version="1.0" encoding="utf-8"?>
-<p:sld xmlns:a="http://schemas.openxmlformats.org/drawingml/2006/main" xmlns:r="http://schemas.openxmlformats.org/officeDocument/2006/relationships" xmlns:p="http://schemas.openxmlformats.org/presentationml/2006/main">
-  <p:cSld>
-    <p:spTree>
-      <p:nvGrpSpPr>
-        <p:cNvPr id="1" name=""/>
-        <p:cNvGrpSpPr/>
-        <p:nvPr/>
-      </p:nvGrpSpPr>
-      <p:grpSpPr>
-        <a:xfrm>
-          <a:off x="0" y="0"/>
-          <a:ext cx="0" cy="0"/>
-          <a:chOff x="0" y="0"/>
-          <a:chExt cx="0" cy="0"/>
-        </a:xfrm>
-      </p:grpSpPr>
-      <p:sp>
-        <p:nvSpPr>
-          <p:cNvPr id="2" name="Title 1"/>
-          <p:cNvSpPr>
-            <a:spLocks noGrp="1"/>
-          </p:cNvSpPr>
-          <p:nvPr>
-            <p:ph type="title"/>
-          </p:nvPr>
-        </p:nvSpPr>
-        <p:spPr/>
-        <p:txBody>
-          <a:bodyPr/>
-          <a:lstStyle/>
-          <a:p>
-            <a:endParaRPr lang="en-IN"/>
-          </a:p>
-        </p:txBody>
-      </p:sp>
-      <p:sp>
-        <p:nvSpPr>
-          <p:cNvPr id="3" name="Content Placeholder 2"/>
-          <p:cNvSpPr>
-            <a:spLocks noGrp="1"/>
-          </p:cNvSpPr>
-          <p:nvPr>
-            <p:ph sz="quarter" idx="1"/>
-          </p:nvPr>
-        </p:nvSpPr>
-        <p:spPr/>
-        <p:txBody>
-          <a:bodyPr/>
-          <a:lstStyle/>
-          <a:p>
-            <a:endParaRPr lang="en-IN" dirty="0"/>
-          </a:p>
-        </p:txBody>
-      </p:sp>
       <p:pic>
         <p:nvPicPr>
-          <p:cNvPr id="1026" name="Picture 2"/>
+          <p:cNvPr id="5122" name="Picture 2"/>
           <p:cNvPicPr>
-            <a:picLocks noChangeAspect="1" noChangeArrowheads="1"/>
+            <a:picLocks noGrp="1" noChangeAspect="1" noChangeArrowheads="1"/>
           </p:cNvPicPr>
-          <p:nvPr/>
+          <p:nvPr>
+            <p:ph sz="quarter" idx="1"/>
+          </p:nvPr>
         </p:nvPicPr>
         <p:blipFill>
-          <a:blip r:embed="rId3">
+          <a:blip r:embed="rId2">
             <a:extLst>
               <a:ext uri="{28A0092B-C50C-407E-A947-70E740481C1C}">
                 <a14:useLocalDpi xmlns:a14="http://schemas.microsoft.com/office/drawing/2010/main" val="0"/>
@@ -5799,8 +5664,8 @@
         </p:blipFill>
         <p:spPr bwMode="auto">
           <a:xfrm>
-            <a:off x="467544" y="1556792"/>
-            <a:ext cx="7488831" cy="4968552"/>
+            <a:off x="251520" y="980728"/>
+            <a:ext cx="8568952" cy="5493097"/>
           </a:xfrm>
           <a:prstGeom prst="rect">
             <a:avLst/>
@@ -5843,13 +5708,170 @@
     </p:spTree>
     <p:extLst>
       <p:ext uri="{BB962C8B-B14F-4D97-AF65-F5344CB8AC3E}">
-        <p14:creationId xmlns:p14="http://schemas.microsoft.com/office/powerpoint/2010/main" val="2341733145"/>
+        <p14:creationId xmlns:p14="http://schemas.microsoft.com/office/powerpoint/2010/main" val="1625256330"/>
       </p:ext>
     </p:extLst>
   </p:cSld>
   <p:clrMapOvr>
     <a:masterClrMapping/>
   </p:clrMapOvr>
+  <p:timing>
+    <p:tnLst>
+      <p:par>
+        <p:cTn id="1" dur="indefinite" restart="never" nodeType="tmRoot"/>
+      </p:par>
+    </p:tnLst>
+  </p:timing>
+</p:sld>
+</file>
+
+<file path=ppt/slides/slide11.xml><?xml version="1.0" encoding="utf-8"?>
+<p:sld xmlns:a="http://schemas.openxmlformats.org/drawingml/2006/main" xmlns:r="http://schemas.openxmlformats.org/officeDocument/2006/relationships" xmlns:p="http://schemas.openxmlformats.org/presentationml/2006/main">
+  <p:cSld>
+    <p:spTree>
+      <p:nvGrpSpPr>
+        <p:cNvPr id="1" name=""/>
+        <p:cNvGrpSpPr/>
+        <p:nvPr/>
+      </p:nvGrpSpPr>
+      <p:grpSpPr>
+        <a:xfrm>
+          <a:off x="0" y="0"/>
+          <a:ext cx="0" cy="0"/>
+          <a:chOff x="0" y="0"/>
+          <a:chExt cx="0" cy="0"/>
+        </a:xfrm>
+      </p:grpSpPr>
+      <p:sp>
+        <p:nvSpPr>
+          <p:cNvPr id="3" name="Content Placeholder 2"/>
+          <p:cNvSpPr>
+            <a:spLocks noGrp="1"/>
+          </p:cNvSpPr>
+          <p:nvPr>
+            <p:ph sz="quarter" idx="1"/>
+          </p:nvPr>
+        </p:nvSpPr>
+        <p:spPr>
+          <a:xfrm>
+            <a:off x="457200" y="908720"/>
+            <a:ext cx="7643192" cy="5565232"/>
+          </a:xfrm>
+        </p:spPr>
+        <p:txBody>
+          <a:bodyPr>
+            <a:normAutofit/>
+          </a:bodyPr>
+          <a:lstStyle/>
+          <a:p>
+            <a:pPr algn="just"/>
+            <a:r>
+              <a:rPr lang="en-US" b="1" dirty="0" smtClean="0">
+                <a:latin typeface="Times New Roman" pitchFamily="18" charset="0"/>
+                <a:cs typeface="Times New Roman" pitchFamily="18" charset="0"/>
+              </a:rPr>
+              <a:t>High </a:t>
+            </a:r>
+            <a:r>
+              <a:rPr lang="en-US" b="1" dirty="0">
+                <a:latin typeface="Times New Roman" pitchFamily="18" charset="0"/>
+                <a:cs typeface="Times New Roman" pitchFamily="18" charset="0"/>
+              </a:rPr>
+              <a:t>TCP retransmission rates: </a:t>
+            </a:r>
+            <a:r>
+              <a:rPr lang="en-US" dirty="0">
+                <a:latin typeface="Times New Roman" pitchFamily="18" charset="0"/>
+                <a:cs typeface="Times New Roman" pitchFamily="18" charset="0"/>
+              </a:rPr>
+              <a:t>All top 10 handsets have average TCP retransmission rates above 4, indicating a significant amount of retransmitted </a:t>
+            </a:r>
+            <a:r>
+              <a:rPr lang="en-US" dirty="0" smtClean="0">
+                <a:latin typeface="Times New Roman" pitchFamily="18" charset="0"/>
+                <a:cs typeface="Times New Roman" pitchFamily="18" charset="0"/>
+              </a:rPr>
+              <a:t>data.</a:t>
+            </a:r>
+          </a:p>
+          <a:p>
+            <a:pPr algn="just"/>
+            <a:r>
+              <a:rPr lang="en-US" b="1" dirty="0" smtClean="0">
+                <a:latin typeface="Times New Roman" pitchFamily="18" charset="0"/>
+                <a:cs typeface="Times New Roman" pitchFamily="18" charset="0"/>
+              </a:rPr>
+              <a:t>Similar </a:t>
+            </a:r>
+            <a:r>
+              <a:rPr lang="en-US" b="1" dirty="0">
+                <a:latin typeface="Times New Roman" pitchFamily="18" charset="0"/>
+                <a:cs typeface="Times New Roman" pitchFamily="18" charset="0"/>
+              </a:rPr>
+              <a:t>retransmission rates: </a:t>
+            </a:r>
+            <a:r>
+              <a:rPr lang="en-US" dirty="0">
+                <a:latin typeface="Times New Roman" pitchFamily="18" charset="0"/>
+                <a:cs typeface="Times New Roman" pitchFamily="18" charset="0"/>
+              </a:rPr>
+              <a:t>The top 10 handsets have relatively similar average TCP retransmission rates, suggesting that these handsets may be experiencing similar network conditions or </a:t>
+            </a:r>
+            <a:r>
+              <a:rPr lang="en-US" dirty="0" smtClean="0">
+                <a:latin typeface="Times New Roman" pitchFamily="18" charset="0"/>
+                <a:cs typeface="Times New Roman" pitchFamily="18" charset="0"/>
+              </a:rPr>
+              <a:t>issues.</a:t>
+            </a:r>
+          </a:p>
+          <a:p>
+            <a:pPr algn="just"/>
+            <a:r>
+              <a:rPr lang="en-US" b="1" dirty="0" smtClean="0">
+                <a:latin typeface="Times New Roman" pitchFamily="18" charset="0"/>
+                <a:cs typeface="Times New Roman" pitchFamily="18" charset="0"/>
+              </a:rPr>
+              <a:t>No </a:t>
+            </a:r>
+            <a:r>
+              <a:rPr lang="en-US" b="1" dirty="0">
+                <a:latin typeface="Times New Roman" pitchFamily="18" charset="0"/>
+                <a:cs typeface="Times New Roman" pitchFamily="18" charset="0"/>
+              </a:rPr>
+              <a:t>clear leader: </a:t>
+            </a:r>
+            <a:r>
+              <a:rPr lang="en-US" dirty="0">
+                <a:latin typeface="Times New Roman" pitchFamily="18" charset="0"/>
+                <a:cs typeface="Times New Roman" pitchFamily="18" charset="0"/>
+              </a:rPr>
+              <a:t>Unlike the throughput graph, there is no clear leader in terms of TCP retransmission rate, as all handsets have similar rates.</a:t>
+            </a:r>
+            <a:endParaRPr lang="en-IN" dirty="0">
+              <a:latin typeface="Times New Roman" pitchFamily="18" charset="0"/>
+              <a:cs typeface="Times New Roman" pitchFamily="18" charset="0"/>
+            </a:endParaRPr>
+          </a:p>
+        </p:txBody>
+      </p:sp>
+    </p:spTree>
+    <p:extLst>
+      <p:ext uri="{BB962C8B-B14F-4D97-AF65-F5344CB8AC3E}">
+        <p14:creationId xmlns:p14="http://schemas.microsoft.com/office/powerpoint/2010/main" val="2985201409"/>
+      </p:ext>
+    </p:extLst>
+  </p:cSld>
+  <p:clrMapOvr>
+    <a:masterClrMapping/>
+  </p:clrMapOvr>
+  <p:timing>
+    <p:tnLst>
+      <p:par>
+        <p:cTn id="1" dur="indefinite" restart="never" nodeType="tmRoot"/>
+      </p:par>
+    </p:tnLst>
+  </p:timing>
 </p:sld>
 </file>
 
@@ -5882,410 +5904,10 @@
         </p:nvSpPr>
         <p:spPr/>
         <p:txBody>
-          <a:bodyPr>
-            <a:normAutofit/>
-          </a:bodyPr>
-          <a:lstStyle/>
-          <a:p>
-            <a:r>
-              <a:rPr lang="en-US" sz="2800" dirty="0">
-                <a:latin typeface="Times New Roman" pitchFamily="18" charset="0"/>
-                <a:cs typeface="Times New Roman" pitchFamily="18" charset="0"/>
-              </a:rPr>
-              <a:t>Engagement and Satisfaction Correlation</a:t>
-            </a:r>
-            <a:br>
-              <a:rPr lang="en-US" sz="2800" dirty="0">
-                <a:latin typeface="Times New Roman" pitchFamily="18" charset="0"/>
-                <a:cs typeface="Times New Roman" pitchFamily="18" charset="0"/>
-              </a:rPr>
-            </a:br>
-            <a:endParaRPr lang="en-IN" sz="2800" dirty="0">
-              <a:latin typeface="Times New Roman" pitchFamily="18" charset="0"/>
-              <a:cs typeface="Times New Roman" pitchFamily="18" charset="0"/>
-            </a:endParaRPr>
-          </a:p>
-        </p:txBody>
-      </p:sp>
-      <p:sp>
-        <p:nvSpPr>
-          <p:cNvPr id="3" name="Content Placeholder 2"/>
-          <p:cNvSpPr>
-            <a:spLocks noGrp="1"/>
-          </p:cNvSpPr>
-          <p:nvPr>
-            <p:ph sz="quarter" idx="1"/>
-          </p:nvPr>
-        </p:nvSpPr>
-        <p:spPr>
-          <a:xfrm>
-            <a:off x="539552" y="1556792"/>
-            <a:ext cx="7467600" cy="2808312"/>
-          </a:xfrm>
-        </p:spPr>
-        <p:txBody>
-          <a:bodyPr>
-            <a:normAutofit/>
-          </a:bodyPr>
-          <a:lstStyle/>
-          <a:p>
-            <a:pPr marL="457200" indent="-457200" algn="just">
-              <a:buFont typeface="+mj-lt"/>
-              <a:buAutoNum type="arabicPeriod"/>
-            </a:pPr>
-            <a:r>
-              <a:rPr lang="en-US" dirty="0" smtClean="0">
-                <a:latin typeface="Times New Roman" pitchFamily="18" charset="0"/>
-                <a:cs typeface="Times New Roman" pitchFamily="18" charset="0"/>
-              </a:rPr>
-              <a:t>There </a:t>
-            </a:r>
-            <a:r>
-              <a:rPr lang="en-US" dirty="0">
-                <a:latin typeface="Times New Roman" pitchFamily="18" charset="0"/>
-                <a:cs typeface="Times New Roman" pitchFamily="18" charset="0"/>
-              </a:rPr>
-              <a:t>is a positive correlation between engagement and satisfaction scores. As engagement scores increase, satisfaction scores also tend to </a:t>
-            </a:r>
-            <a:r>
-              <a:rPr lang="en-US" dirty="0" smtClean="0">
-                <a:latin typeface="Times New Roman" pitchFamily="18" charset="0"/>
-                <a:cs typeface="Times New Roman" pitchFamily="18" charset="0"/>
-              </a:rPr>
-              <a:t>increase.</a:t>
-            </a:r>
-          </a:p>
-          <a:p>
-            <a:pPr marL="457200" indent="-457200" algn="just">
-              <a:buFont typeface="+mj-lt"/>
-              <a:buAutoNum type="arabicPeriod"/>
-            </a:pPr>
-            <a:r>
-              <a:rPr lang="en-US" dirty="0" smtClean="0">
-                <a:latin typeface="Times New Roman" pitchFamily="18" charset="0"/>
-                <a:cs typeface="Times New Roman" pitchFamily="18" charset="0"/>
-              </a:rPr>
-              <a:t>This </a:t>
-            </a:r>
-            <a:r>
-              <a:rPr lang="en-US" dirty="0">
-                <a:latin typeface="Times New Roman" pitchFamily="18" charset="0"/>
-                <a:cs typeface="Times New Roman" pitchFamily="18" charset="0"/>
-              </a:rPr>
-              <a:t>suggests that users who are more engaged with the product or service tend to be more satisfied</a:t>
-            </a:r>
-            <a:r>
-              <a:rPr lang="en-US" dirty="0" smtClean="0">
-                <a:latin typeface="Times New Roman" pitchFamily="18" charset="0"/>
-                <a:cs typeface="Times New Roman" pitchFamily="18" charset="0"/>
-              </a:rPr>
-              <a:t>.</a:t>
-            </a:r>
-          </a:p>
-        </p:txBody>
-      </p:sp>
-    </p:spTree>
-    <p:extLst>
-      <p:ext uri="{BB962C8B-B14F-4D97-AF65-F5344CB8AC3E}">
-        <p14:creationId xmlns:p14="http://schemas.microsoft.com/office/powerpoint/2010/main" val="4217266634"/>
-      </p:ext>
-    </p:extLst>
-  </p:cSld>
-  <p:clrMapOvr>
-    <a:masterClrMapping/>
-  </p:clrMapOvr>
-</p:sld>
-</file>
-
-<file path=ppt/slides/slide13.xml><?xml version="1.0" encoding="utf-8"?>
-<p:sld xmlns:a="http://schemas.openxmlformats.org/drawingml/2006/main" xmlns:r="http://schemas.openxmlformats.org/officeDocument/2006/relationships" xmlns:p="http://schemas.openxmlformats.org/presentationml/2006/main">
-  <p:cSld>
-    <p:spTree>
-      <p:nvGrpSpPr>
-        <p:cNvPr id="1" name=""/>
-        <p:cNvGrpSpPr/>
-        <p:nvPr/>
-      </p:nvGrpSpPr>
-      <p:grpSpPr>
-        <a:xfrm>
-          <a:off x="0" y="0"/>
-          <a:ext cx="0" cy="0"/>
-          <a:chOff x="0" y="0"/>
-          <a:chExt cx="0" cy="0"/>
-        </a:xfrm>
-      </p:grpSpPr>
-      <p:sp>
-        <p:nvSpPr>
-          <p:cNvPr id="2" name="Title 1"/>
-          <p:cNvSpPr>
-            <a:spLocks noGrp="1"/>
-          </p:cNvSpPr>
-          <p:nvPr>
-            <p:ph type="title"/>
-          </p:nvPr>
-        </p:nvSpPr>
-        <p:spPr>
-          <a:xfrm>
-            <a:off x="395536" y="332656"/>
-            <a:ext cx="7467600" cy="796950"/>
-          </a:xfrm>
-        </p:spPr>
-        <p:txBody>
           <a:bodyPr/>
           <a:lstStyle/>
           <a:p>
-            <a:r>
-              <a:rPr lang="en-IN" dirty="0">
-                <a:latin typeface="Times New Roman" pitchFamily="18" charset="0"/>
-                <a:cs typeface="Times New Roman" pitchFamily="18" charset="0"/>
-              </a:rPr>
-              <a:t>Consistent Experience Scores</a:t>
-            </a:r>
-          </a:p>
-        </p:txBody>
-      </p:sp>
-      <p:sp>
-        <p:nvSpPr>
-          <p:cNvPr id="3" name="Content Placeholder 2"/>
-          <p:cNvSpPr>
-            <a:spLocks noGrp="1"/>
-          </p:cNvSpPr>
-          <p:nvPr>
-            <p:ph sz="quarter" idx="1"/>
-          </p:nvPr>
-        </p:nvSpPr>
-        <p:spPr>
-          <a:xfrm>
-            <a:off x="395536" y="1412776"/>
-            <a:ext cx="7920880" cy="4873752"/>
-          </a:xfrm>
-        </p:spPr>
-        <p:txBody>
-          <a:bodyPr/>
-          <a:lstStyle/>
-          <a:p>
-            <a:pPr marL="457200" indent="-457200" algn="just">
-              <a:buFont typeface="+mj-lt"/>
-              <a:buAutoNum type="arabicPeriod"/>
-            </a:pPr>
-            <a:r>
-              <a:rPr lang="en-US" dirty="0" smtClean="0">
-                <a:latin typeface="Times New Roman" pitchFamily="18" charset="0"/>
-                <a:cs typeface="Times New Roman" pitchFamily="18" charset="0"/>
-              </a:rPr>
-              <a:t> </a:t>
-            </a:r>
-            <a:r>
-              <a:rPr lang="en-US" dirty="0">
-                <a:latin typeface="Times New Roman" pitchFamily="18" charset="0"/>
-                <a:cs typeface="Times New Roman" pitchFamily="18" charset="0"/>
-              </a:rPr>
-              <a:t>Experience scores remain consistent across all data points, with a score of </a:t>
-            </a:r>
-            <a:r>
-              <a:rPr lang="en-US" dirty="0" smtClean="0">
-                <a:latin typeface="Times New Roman" pitchFamily="18" charset="0"/>
-                <a:cs typeface="Times New Roman" pitchFamily="18" charset="0"/>
-              </a:rPr>
-              <a:t>1.0.</a:t>
-            </a:r>
-          </a:p>
-          <a:p>
-            <a:pPr marL="457200" indent="-457200" algn="just">
-              <a:buFont typeface="+mj-lt"/>
-              <a:buAutoNum type="arabicPeriod"/>
-            </a:pPr>
-            <a:r>
-              <a:rPr lang="en-US" dirty="0" smtClean="0">
-                <a:latin typeface="Times New Roman" pitchFamily="18" charset="0"/>
-                <a:cs typeface="Times New Roman" pitchFamily="18" charset="0"/>
-              </a:rPr>
-              <a:t>This </a:t>
-            </a:r>
-            <a:r>
-              <a:rPr lang="en-US" dirty="0">
-                <a:latin typeface="Times New Roman" pitchFamily="18" charset="0"/>
-                <a:cs typeface="Times New Roman" pitchFamily="18" charset="0"/>
-              </a:rPr>
-              <a:t>could indicate that the experience of using the product or service is uniform across all users.</a:t>
-            </a:r>
-          </a:p>
-        </p:txBody>
-      </p:sp>
-    </p:spTree>
-    <p:extLst>
-      <p:ext uri="{BB962C8B-B14F-4D97-AF65-F5344CB8AC3E}">
-        <p14:creationId xmlns:p14="http://schemas.microsoft.com/office/powerpoint/2010/main" val="1795068585"/>
-      </p:ext>
-    </p:extLst>
-  </p:cSld>
-  <p:clrMapOvr>
-    <a:masterClrMapping/>
-  </p:clrMapOvr>
-</p:sld>
-</file>
-
-<file path=ppt/slides/slide14.xml><?xml version="1.0" encoding="utf-8"?>
-<p:sld xmlns:a="http://schemas.openxmlformats.org/drawingml/2006/main" xmlns:r="http://schemas.openxmlformats.org/officeDocument/2006/relationships" xmlns:p="http://schemas.openxmlformats.org/presentationml/2006/main">
-  <p:cSld>
-    <p:spTree>
-      <p:nvGrpSpPr>
-        <p:cNvPr id="1" name=""/>
-        <p:cNvGrpSpPr/>
-        <p:nvPr/>
-      </p:nvGrpSpPr>
-      <p:grpSpPr>
-        <a:xfrm>
-          <a:off x="0" y="0"/>
-          <a:ext cx="0" cy="0"/>
-          <a:chOff x="0" y="0"/>
-          <a:chExt cx="0" cy="0"/>
-        </a:xfrm>
-      </p:grpSpPr>
-      <p:sp>
-        <p:nvSpPr>
-          <p:cNvPr id="2" name="Title 1"/>
-          <p:cNvSpPr>
-            <a:spLocks noGrp="1"/>
-          </p:cNvSpPr>
-          <p:nvPr>
-            <p:ph type="title"/>
-          </p:nvPr>
-        </p:nvSpPr>
-        <p:spPr/>
-        <p:txBody>
-          <a:bodyPr/>
-          <a:lstStyle/>
-          <a:p>
-            <a:r>
-              <a:rPr lang="en-IN" dirty="0">
-                <a:latin typeface="Times New Roman" pitchFamily="18" charset="0"/>
-                <a:cs typeface="Times New Roman" pitchFamily="18" charset="0"/>
-              </a:rPr>
-              <a:t>Variance in Satisfaction Scores</a:t>
-            </a:r>
-          </a:p>
-        </p:txBody>
-      </p:sp>
-      <p:sp>
-        <p:nvSpPr>
-          <p:cNvPr id="3" name="Content Placeholder 2"/>
-          <p:cNvSpPr>
-            <a:spLocks noGrp="1"/>
-          </p:cNvSpPr>
-          <p:nvPr>
-            <p:ph sz="quarter" idx="1"/>
-          </p:nvPr>
-        </p:nvSpPr>
-        <p:spPr/>
-        <p:txBody>
-          <a:bodyPr/>
-          <a:lstStyle/>
-          <a:p>
-            <a:pPr marL="457200" indent="-457200" algn="just">
-              <a:buFont typeface="+mj-lt"/>
-              <a:buAutoNum type="arabicPeriod"/>
-            </a:pPr>
-            <a:r>
-              <a:rPr lang="en-US" dirty="0" smtClean="0">
-                <a:latin typeface="Times New Roman" pitchFamily="18" charset="0"/>
-                <a:cs typeface="Times New Roman" pitchFamily="18" charset="0"/>
-              </a:rPr>
-              <a:t>Satisfaction </a:t>
-            </a:r>
-            <a:r>
-              <a:rPr lang="en-US" dirty="0">
-                <a:latin typeface="Times New Roman" pitchFamily="18" charset="0"/>
-                <a:cs typeface="Times New Roman" pitchFamily="18" charset="0"/>
-              </a:rPr>
-              <a:t>scores vary widely, ranging from 126,037,214 to </a:t>
-            </a:r>
-            <a:r>
-              <a:rPr lang="en-US" dirty="0" smtClean="0">
-                <a:latin typeface="Times New Roman" pitchFamily="18" charset="0"/>
-                <a:cs typeface="Times New Roman" pitchFamily="18" charset="0"/>
-              </a:rPr>
-              <a:t>1,366,386,971.</a:t>
-            </a:r>
-          </a:p>
-          <a:p>
-            <a:pPr marL="457200" indent="-457200" algn="just">
-              <a:buFont typeface="+mj-lt"/>
-              <a:buAutoNum type="arabicPeriod"/>
-            </a:pPr>
-            <a:r>
-              <a:rPr lang="en-US" dirty="0" smtClean="0">
-                <a:latin typeface="Times New Roman" pitchFamily="18" charset="0"/>
-                <a:cs typeface="Times New Roman" pitchFamily="18" charset="0"/>
-              </a:rPr>
-              <a:t>This </a:t>
-            </a:r>
-            <a:r>
-              <a:rPr lang="en-US" dirty="0">
-                <a:latin typeface="Times New Roman" pitchFamily="18" charset="0"/>
-                <a:cs typeface="Times New Roman" pitchFamily="18" charset="0"/>
-              </a:rPr>
-              <a:t>suggests that there are opportunities for improvement in terms of satisfaction, as some users are much more satisfied than others.</a:t>
-            </a:r>
-            <a:endParaRPr lang="en-IN" dirty="0">
-              <a:latin typeface="Times New Roman" pitchFamily="18" charset="0"/>
-              <a:cs typeface="Times New Roman" pitchFamily="18" charset="0"/>
-            </a:endParaRPr>
-          </a:p>
-        </p:txBody>
-      </p:sp>
-    </p:spTree>
-    <p:extLst>
-      <p:ext uri="{BB962C8B-B14F-4D97-AF65-F5344CB8AC3E}">
-        <p14:creationId xmlns:p14="http://schemas.microsoft.com/office/powerpoint/2010/main" val="3015223564"/>
-      </p:ext>
-    </p:extLst>
-  </p:cSld>
-  <p:clrMapOvr>
-    <a:masterClrMapping/>
-  </p:clrMapOvr>
-</p:sld>
-</file>
-
-<file path=ppt/slides/slide15.xml><?xml version="1.0" encoding="utf-8"?>
-<p:sld xmlns:a="http://schemas.openxmlformats.org/drawingml/2006/main" xmlns:r="http://schemas.openxmlformats.org/officeDocument/2006/relationships" xmlns:p="http://schemas.openxmlformats.org/presentationml/2006/main">
-  <p:cSld>
-    <p:spTree>
-      <p:nvGrpSpPr>
-        <p:cNvPr id="1" name=""/>
-        <p:cNvGrpSpPr/>
-        <p:nvPr/>
-      </p:nvGrpSpPr>
-      <p:grpSpPr>
-        <a:xfrm>
-          <a:off x="0" y="0"/>
-          <a:ext cx="0" cy="0"/>
-          <a:chOff x="0" y="0"/>
-          <a:chExt cx="0" cy="0"/>
-        </a:xfrm>
-      </p:grpSpPr>
-      <p:sp>
-        <p:nvSpPr>
-          <p:cNvPr id="2" name="Title 1"/>
-          <p:cNvSpPr>
-            <a:spLocks noGrp="1"/>
-          </p:cNvSpPr>
-          <p:nvPr>
-            <p:ph type="title"/>
-          </p:nvPr>
-        </p:nvSpPr>
-        <p:spPr/>
-        <p:txBody>
-          <a:bodyPr/>
-          <a:lstStyle/>
-          <a:p>
-            <a:r>
-              <a:rPr lang="en-IN" dirty="0">
-                <a:latin typeface="Times New Roman" pitchFamily="18" charset="0"/>
-                <a:cs typeface="Times New Roman" pitchFamily="18" charset="0"/>
-              </a:rPr>
-              <a:t>Model Tracking Report</a:t>
-            </a:r>
+            <a:endParaRPr lang="en-IN"/>
           </a:p>
         </p:txBody>
       </p:sp>
@@ -6310,14 +5932,14 @@
       </p:sp>
       <p:pic>
         <p:nvPicPr>
-          <p:cNvPr id="2050" name="Picture 2"/>
+          <p:cNvPr id="1026" name="Picture 2"/>
           <p:cNvPicPr>
             <a:picLocks noChangeAspect="1" noChangeArrowheads="1"/>
           </p:cNvPicPr>
           <p:nvPr/>
         </p:nvPicPr>
         <p:blipFill>
-          <a:blip r:embed="rId2">
+          <a:blip r:embed="rId3">
             <a:extLst>
               <a:ext uri="{28A0092B-C50C-407E-A947-70E740481C1C}">
                 <a14:useLocalDpi xmlns:a14="http://schemas.microsoft.com/office/drawing/2010/main" val="0"/>
@@ -6331,8 +5953,8 @@
         </p:blipFill>
         <p:spPr bwMode="auto">
           <a:xfrm>
-            <a:off x="395536" y="1556792"/>
-            <a:ext cx="7632848" cy="5113883"/>
+            <a:off x="467544" y="1556792"/>
+            <a:ext cx="7488831" cy="4968552"/>
           </a:xfrm>
           <a:prstGeom prst="rect">
             <a:avLst/>
@@ -6375,7 +5997,7 @@
     </p:spTree>
     <p:extLst>
       <p:ext uri="{BB962C8B-B14F-4D97-AF65-F5344CB8AC3E}">
-        <p14:creationId xmlns:p14="http://schemas.microsoft.com/office/powerpoint/2010/main" val="769578865"/>
+        <p14:creationId xmlns:p14="http://schemas.microsoft.com/office/powerpoint/2010/main" val="2341733145"/>
       </p:ext>
     </p:extLst>
   </p:cSld>
@@ -6385,7 +6007,7 @@
 </p:sld>
 </file>
 
-<file path=ppt/slides/slide2.xml><?xml version="1.0" encoding="utf-8"?>
+<file path=ppt/slides/slide13.xml><?xml version="1.0" encoding="utf-8"?>
 <p:sld xmlns:a="http://schemas.openxmlformats.org/drawingml/2006/main" xmlns:r="http://schemas.openxmlformats.org/officeDocument/2006/relationships" xmlns:p="http://schemas.openxmlformats.org/presentationml/2006/main">
   <p:cSld>
     <p:spTree>
@@ -6420,13 +6042,22 @@
           <a:lstStyle/>
           <a:p>
             <a:r>
-              <a:rPr lang="en-IN" sz="3600" b="1" dirty="0">
+              <a:rPr lang="en-US" sz="2800" dirty="0">
                 <a:latin typeface="Times New Roman" pitchFamily="18" charset="0"/>
                 <a:cs typeface="Times New Roman" pitchFamily="18" charset="0"/>
               </a:rPr>
-              <a:t>Brief Overview:</a:t>
-            </a:r>
-            <a:endParaRPr lang="en-IN" sz="3600" b="1" dirty="0"/>
+              <a:t>Engagement and Satisfaction Correlation</a:t>
+            </a:r>
+            <a:br>
+              <a:rPr lang="en-US" sz="2800" dirty="0">
+                <a:latin typeface="Times New Roman" pitchFamily="18" charset="0"/>
+                <a:cs typeface="Times New Roman" pitchFamily="18" charset="0"/>
+              </a:rPr>
+            </a:br>
+            <a:endParaRPr lang="en-IN" sz="2800" dirty="0">
+              <a:latin typeface="Times New Roman" pitchFamily="18" charset="0"/>
+              <a:cs typeface="Times New Roman" pitchFamily="18" charset="0"/>
+            </a:endParaRPr>
           </a:p>
         </p:txBody>
       </p:sp>
@@ -6440,80 +6071,87 @@
             <p:ph sz="quarter" idx="1"/>
           </p:nvPr>
         </p:nvSpPr>
-        <p:spPr/>
-        <p:txBody>
-          <a:bodyPr/>
-          <a:lstStyle/>
-          <a:p>
-            <a:pPr marL="342900" indent="-342900" algn="just">
-              <a:buFont typeface="Wingdings" pitchFamily="2" charset="2"/>
-              <a:buChar char="v"/>
+        <p:spPr>
+          <a:xfrm>
+            <a:off x="539552" y="1556792"/>
+            <a:ext cx="7467600" cy="2808312"/>
+          </a:xfrm>
+        </p:spPr>
+        <p:txBody>
+          <a:bodyPr>
+            <a:normAutofit/>
+          </a:bodyPr>
+          <a:lstStyle/>
+          <a:p>
+            <a:pPr marL="457200" indent="-457200" algn="just">
+              <a:buFont typeface="+mj-lt"/>
+              <a:buAutoNum type="arabicPeriod"/>
             </a:pPr>
+            <a:r>
+              <a:rPr lang="en-US" dirty="0" smtClean="0">
+                <a:latin typeface="Times New Roman" pitchFamily="18" charset="0"/>
+                <a:cs typeface="Times New Roman" pitchFamily="18" charset="0"/>
+              </a:rPr>
+              <a:t>There </a:t>
+            </a:r>
             <a:r>
               <a:rPr lang="en-US" dirty="0">
                 <a:latin typeface="Times New Roman" pitchFamily="18" charset="0"/>
                 <a:cs typeface="Times New Roman" pitchFamily="18" charset="0"/>
               </a:rPr>
-              <a:t>In today's competitive telecommunications market, understanding user behavior and experience is crucial for driving business growth. </a:t>
-            </a:r>
-          </a:p>
-          <a:p>
-            <a:pPr marL="342900" indent="-342900" algn="just">
-              <a:buFont typeface="Wingdings" pitchFamily="2" charset="2"/>
-              <a:buChar char="v"/>
+              <a:t>is a positive correlation between engagement and satisfaction scores. As engagement scores increase, satisfaction scores also tend to </a:t>
+            </a:r>
+            <a:r>
+              <a:rPr lang="en-US" dirty="0" smtClean="0">
+                <a:latin typeface="Times New Roman" pitchFamily="18" charset="0"/>
+                <a:cs typeface="Times New Roman" pitchFamily="18" charset="0"/>
+              </a:rPr>
+              <a:t>increase.</a:t>
+            </a:r>
+          </a:p>
+          <a:p>
+            <a:pPr marL="457200" indent="-457200" algn="just">
+              <a:buFont typeface="+mj-lt"/>
+              <a:buAutoNum type="arabicPeriod"/>
             </a:pPr>
+            <a:r>
+              <a:rPr lang="en-US" dirty="0" smtClean="0">
+                <a:latin typeface="Times New Roman" pitchFamily="18" charset="0"/>
+                <a:cs typeface="Times New Roman" pitchFamily="18" charset="0"/>
+              </a:rPr>
+              <a:t>This </a:t>
+            </a:r>
             <a:r>
               <a:rPr lang="en-US" dirty="0">
                 <a:latin typeface="Times New Roman" pitchFamily="18" charset="0"/>
                 <a:cs typeface="Times New Roman" pitchFamily="18" charset="0"/>
               </a:rPr>
-              <a:t>This project aims to analyze user data from </a:t>
-            </a:r>
-            <a:r>
-              <a:rPr lang="en-US" dirty="0" err="1">
+              <a:t>suggests that users who are more engaged with the product or service tend to be more satisfied</a:t>
+            </a:r>
+            <a:r>
+              <a:rPr lang="en-US" dirty="0" smtClean="0">
                 <a:latin typeface="Times New Roman" pitchFamily="18" charset="0"/>
                 <a:cs typeface="Times New Roman" pitchFamily="18" charset="0"/>
               </a:rPr>
-              <a:t>TellCo</a:t>
-            </a:r>
-            <a:r>
-              <a:rPr lang="en-US" dirty="0">
-                <a:latin typeface="Times New Roman" pitchFamily="18" charset="0"/>
-                <a:cs typeface="Times New Roman" pitchFamily="18" charset="0"/>
-              </a:rPr>
-              <a:t>, a telecommunications service provider, to identify key insights and opportunities for improvement.</a:t>
-            </a:r>
-            <a:endParaRPr lang="en-IN" dirty="0">
-              <a:latin typeface="Times New Roman" pitchFamily="18" charset="0"/>
-              <a:cs typeface="Times New Roman" pitchFamily="18" charset="0"/>
-            </a:endParaRPr>
-          </a:p>
-          <a:p>
-            <a:endParaRPr lang="en-IN" dirty="0"/>
+              <a:t>.</a:t>
+            </a:r>
           </a:p>
         </p:txBody>
       </p:sp>
     </p:spTree>
     <p:extLst>
       <p:ext uri="{BB962C8B-B14F-4D97-AF65-F5344CB8AC3E}">
-        <p14:creationId xmlns:p14="http://schemas.microsoft.com/office/powerpoint/2010/main" val="1671073747"/>
+        <p14:creationId xmlns:p14="http://schemas.microsoft.com/office/powerpoint/2010/main" val="4217266634"/>
       </p:ext>
     </p:extLst>
   </p:cSld>
   <p:clrMapOvr>
     <a:masterClrMapping/>
   </p:clrMapOvr>
-  <p:timing>
-    <p:tnLst>
-      <p:par>
-        <p:cTn id="1" dur="indefinite" restart="never" nodeType="tmRoot"/>
-      </p:par>
-    </p:tnLst>
-  </p:timing>
 </p:sld>
 </file>
 
-<file path=ppt/slides/slide3.xml><?xml version="1.0" encoding="utf-8"?>
+<file path=ppt/slides/slide14.xml><?xml version="1.0" encoding="utf-8"?>
 <p:sld xmlns:a="http://schemas.openxmlformats.org/drawingml/2006/main" xmlns:r="http://schemas.openxmlformats.org/officeDocument/2006/relationships" xmlns:p="http://schemas.openxmlformats.org/presentationml/2006/main">
   <p:cSld>
     <p:spTree>
@@ -6542,46 +6180,295 @@
         </p:nvSpPr>
         <p:spPr>
           <a:xfrm>
-            <a:off x="611560" y="332656"/>
-            <a:ext cx="7467600" cy="508918"/>
-          </a:xfrm>
-        </p:spPr>
-        <p:txBody>
-          <a:bodyPr>
-            <a:normAutofit/>
-          </a:bodyPr>
-          <a:lstStyle/>
-          <a:p>
-            <a:r>
-              <a:rPr lang="en-IN" sz="2400" b="1" dirty="0">
+            <a:off x="395536" y="332656"/>
+            <a:ext cx="7467600" cy="796950"/>
+          </a:xfrm>
+        </p:spPr>
+        <p:txBody>
+          <a:bodyPr/>
+          <a:lstStyle/>
+          <a:p>
+            <a:r>
+              <a:rPr lang="en-IN" dirty="0">
                 <a:latin typeface="Times New Roman" pitchFamily="18" charset="0"/>
                 <a:cs typeface="Times New Roman" pitchFamily="18" charset="0"/>
               </a:rPr>
-              <a:t>Cluster Analysis: User Engagement </a:t>
-            </a:r>
-            <a:r>
-              <a:rPr lang="en-IN" sz="2400" b="1" dirty="0" smtClean="0">
+              <a:t>Consistent Experience Scores</a:t>
+            </a:r>
+          </a:p>
+        </p:txBody>
+      </p:sp>
+      <p:sp>
+        <p:nvSpPr>
+          <p:cNvPr id="3" name="Content Placeholder 2"/>
+          <p:cNvSpPr>
+            <a:spLocks noGrp="1"/>
+          </p:cNvSpPr>
+          <p:nvPr>
+            <p:ph sz="quarter" idx="1"/>
+          </p:nvPr>
+        </p:nvSpPr>
+        <p:spPr>
+          <a:xfrm>
+            <a:off x="395536" y="1412776"/>
+            <a:ext cx="7920880" cy="4873752"/>
+          </a:xfrm>
+        </p:spPr>
+        <p:txBody>
+          <a:bodyPr/>
+          <a:lstStyle/>
+          <a:p>
+            <a:pPr marL="457200" indent="-457200" algn="just">
+              <a:buFont typeface="+mj-lt"/>
+              <a:buAutoNum type="arabicPeriod"/>
+            </a:pPr>
+            <a:r>
+              <a:rPr lang="en-US" dirty="0" smtClean="0">
                 <a:latin typeface="Times New Roman" pitchFamily="18" charset="0"/>
                 <a:cs typeface="Times New Roman" pitchFamily="18" charset="0"/>
               </a:rPr>
-              <a:t>Patterns</a:t>
-            </a:r>
-            <a:endParaRPr lang="en-IN" sz="2400" b="1" dirty="0">
+              <a:t> </a:t>
+            </a:r>
+            <a:r>
+              <a:rPr lang="en-US" dirty="0">
+                <a:latin typeface="Times New Roman" pitchFamily="18" charset="0"/>
+                <a:cs typeface="Times New Roman" pitchFamily="18" charset="0"/>
+              </a:rPr>
+              <a:t>Experience scores remain consistent across all data points, with a score of </a:t>
+            </a:r>
+            <a:r>
+              <a:rPr lang="en-US" dirty="0" smtClean="0">
+                <a:latin typeface="Times New Roman" pitchFamily="18" charset="0"/>
+                <a:cs typeface="Times New Roman" pitchFamily="18" charset="0"/>
+              </a:rPr>
+              <a:t>1.0.</a:t>
+            </a:r>
+          </a:p>
+          <a:p>
+            <a:pPr marL="457200" indent="-457200" algn="just">
+              <a:buFont typeface="+mj-lt"/>
+              <a:buAutoNum type="arabicPeriod"/>
+            </a:pPr>
+            <a:r>
+              <a:rPr lang="en-US" dirty="0" smtClean="0">
+                <a:latin typeface="Times New Roman" pitchFamily="18" charset="0"/>
+                <a:cs typeface="Times New Roman" pitchFamily="18" charset="0"/>
+              </a:rPr>
+              <a:t>This </a:t>
+            </a:r>
+            <a:r>
+              <a:rPr lang="en-US" dirty="0">
+                <a:latin typeface="Times New Roman" pitchFamily="18" charset="0"/>
+                <a:cs typeface="Times New Roman" pitchFamily="18" charset="0"/>
+              </a:rPr>
+              <a:t>could indicate that the experience of using the product or service is uniform across all users.</a:t>
+            </a:r>
+          </a:p>
+        </p:txBody>
+      </p:sp>
+    </p:spTree>
+    <p:extLst>
+      <p:ext uri="{BB962C8B-B14F-4D97-AF65-F5344CB8AC3E}">
+        <p14:creationId xmlns:p14="http://schemas.microsoft.com/office/powerpoint/2010/main" val="1795068585"/>
+      </p:ext>
+    </p:extLst>
+  </p:cSld>
+  <p:clrMapOvr>
+    <a:masterClrMapping/>
+  </p:clrMapOvr>
+</p:sld>
+</file>
+
+<file path=ppt/slides/slide15.xml><?xml version="1.0" encoding="utf-8"?>
+<p:sld xmlns:a="http://schemas.openxmlformats.org/drawingml/2006/main" xmlns:r="http://schemas.openxmlformats.org/officeDocument/2006/relationships" xmlns:p="http://schemas.openxmlformats.org/presentationml/2006/main">
+  <p:cSld>
+    <p:spTree>
+      <p:nvGrpSpPr>
+        <p:cNvPr id="1" name=""/>
+        <p:cNvGrpSpPr/>
+        <p:nvPr/>
+      </p:nvGrpSpPr>
+      <p:grpSpPr>
+        <a:xfrm>
+          <a:off x="0" y="0"/>
+          <a:ext cx="0" cy="0"/>
+          <a:chOff x="0" y="0"/>
+          <a:chExt cx="0" cy="0"/>
+        </a:xfrm>
+      </p:grpSpPr>
+      <p:sp>
+        <p:nvSpPr>
+          <p:cNvPr id="2" name="Title 1"/>
+          <p:cNvSpPr>
+            <a:spLocks noGrp="1"/>
+          </p:cNvSpPr>
+          <p:nvPr>
+            <p:ph type="title"/>
+          </p:nvPr>
+        </p:nvSpPr>
+        <p:spPr/>
+        <p:txBody>
+          <a:bodyPr/>
+          <a:lstStyle/>
+          <a:p>
+            <a:r>
+              <a:rPr lang="en-IN" dirty="0">
+                <a:latin typeface="Times New Roman" pitchFamily="18" charset="0"/>
+                <a:cs typeface="Times New Roman" pitchFamily="18" charset="0"/>
+              </a:rPr>
+              <a:t>Variance in Satisfaction Scores</a:t>
+            </a:r>
+          </a:p>
+        </p:txBody>
+      </p:sp>
+      <p:sp>
+        <p:nvSpPr>
+          <p:cNvPr id="3" name="Content Placeholder 2"/>
+          <p:cNvSpPr>
+            <a:spLocks noGrp="1"/>
+          </p:cNvSpPr>
+          <p:nvPr>
+            <p:ph sz="quarter" idx="1"/>
+          </p:nvPr>
+        </p:nvSpPr>
+        <p:spPr/>
+        <p:txBody>
+          <a:bodyPr/>
+          <a:lstStyle/>
+          <a:p>
+            <a:pPr marL="457200" indent="-457200" algn="just">
+              <a:buFont typeface="+mj-lt"/>
+              <a:buAutoNum type="arabicPeriod"/>
+            </a:pPr>
+            <a:r>
+              <a:rPr lang="en-US" dirty="0" smtClean="0">
+                <a:latin typeface="Times New Roman" pitchFamily="18" charset="0"/>
+                <a:cs typeface="Times New Roman" pitchFamily="18" charset="0"/>
+              </a:rPr>
+              <a:t>Satisfaction </a:t>
+            </a:r>
+            <a:r>
+              <a:rPr lang="en-US" dirty="0">
+                <a:latin typeface="Times New Roman" pitchFamily="18" charset="0"/>
+                <a:cs typeface="Times New Roman" pitchFamily="18" charset="0"/>
+              </a:rPr>
+              <a:t>scores vary widely, ranging from 126,037,214 to </a:t>
+            </a:r>
+            <a:r>
+              <a:rPr lang="en-US" dirty="0" smtClean="0">
+                <a:latin typeface="Times New Roman" pitchFamily="18" charset="0"/>
+                <a:cs typeface="Times New Roman" pitchFamily="18" charset="0"/>
+              </a:rPr>
+              <a:t>1,366,386,971.</a:t>
+            </a:r>
+          </a:p>
+          <a:p>
+            <a:pPr marL="457200" indent="-457200" algn="just">
+              <a:buFont typeface="+mj-lt"/>
+              <a:buAutoNum type="arabicPeriod"/>
+            </a:pPr>
+            <a:r>
+              <a:rPr lang="en-US" dirty="0" smtClean="0">
+                <a:latin typeface="Times New Roman" pitchFamily="18" charset="0"/>
+                <a:cs typeface="Times New Roman" pitchFamily="18" charset="0"/>
+              </a:rPr>
+              <a:t>This </a:t>
+            </a:r>
+            <a:r>
+              <a:rPr lang="en-US" dirty="0">
+                <a:latin typeface="Times New Roman" pitchFamily="18" charset="0"/>
+                <a:cs typeface="Times New Roman" pitchFamily="18" charset="0"/>
+              </a:rPr>
+              <a:t>suggests that there are opportunities for improvement in terms of satisfaction, as some users are much more satisfied than others.</a:t>
+            </a:r>
+            <a:endParaRPr lang="en-IN" dirty="0">
               <a:latin typeface="Times New Roman" pitchFamily="18" charset="0"/>
               <a:cs typeface="Times New Roman" pitchFamily="18" charset="0"/>
             </a:endParaRPr>
           </a:p>
         </p:txBody>
       </p:sp>
+    </p:spTree>
+    <p:extLst>
+      <p:ext uri="{BB962C8B-B14F-4D97-AF65-F5344CB8AC3E}">
+        <p14:creationId xmlns:p14="http://schemas.microsoft.com/office/powerpoint/2010/main" val="3015223564"/>
+      </p:ext>
+    </p:extLst>
+  </p:cSld>
+  <p:clrMapOvr>
+    <a:masterClrMapping/>
+  </p:clrMapOvr>
+</p:sld>
+</file>
+
+<file path=ppt/slides/slide16.xml><?xml version="1.0" encoding="utf-8"?>
+<p:sld xmlns:a="http://schemas.openxmlformats.org/drawingml/2006/main" xmlns:r="http://schemas.openxmlformats.org/officeDocument/2006/relationships" xmlns:p="http://schemas.openxmlformats.org/presentationml/2006/main">
+  <p:cSld>
+    <p:spTree>
+      <p:nvGrpSpPr>
+        <p:cNvPr id="1" name=""/>
+        <p:cNvGrpSpPr/>
+        <p:nvPr/>
+      </p:nvGrpSpPr>
+      <p:grpSpPr>
+        <a:xfrm>
+          <a:off x="0" y="0"/>
+          <a:ext cx="0" cy="0"/>
+          <a:chOff x="0" y="0"/>
+          <a:chExt cx="0" cy="0"/>
+        </a:xfrm>
+      </p:grpSpPr>
+      <p:sp>
+        <p:nvSpPr>
+          <p:cNvPr id="2" name="Title 1"/>
+          <p:cNvSpPr>
+            <a:spLocks noGrp="1"/>
+          </p:cNvSpPr>
+          <p:nvPr>
+            <p:ph type="title"/>
+          </p:nvPr>
+        </p:nvSpPr>
+        <p:spPr/>
+        <p:txBody>
+          <a:bodyPr/>
+          <a:lstStyle/>
+          <a:p>
+            <a:r>
+              <a:rPr lang="en-IN" dirty="0">
+                <a:latin typeface="Times New Roman" pitchFamily="18" charset="0"/>
+                <a:cs typeface="Times New Roman" pitchFamily="18" charset="0"/>
+              </a:rPr>
+              <a:t>Model Tracking Report</a:t>
+            </a:r>
+          </a:p>
+        </p:txBody>
+      </p:sp>
+      <p:sp>
+        <p:nvSpPr>
+          <p:cNvPr id="3" name="Content Placeholder 2"/>
+          <p:cNvSpPr>
+            <a:spLocks noGrp="1"/>
+          </p:cNvSpPr>
+          <p:nvPr>
+            <p:ph sz="quarter" idx="1"/>
+          </p:nvPr>
+        </p:nvSpPr>
+        <p:spPr/>
+        <p:txBody>
+          <a:bodyPr/>
+          <a:lstStyle/>
+          <a:p>
+            <a:endParaRPr lang="en-IN" dirty="0"/>
+          </a:p>
+        </p:txBody>
+      </p:sp>
       <p:pic>
         <p:nvPicPr>
-          <p:cNvPr id="1026" name="Picture 2"/>
+          <p:cNvPr id="2050" name="Picture 2"/>
           <p:cNvPicPr>
-            <a:picLocks noGrp="1" noChangeAspect="1" noChangeArrowheads="1"/>
+            <a:picLocks noChangeAspect="1" noChangeArrowheads="1"/>
           </p:cNvPicPr>
-          <p:nvPr>
-            <p:ph sz="quarter" idx="1"/>
-          </p:nvPr>
+          <p:nvPr/>
         </p:nvPicPr>
         <p:blipFill>
           <a:blip r:embed="rId2">
@@ -6598,8 +6485,8 @@
         </p:blipFill>
         <p:spPr bwMode="auto">
           <a:xfrm>
-            <a:off x="457200" y="1124744"/>
-            <a:ext cx="7859216" cy="5256584"/>
+            <a:off x="395536" y="1556792"/>
+            <a:ext cx="7632848" cy="5113883"/>
           </a:xfrm>
           <a:prstGeom prst="rect">
             <a:avLst/>
@@ -6642,7 +6529,195 @@
     </p:spTree>
     <p:extLst>
       <p:ext uri="{BB962C8B-B14F-4D97-AF65-F5344CB8AC3E}">
-        <p14:creationId xmlns:p14="http://schemas.microsoft.com/office/powerpoint/2010/main" val="1677044254"/>
+        <p14:creationId xmlns:p14="http://schemas.microsoft.com/office/powerpoint/2010/main" val="769578865"/>
+      </p:ext>
+    </p:extLst>
+  </p:cSld>
+  <p:clrMapOvr>
+    <a:masterClrMapping/>
+  </p:clrMapOvr>
+</p:sld>
+</file>
+
+<file path=ppt/slides/slide2.xml><?xml version="1.0" encoding="utf-8"?>
+<p:sld xmlns:a="http://schemas.openxmlformats.org/drawingml/2006/main" xmlns:r="http://schemas.openxmlformats.org/officeDocument/2006/relationships" xmlns:p="http://schemas.openxmlformats.org/presentationml/2006/main">
+  <p:cSld>
+    <p:spTree>
+      <p:nvGrpSpPr>
+        <p:cNvPr id="1" name=""/>
+        <p:cNvGrpSpPr/>
+        <p:nvPr/>
+      </p:nvGrpSpPr>
+      <p:grpSpPr>
+        <a:xfrm>
+          <a:off x="0" y="0"/>
+          <a:ext cx="0" cy="0"/>
+          <a:chOff x="0" y="0"/>
+          <a:chExt cx="0" cy="0"/>
+        </a:xfrm>
+      </p:grpSpPr>
+      <p:sp>
+        <p:nvSpPr>
+          <p:cNvPr id="2" name="Title 1"/>
+          <p:cNvSpPr>
+            <a:spLocks noGrp="1"/>
+          </p:cNvSpPr>
+          <p:nvPr>
+            <p:ph type="title"/>
+          </p:nvPr>
+        </p:nvSpPr>
+        <p:spPr>
+          <a:xfrm>
+            <a:off x="611560" y="2492896"/>
+            <a:ext cx="7467600" cy="1143000"/>
+          </a:xfrm>
+        </p:spPr>
+        <p:txBody>
+          <a:bodyPr>
+            <a:noAutofit/>
+          </a:bodyPr>
+          <a:lstStyle/>
+          <a:p>
+            <a:pPr algn="ctr"/>
+            <a:r>
+              <a:rPr lang="en-IN" sz="9600" dirty="0" smtClean="0">
+                <a:latin typeface="Times New Roman" pitchFamily="18" charset="0"/>
+                <a:cs typeface="Times New Roman" pitchFamily="18" charset="0"/>
+              </a:rPr>
+              <a:t>Thank you</a:t>
+            </a:r>
+            <a:endParaRPr lang="en-IN" sz="9600" dirty="0">
+              <a:latin typeface="Times New Roman" pitchFamily="18" charset="0"/>
+              <a:cs typeface="Times New Roman" pitchFamily="18" charset="0"/>
+            </a:endParaRPr>
+          </a:p>
+        </p:txBody>
+      </p:sp>
+    </p:spTree>
+    <p:extLst>
+      <p:ext uri="{BB962C8B-B14F-4D97-AF65-F5344CB8AC3E}">
+        <p14:creationId xmlns:p14="http://schemas.microsoft.com/office/powerpoint/2010/main" val="2561587435"/>
+      </p:ext>
+    </p:extLst>
+  </p:cSld>
+  <p:clrMapOvr>
+    <a:masterClrMapping/>
+  </p:clrMapOvr>
+</p:sld>
+</file>
+
+<file path=ppt/slides/slide3.xml><?xml version="1.0" encoding="utf-8"?>
+<p:sld xmlns:a="http://schemas.openxmlformats.org/drawingml/2006/main" xmlns:r="http://schemas.openxmlformats.org/officeDocument/2006/relationships" xmlns:p="http://schemas.openxmlformats.org/presentationml/2006/main">
+  <p:cSld>
+    <p:spTree>
+      <p:nvGrpSpPr>
+        <p:cNvPr id="1" name=""/>
+        <p:cNvGrpSpPr/>
+        <p:nvPr/>
+      </p:nvGrpSpPr>
+      <p:grpSpPr>
+        <a:xfrm>
+          <a:off x="0" y="0"/>
+          <a:ext cx="0" cy="0"/>
+          <a:chOff x="0" y="0"/>
+          <a:chExt cx="0" cy="0"/>
+        </a:xfrm>
+      </p:grpSpPr>
+      <p:sp>
+        <p:nvSpPr>
+          <p:cNvPr id="2" name="Title 1"/>
+          <p:cNvSpPr>
+            <a:spLocks noGrp="1"/>
+          </p:cNvSpPr>
+          <p:nvPr>
+            <p:ph type="title"/>
+          </p:nvPr>
+        </p:nvSpPr>
+        <p:spPr/>
+        <p:txBody>
+          <a:bodyPr>
+            <a:normAutofit/>
+          </a:bodyPr>
+          <a:lstStyle/>
+          <a:p>
+            <a:r>
+              <a:rPr lang="en-IN" sz="3600" b="1" dirty="0">
+                <a:latin typeface="Times New Roman" pitchFamily="18" charset="0"/>
+                <a:cs typeface="Times New Roman" pitchFamily="18" charset="0"/>
+              </a:rPr>
+              <a:t>Brief Overview:</a:t>
+            </a:r>
+            <a:endParaRPr lang="en-IN" sz="3600" b="1" dirty="0"/>
+          </a:p>
+        </p:txBody>
+      </p:sp>
+      <p:sp>
+        <p:nvSpPr>
+          <p:cNvPr id="3" name="Content Placeholder 2"/>
+          <p:cNvSpPr>
+            <a:spLocks noGrp="1"/>
+          </p:cNvSpPr>
+          <p:nvPr>
+            <p:ph sz="quarter" idx="1"/>
+          </p:nvPr>
+        </p:nvSpPr>
+        <p:spPr/>
+        <p:txBody>
+          <a:bodyPr/>
+          <a:lstStyle/>
+          <a:p>
+            <a:pPr marL="342900" indent="-342900" algn="just">
+              <a:buFont typeface="Wingdings" pitchFamily="2" charset="2"/>
+              <a:buChar char="v"/>
+            </a:pPr>
+            <a:r>
+              <a:rPr lang="en-US" dirty="0">
+                <a:latin typeface="Times New Roman" pitchFamily="18" charset="0"/>
+                <a:cs typeface="Times New Roman" pitchFamily="18" charset="0"/>
+              </a:rPr>
+              <a:t>In today's competitive telecommunications market, understanding user behavior and experience is crucial for driving business growth. </a:t>
+            </a:r>
+          </a:p>
+          <a:p>
+            <a:pPr marL="342900" indent="-342900" algn="just">
+              <a:buFont typeface="Wingdings" pitchFamily="2" charset="2"/>
+              <a:buChar char="v"/>
+            </a:pPr>
+            <a:r>
+              <a:rPr lang="en-US" dirty="0">
+                <a:latin typeface="Times New Roman" pitchFamily="18" charset="0"/>
+                <a:cs typeface="Times New Roman" pitchFamily="18" charset="0"/>
+              </a:rPr>
+              <a:t>This project aims to analyze user data from </a:t>
+            </a:r>
+            <a:r>
+              <a:rPr lang="en-US" dirty="0" err="1">
+                <a:latin typeface="Times New Roman" pitchFamily="18" charset="0"/>
+                <a:cs typeface="Times New Roman" pitchFamily="18" charset="0"/>
+              </a:rPr>
+              <a:t>TellCo</a:t>
+            </a:r>
+            <a:r>
+              <a:rPr lang="en-US" dirty="0">
+                <a:latin typeface="Times New Roman" pitchFamily="18" charset="0"/>
+                <a:cs typeface="Times New Roman" pitchFamily="18" charset="0"/>
+              </a:rPr>
+              <a:t>, a telecommunications service provider, to identify key insights and opportunities for improvement.</a:t>
+            </a:r>
+            <a:endParaRPr lang="en-IN" dirty="0">
+              <a:latin typeface="Times New Roman" pitchFamily="18" charset="0"/>
+              <a:cs typeface="Times New Roman" pitchFamily="18" charset="0"/>
+            </a:endParaRPr>
+          </a:p>
+          <a:p>
+            <a:endParaRPr lang="en-IN" dirty="0"/>
+          </a:p>
+        </p:txBody>
+      </p:sp>
+    </p:spTree>
+    <p:extLst>
+      <p:ext uri="{BB962C8B-B14F-4D97-AF65-F5344CB8AC3E}">
+        <p14:creationId xmlns:p14="http://schemas.microsoft.com/office/powerpoint/2010/main" val="1671073747"/>
       </p:ext>
     </p:extLst>
   </p:cSld>
@@ -6678,195 +6753,50 @@
       </p:grpSpPr>
       <p:sp>
         <p:nvSpPr>
-          <p:cNvPr id="3" name="Content Placeholder 2"/>
-          <p:cNvSpPr>
-            <a:spLocks noGrp="1"/>
-          </p:cNvSpPr>
-          <p:nvPr>
-            <p:ph sz="quarter" idx="1"/>
+          <p:cNvPr id="2" name="Title 1"/>
+          <p:cNvSpPr>
+            <a:spLocks noGrp="1"/>
+          </p:cNvSpPr>
+          <p:nvPr>
+            <p:ph type="title"/>
           </p:nvPr>
         </p:nvSpPr>
         <p:spPr>
           <a:xfrm>
-            <a:off x="457200" y="692696"/>
-            <a:ext cx="8219256" cy="5781256"/>
+            <a:off x="611560" y="332656"/>
+            <a:ext cx="7467600" cy="508918"/>
           </a:xfrm>
         </p:spPr>
         <p:txBody>
           <a:bodyPr>
-            <a:normAutofit fontScale="92500" lnSpcReduction="10000"/>
+            <a:normAutofit/>
           </a:bodyPr>
           <a:lstStyle/>
           <a:p>
-            <a:pPr algn="just"/>
-            <a:r>
-              <a:rPr lang="en-US" dirty="0" smtClean="0">
+            <a:r>
+              <a:rPr lang="en-IN" sz="2400" b="1" dirty="0">
                 <a:latin typeface="Times New Roman" pitchFamily="18" charset="0"/>
                 <a:cs typeface="Times New Roman" pitchFamily="18" charset="0"/>
               </a:rPr>
-              <a:t>Cluster 2 dominates: Cluster 2 exhibits significantly higher values for session duration, total downloads, and total uploads compared to the other two clusters.</a:t>
-            </a:r>
-          </a:p>
-          <a:p>
-            <a:pPr algn="just"/>
-            <a:r>
-              <a:rPr lang="en-US" dirty="0" smtClean="0">
+              <a:t>Cluster Analysis: User Engagement </a:t>
+            </a:r>
+            <a:r>
+              <a:rPr lang="en-IN" sz="2400" b="1" dirty="0" smtClean="0">
                 <a:latin typeface="Times New Roman" pitchFamily="18" charset="0"/>
                 <a:cs typeface="Times New Roman" pitchFamily="18" charset="0"/>
               </a:rPr>
-              <a:t>Cluster 3 shows moderate activity: Cluster 3 displays moderate levels of session duration, total downloads, and total uploads, but substantially lower than Cluster 2.</a:t>
-            </a:r>
-          </a:p>
-          <a:p>
-            <a:pPr algn="just"/>
-            <a:r>
-              <a:rPr lang="en-US" dirty="0" smtClean="0">
-                <a:latin typeface="Times New Roman" pitchFamily="18" charset="0"/>
-                <a:cs typeface="Times New Roman" pitchFamily="18" charset="0"/>
-              </a:rPr>
-              <a:t>Cluster 1 is relatively inactive: Cluster 1 shows minimal activity, with almost negligible values for session duration, total downloads, and total uploads.</a:t>
-            </a:r>
-          </a:p>
-          <a:p>
-            <a:pPr marL="0" indent="0" algn="just">
-              <a:buNone/>
-            </a:pPr>
-            <a:r>
-              <a:rPr lang="en-US" dirty="0" smtClean="0">
-                <a:latin typeface="Times New Roman" pitchFamily="18" charset="0"/>
-                <a:cs typeface="Times New Roman" pitchFamily="18" charset="0"/>
-              </a:rPr>
-              <a:t/>
-            </a:r>
-            <a:br>
-              <a:rPr lang="en-US" dirty="0" smtClean="0">
-                <a:latin typeface="Times New Roman" pitchFamily="18" charset="0"/>
-                <a:cs typeface="Times New Roman" pitchFamily="18" charset="0"/>
-              </a:rPr>
-            </a:br>
-            <a:r>
-              <a:rPr lang="en-US" b="1" dirty="0" smtClean="0">
-                <a:latin typeface="Times New Roman" pitchFamily="18" charset="0"/>
-                <a:cs typeface="Times New Roman" pitchFamily="18" charset="0"/>
-              </a:rPr>
-              <a:t>Insights:</a:t>
-            </a:r>
-          </a:p>
-          <a:p>
-            <a:pPr algn="just"/>
-            <a:r>
-              <a:rPr lang="en-US" dirty="0" smtClean="0">
-                <a:latin typeface="Times New Roman" pitchFamily="18" charset="0"/>
-                <a:cs typeface="Times New Roman" pitchFamily="18" charset="0"/>
-              </a:rPr>
-              <a:t>Cluster 2 users are the most engaged and active, indicating a strong affinity for the service.</a:t>
-            </a:r>
-          </a:p>
-          <a:p>
-            <a:pPr algn="just"/>
-            <a:r>
-              <a:rPr lang="en-US" dirty="0" smtClean="0">
-                <a:latin typeface="Times New Roman" pitchFamily="18" charset="0"/>
-                <a:cs typeface="Times New Roman" pitchFamily="18" charset="0"/>
-              </a:rPr>
-              <a:t>Cluster 3 users represent a moderate segment, which may require targeted marketing efforts to increase engagement.</a:t>
-            </a:r>
-          </a:p>
-          <a:p>
-            <a:pPr algn="just"/>
-            <a:r>
-              <a:rPr lang="en-US" dirty="0" smtClean="0">
-                <a:latin typeface="Times New Roman" pitchFamily="18" charset="0"/>
-                <a:cs typeface="Times New Roman" pitchFamily="18" charset="0"/>
-              </a:rPr>
-              <a:t>Cluster 1 users are relatively inactive, suggesting a need for re-engagement strategies or potentially a different service offering.</a:t>
-            </a:r>
-          </a:p>
-          <a:p>
-            <a:pPr algn="just"/>
-            <a:endParaRPr lang="en-IN" dirty="0">
+              <a:t>Patterns</a:t>
+            </a:r>
+            <a:endParaRPr lang="en-IN" sz="2400" b="1" dirty="0">
               <a:latin typeface="Times New Roman" pitchFamily="18" charset="0"/>
               <a:cs typeface="Times New Roman" pitchFamily="18" charset="0"/>
             </a:endParaRPr>
           </a:p>
         </p:txBody>
       </p:sp>
-    </p:spTree>
-    <p:extLst>
-      <p:ext uri="{BB962C8B-B14F-4D97-AF65-F5344CB8AC3E}">
-        <p14:creationId xmlns:p14="http://schemas.microsoft.com/office/powerpoint/2010/main" val="3778781498"/>
-      </p:ext>
-    </p:extLst>
-  </p:cSld>
-  <p:clrMapOvr>
-    <a:masterClrMapping/>
-  </p:clrMapOvr>
-  <p:timing>
-    <p:tnLst>
-      <p:par>
-        <p:cTn id="1" dur="indefinite" restart="never" nodeType="tmRoot"/>
-      </p:par>
-    </p:tnLst>
-  </p:timing>
-</p:sld>
-</file>
-
-<file path=ppt/slides/slide5.xml><?xml version="1.0" encoding="utf-8"?>
-<p:sld xmlns:a="http://schemas.openxmlformats.org/drawingml/2006/main" xmlns:r="http://schemas.openxmlformats.org/officeDocument/2006/relationships" xmlns:p="http://schemas.openxmlformats.org/presentationml/2006/main">
-  <p:cSld>
-    <p:spTree>
-      <p:nvGrpSpPr>
-        <p:cNvPr id="1" name=""/>
-        <p:cNvGrpSpPr/>
-        <p:nvPr/>
-      </p:nvGrpSpPr>
-      <p:grpSpPr>
-        <a:xfrm>
-          <a:off x="0" y="0"/>
-          <a:ext cx="0" cy="0"/>
-          <a:chOff x="0" y="0"/>
-          <a:chExt cx="0" cy="0"/>
-        </a:xfrm>
-      </p:grpSpPr>
-      <p:sp>
-        <p:nvSpPr>
-          <p:cNvPr id="2" name="Title 1"/>
-          <p:cNvSpPr>
-            <a:spLocks noGrp="1"/>
-          </p:cNvSpPr>
-          <p:nvPr>
-            <p:ph type="title"/>
-          </p:nvPr>
-        </p:nvSpPr>
-        <p:spPr>
-          <a:xfrm>
-            <a:off x="467544" y="404664"/>
-            <a:ext cx="7467600" cy="652934"/>
-          </a:xfrm>
-        </p:spPr>
-        <p:txBody>
-          <a:bodyPr>
-            <a:normAutofit/>
-          </a:bodyPr>
-          <a:lstStyle/>
-          <a:p>
-            <a:r>
-              <a:rPr lang="en-IN" sz="3600" b="1" dirty="0" smtClean="0">
-                <a:latin typeface="Times New Roman" pitchFamily="18" charset="0"/>
-                <a:cs typeface="Times New Roman" pitchFamily="18" charset="0"/>
-              </a:rPr>
-              <a:t>Top applications by traffic:</a:t>
-            </a:r>
-            <a:endParaRPr lang="en-IN" sz="3600" b="1" dirty="0">
-              <a:latin typeface="Times New Roman" pitchFamily="18" charset="0"/>
-              <a:cs typeface="Times New Roman" pitchFamily="18" charset="0"/>
-            </a:endParaRPr>
-          </a:p>
-        </p:txBody>
-      </p:sp>
       <p:pic>
         <p:nvPicPr>
-          <p:cNvPr id="2050" name="Picture 2"/>
+          <p:cNvPr id="1026" name="Picture 2"/>
           <p:cNvPicPr>
             <a:picLocks noGrp="1" noChangeAspect="1" noChangeArrowheads="1"/>
           </p:cNvPicPr>
@@ -6890,7 +6820,7 @@
         <p:spPr bwMode="auto">
           <a:xfrm>
             <a:off x="457200" y="1124744"/>
-            <a:ext cx="7931224" cy="5184576"/>
+            <a:ext cx="7859216" cy="5256584"/>
           </a:xfrm>
           <a:prstGeom prst="rect">
             <a:avLst/>
@@ -6933,7 +6863,159 @@
     </p:spTree>
     <p:extLst>
       <p:ext uri="{BB962C8B-B14F-4D97-AF65-F5344CB8AC3E}">
-        <p14:creationId xmlns:p14="http://schemas.microsoft.com/office/powerpoint/2010/main" val="2094499879"/>
+        <p14:creationId xmlns:p14="http://schemas.microsoft.com/office/powerpoint/2010/main" val="1677044254"/>
+      </p:ext>
+    </p:extLst>
+  </p:cSld>
+  <p:clrMapOvr>
+    <a:masterClrMapping/>
+  </p:clrMapOvr>
+  <p:timing>
+    <p:tnLst>
+      <p:par>
+        <p:cTn id="1" dur="indefinite" restart="never" nodeType="tmRoot"/>
+      </p:par>
+    </p:tnLst>
+  </p:timing>
+</p:sld>
+</file>
+
+<file path=ppt/slides/slide5.xml><?xml version="1.0" encoding="utf-8"?>
+<p:sld xmlns:a="http://schemas.openxmlformats.org/drawingml/2006/main" xmlns:r="http://schemas.openxmlformats.org/officeDocument/2006/relationships" xmlns:p="http://schemas.openxmlformats.org/presentationml/2006/main">
+  <p:cSld>
+    <p:spTree>
+      <p:nvGrpSpPr>
+        <p:cNvPr id="1" name=""/>
+        <p:cNvGrpSpPr/>
+        <p:nvPr/>
+      </p:nvGrpSpPr>
+      <p:grpSpPr>
+        <a:xfrm>
+          <a:off x="0" y="0"/>
+          <a:ext cx="0" cy="0"/>
+          <a:chOff x="0" y="0"/>
+          <a:chExt cx="0" cy="0"/>
+        </a:xfrm>
+      </p:grpSpPr>
+      <p:sp>
+        <p:nvSpPr>
+          <p:cNvPr id="3" name="Content Placeholder 2"/>
+          <p:cNvSpPr>
+            <a:spLocks noGrp="1"/>
+          </p:cNvSpPr>
+          <p:nvPr>
+            <p:ph sz="quarter" idx="1"/>
+          </p:nvPr>
+        </p:nvSpPr>
+        <p:spPr>
+          <a:xfrm>
+            <a:off x="457200" y="692696"/>
+            <a:ext cx="8219256" cy="5781256"/>
+          </a:xfrm>
+        </p:spPr>
+        <p:txBody>
+          <a:bodyPr>
+            <a:normAutofit fontScale="92500" lnSpcReduction="10000"/>
+          </a:bodyPr>
+          <a:lstStyle/>
+          <a:p>
+            <a:pPr algn="just"/>
+            <a:r>
+              <a:rPr lang="en-US" dirty="0" smtClean="0">
+                <a:latin typeface="Times New Roman" pitchFamily="18" charset="0"/>
+                <a:cs typeface="Times New Roman" pitchFamily="18" charset="0"/>
+              </a:rPr>
+              <a:t>Cluster 2 dominates: Cluster 2 exhibits significantly higher values for session duration, total downloads, and total uploads compared to the other two clusters.</a:t>
+            </a:r>
+          </a:p>
+          <a:p>
+            <a:pPr algn="just"/>
+            <a:r>
+              <a:rPr lang="en-US" dirty="0" smtClean="0">
+                <a:latin typeface="Times New Roman" pitchFamily="18" charset="0"/>
+                <a:cs typeface="Times New Roman" pitchFamily="18" charset="0"/>
+              </a:rPr>
+              <a:t>Cluster 3 shows moderate activity: Cluster 3 displays moderate levels of session duration, total downloads, and total uploads, but substantially lower than Cluster 2.</a:t>
+            </a:r>
+          </a:p>
+          <a:p>
+            <a:pPr algn="just"/>
+            <a:r>
+              <a:rPr lang="en-US" dirty="0" smtClean="0">
+                <a:latin typeface="Times New Roman" pitchFamily="18" charset="0"/>
+                <a:cs typeface="Times New Roman" pitchFamily="18" charset="0"/>
+              </a:rPr>
+              <a:t>Cluster 1 is relatively inactive: Cluster 1 shows minimal activity, with almost negligible values for session duration, total downloads, and total uploads.</a:t>
+            </a:r>
+          </a:p>
+          <a:p>
+            <a:pPr marL="0" indent="0" algn="just">
+              <a:buNone/>
+            </a:pPr>
+            <a:r>
+              <a:rPr lang="en-US" dirty="0" smtClean="0">
+                <a:latin typeface="Times New Roman" pitchFamily="18" charset="0"/>
+                <a:cs typeface="Times New Roman" pitchFamily="18" charset="0"/>
+              </a:rPr>
+              <a:t/>
+            </a:r>
+            <a:br>
+              <a:rPr lang="en-US" dirty="0" smtClean="0">
+                <a:latin typeface="Times New Roman" pitchFamily="18" charset="0"/>
+                <a:cs typeface="Times New Roman" pitchFamily="18" charset="0"/>
+              </a:rPr>
+            </a:br>
+            <a:r>
+              <a:rPr lang="en-US" b="1" dirty="0" smtClean="0">
+                <a:latin typeface="Times New Roman" pitchFamily="18" charset="0"/>
+                <a:cs typeface="Times New Roman" pitchFamily="18" charset="0"/>
+              </a:rPr>
+              <a:t>Insights:</a:t>
+            </a:r>
+          </a:p>
+          <a:p>
+            <a:pPr algn="just"/>
+            <a:r>
+              <a:rPr lang="en-US" dirty="0" smtClean="0">
+                <a:latin typeface="Times New Roman" pitchFamily="18" charset="0"/>
+                <a:cs typeface="Times New Roman" pitchFamily="18" charset="0"/>
+              </a:rPr>
+              <a:t>Cluster 2 users are the most engaged and active, indicating a strong affinity for the service.</a:t>
+            </a:r>
+          </a:p>
+          <a:p>
+            <a:pPr algn="just"/>
+            <a:r>
+              <a:rPr lang="en-US" dirty="0" smtClean="0">
+                <a:latin typeface="Times New Roman" pitchFamily="18" charset="0"/>
+                <a:cs typeface="Times New Roman" pitchFamily="18" charset="0"/>
+              </a:rPr>
+              <a:t>Cluster 3 users represent a moderate segment, which may require targeted marketing efforts to increase engagement.</a:t>
+            </a:r>
+          </a:p>
+          <a:p>
+            <a:pPr algn="just"/>
+            <a:r>
+              <a:rPr lang="en-US" dirty="0" smtClean="0">
+                <a:latin typeface="Times New Roman" pitchFamily="18" charset="0"/>
+                <a:cs typeface="Times New Roman" pitchFamily="18" charset="0"/>
+              </a:rPr>
+              <a:t>Cluster 1 users are relatively inactive, suggesting a need for re-engagement strategies or potentially a different service offering.</a:t>
+            </a:r>
+          </a:p>
+          <a:p>
+            <a:pPr algn="just"/>
+            <a:endParaRPr lang="en-IN" dirty="0">
+              <a:latin typeface="Times New Roman" pitchFamily="18" charset="0"/>
+              <a:cs typeface="Times New Roman" pitchFamily="18" charset="0"/>
+            </a:endParaRPr>
+          </a:p>
+        </p:txBody>
+      </p:sp>
+    </p:spTree>
+    <p:extLst>
+      <p:ext uri="{BB962C8B-B14F-4D97-AF65-F5344CB8AC3E}">
+        <p14:creationId xmlns:p14="http://schemas.microsoft.com/office/powerpoint/2010/main" val="3778781498"/>
       </p:ext>
     </p:extLst>
   </p:cSld>
@@ -6969,18 +7051,18 @@
       </p:grpSpPr>
       <p:sp>
         <p:nvSpPr>
-          <p:cNvPr id="3" name="Content Placeholder 2"/>
-          <p:cNvSpPr>
-            <a:spLocks noGrp="1"/>
-          </p:cNvSpPr>
-          <p:nvPr>
-            <p:ph sz="quarter" idx="1"/>
+          <p:cNvPr id="2" name="Title 1"/>
+          <p:cNvSpPr>
+            <a:spLocks noGrp="1"/>
+          </p:cNvSpPr>
+          <p:nvPr>
+            <p:ph type="title"/>
           </p:nvPr>
         </p:nvSpPr>
         <p:spPr>
           <a:xfrm>
-            <a:off x="457200" y="620688"/>
-            <a:ext cx="8147248" cy="5112568"/>
+            <a:off x="467544" y="404664"/>
+            <a:ext cx="7467600" cy="652934"/>
           </a:xfrm>
         </p:spPr>
         <p:txBody>
@@ -6989,191 +7071,23 @@
           </a:bodyPr>
           <a:lstStyle/>
           <a:p>
-            <a:pPr marL="0" indent="0" algn="just">
-              <a:buNone/>
-            </a:pPr>
-            <a:r>
-              <a:rPr lang="en-US" dirty="0">
+            <a:r>
+              <a:rPr lang="en-IN" sz="3600" b="1" dirty="0" smtClean="0">
                 <a:latin typeface="Times New Roman" pitchFamily="18" charset="0"/>
                 <a:cs typeface="Times New Roman" pitchFamily="18" charset="0"/>
               </a:rPr>
-              <a:t>The bar chart illustrates the total traffic generated by various applications. The ranking reveals that:</a:t>
-            </a:r>
-          </a:p>
-          <a:p>
-            <a:pPr algn="just"/>
-            <a:r>
-              <a:rPr lang="en-US" dirty="0" smtClean="0">
-                <a:latin typeface="Times New Roman" pitchFamily="18" charset="0"/>
-                <a:cs typeface="Times New Roman" pitchFamily="18" charset="0"/>
-              </a:rPr>
-              <a:t> </a:t>
-            </a:r>
-            <a:r>
-              <a:rPr lang="en-US" dirty="0">
-                <a:latin typeface="Times New Roman" pitchFamily="18" charset="0"/>
-                <a:cs typeface="Times New Roman" pitchFamily="18" charset="0"/>
-              </a:rPr>
-              <a:t>Gaming dominates the traffic, indicating a strong user base with high engagement.</a:t>
-            </a:r>
-          </a:p>
-          <a:p>
-            <a:pPr algn="just"/>
-            <a:r>
-              <a:rPr lang="en-US" dirty="0" smtClean="0">
-                <a:latin typeface="Times New Roman" pitchFamily="18" charset="0"/>
-                <a:cs typeface="Times New Roman" pitchFamily="18" charset="0"/>
-              </a:rPr>
-              <a:t>Other </a:t>
-            </a:r>
-            <a:r>
-              <a:rPr lang="en-US" dirty="0">
-                <a:latin typeface="Times New Roman" pitchFamily="18" charset="0"/>
-                <a:cs typeface="Times New Roman" pitchFamily="18" charset="0"/>
-              </a:rPr>
-              <a:t>applications collectively contribute a substantial amount of traffic.</a:t>
-            </a:r>
-          </a:p>
-          <a:p>
-            <a:pPr algn="just"/>
-            <a:r>
-              <a:rPr lang="en-US" dirty="0" smtClean="0">
-                <a:latin typeface="Times New Roman" pitchFamily="18" charset="0"/>
-                <a:cs typeface="Times New Roman" pitchFamily="18" charset="0"/>
-              </a:rPr>
-              <a:t>YouTube </a:t>
-            </a:r>
-            <a:r>
-              <a:rPr lang="en-US" dirty="0">
-                <a:latin typeface="Times New Roman" pitchFamily="18" charset="0"/>
-                <a:cs typeface="Times New Roman" pitchFamily="18" charset="0"/>
-              </a:rPr>
-              <a:t>and Netflix follow closely, reflecting the popularity of video streaming services.</a:t>
-            </a:r>
-          </a:p>
-          <a:p>
-            <a:pPr algn="just"/>
-            <a:r>
-              <a:rPr lang="en-US" dirty="0" smtClean="0">
-                <a:latin typeface="Times New Roman" pitchFamily="18" charset="0"/>
-                <a:cs typeface="Times New Roman" pitchFamily="18" charset="0"/>
-              </a:rPr>
-              <a:t>Google</a:t>
-            </a:r>
-            <a:r>
-              <a:rPr lang="en-US" dirty="0">
-                <a:latin typeface="Times New Roman" pitchFamily="18" charset="0"/>
-                <a:cs typeface="Times New Roman" pitchFamily="18" charset="0"/>
-              </a:rPr>
-              <a:t>, Email, and Social Media trail behind, suggesting relatively lower traffic.</a:t>
-            </a:r>
-          </a:p>
-          <a:p>
-            <a:pPr marL="0" indent="0" algn="just">
-              <a:buNone/>
-            </a:pPr>
-            <a:r>
-              <a:rPr lang="en-US" dirty="0" smtClean="0">
-                <a:latin typeface="Times New Roman" pitchFamily="18" charset="0"/>
-                <a:cs typeface="Times New Roman" pitchFamily="18" charset="0"/>
-              </a:rPr>
-              <a:t>This </a:t>
-            </a:r>
-            <a:r>
-              <a:rPr lang="en-US" dirty="0">
-                <a:latin typeface="Times New Roman" pitchFamily="18" charset="0"/>
-                <a:cs typeface="Times New Roman" pitchFamily="18" charset="0"/>
-              </a:rPr>
-              <a:t>analysis provides valuable insights into user behavior and application usage patterns.</a:t>
-            </a:r>
-          </a:p>
-          <a:p>
-            <a:pPr marL="0" indent="0" algn="just">
-              <a:buNone/>
-            </a:pPr>
-            <a:endParaRPr lang="en-IN" dirty="0">
+              <a:t>Top applications by traffic:</a:t>
+            </a:r>
+            <a:endParaRPr lang="en-IN" sz="3600" b="1" dirty="0">
               <a:latin typeface="Times New Roman" pitchFamily="18" charset="0"/>
               <a:cs typeface="Times New Roman" pitchFamily="18" charset="0"/>
             </a:endParaRPr>
           </a:p>
         </p:txBody>
       </p:sp>
-    </p:spTree>
-    <p:extLst>
-      <p:ext uri="{BB962C8B-B14F-4D97-AF65-F5344CB8AC3E}">
-        <p14:creationId xmlns:p14="http://schemas.microsoft.com/office/powerpoint/2010/main" val="1626165178"/>
-      </p:ext>
-    </p:extLst>
-  </p:cSld>
-  <p:clrMapOvr>
-    <a:masterClrMapping/>
-  </p:clrMapOvr>
-  <p:timing>
-    <p:tnLst>
-      <p:par>
-        <p:cTn id="1" dur="indefinite" restart="never" nodeType="tmRoot"/>
-      </p:par>
-    </p:tnLst>
-  </p:timing>
-</p:sld>
-</file>
-
-<file path=ppt/slides/slide7.xml><?xml version="1.0" encoding="utf-8"?>
-<p:sld xmlns:a="http://schemas.openxmlformats.org/drawingml/2006/main" xmlns:r="http://schemas.openxmlformats.org/officeDocument/2006/relationships" xmlns:p="http://schemas.openxmlformats.org/presentationml/2006/main">
-  <p:cSld>
-    <p:spTree>
-      <p:nvGrpSpPr>
-        <p:cNvPr id="1" name=""/>
-        <p:cNvGrpSpPr/>
-        <p:nvPr/>
-      </p:nvGrpSpPr>
-      <p:grpSpPr>
-        <a:xfrm>
-          <a:off x="0" y="0"/>
-          <a:ext cx="0" cy="0"/>
-          <a:chOff x="0" y="0"/>
-          <a:chExt cx="0" cy="0"/>
-        </a:xfrm>
-      </p:grpSpPr>
-      <p:sp>
-        <p:nvSpPr>
-          <p:cNvPr id="2" name="Title 1"/>
-          <p:cNvSpPr>
-            <a:spLocks noGrp="1"/>
-          </p:cNvSpPr>
-          <p:nvPr>
-            <p:ph type="title"/>
-          </p:nvPr>
-        </p:nvSpPr>
-        <p:spPr>
-          <a:xfrm>
-            <a:off x="467544" y="332656"/>
-            <a:ext cx="7467600" cy="652934"/>
-          </a:xfrm>
-        </p:spPr>
-        <p:txBody>
-          <a:bodyPr>
-            <a:normAutofit/>
-          </a:bodyPr>
-          <a:lstStyle/>
-          <a:p>
-            <a:r>
-              <a:rPr lang="en-IN" sz="2800" b="1" dirty="0" smtClean="0">
-                <a:latin typeface="Times New Roman" pitchFamily="18" charset="0"/>
-                <a:cs typeface="Times New Roman" pitchFamily="18" charset="0"/>
-              </a:rPr>
-              <a:t>Top 10 Handsets by average throughput:</a:t>
-            </a:r>
-            <a:endParaRPr lang="en-IN" sz="2800" b="1" dirty="0">
-              <a:latin typeface="Times New Roman" pitchFamily="18" charset="0"/>
-              <a:cs typeface="Times New Roman" pitchFamily="18" charset="0"/>
-            </a:endParaRPr>
-          </a:p>
-        </p:txBody>
-      </p:sp>
       <p:pic>
         <p:nvPicPr>
-          <p:cNvPr id="4098" name="Picture 2"/>
+          <p:cNvPr id="2050" name="Picture 2"/>
           <p:cNvPicPr>
             <a:picLocks noGrp="1" noChangeAspect="1" noChangeArrowheads="1"/>
           </p:cNvPicPr>
@@ -7196,8 +7110,8 @@
         </p:blipFill>
         <p:spPr bwMode="auto">
           <a:xfrm>
-            <a:off x="107504" y="1412776"/>
-            <a:ext cx="8784976" cy="5277073"/>
+            <a:off x="457200" y="1124744"/>
+            <a:ext cx="7931224" cy="5184576"/>
           </a:xfrm>
           <a:prstGeom prst="rect">
             <a:avLst/>
@@ -7240,7 +7154,175 @@
     </p:spTree>
     <p:extLst>
       <p:ext uri="{BB962C8B-B14F-4D97-AF65-F5344CB8AC3E}">
-        <p14:creationId xmlns:p14="http://schemas.microsoft.com/office/powerpoint/2010/main" val="41398935"/>
+        <p14:creationId xmlns:p14="http://schemas.microsoft.com/office/powerpoint/2010/main" val="2094499879"/>
+      </p:ext>
+    </p:extLst>
+  </p:cSld>
+  <p:clrMapOvr>
+    <a:masterClrMapping/>
+  </p:clrMapOvr>
+  <p:timing>
+    <p:tnLst>
+      <p:par>
+        <p:cTn id="1" dur="indefinite" restart="never" nodeType="tmRoot"/>
+      </p:par>
+    </p:tnLst>
+  </p:timing>
+</p:sld>
+</file>
+
+<file path=ppt/slides/slide7.xml><?xml version="1.0" encoding="utf-8"?>
+<p:sld xmlns:a="http://schemas.openxmlformats.org/drawingml/2006/main" xmlns:r="http://schemas.openxmlformats.org/officeDocument/2006/relationships" xmlns:p="http://schemas.openxmlformats.org/presentationml/2006/main">
+  <p:cSld>
+    <p:spTree>
+      <p:nvGrpSpPr>
+        <p:cNvPr id="1" name=""/>
+        <p:cNvGrpSpPr/>
+        <p:nvPr/>
+      </p:nvGrpSpPr>
+      <p:grpSpPr>
+        <a:xfrm>
+          <a:off x="0" y="0"/>
+          <a:ext cx="0" cy="0"/>
+          <a:chOff x="0" y="0"/>
+          <a:chExt cx="0" cy="0"/>
+        </a:xfrm>
+      </p:grpSpPr>
+      <p:sp>
+        <p:nvSpPr>
+          <p:cNvPr id="3" name="Content Placeholder 2"/>
+          <p:cNvSpPr>
+            <a:spLocks noGrp="1"/>
+          </p:cNvSpPr>
+          <p:nvPr>
+            <p:ph sz="quarter" idx="1"/>
+          </p:nvPr>
+        </p:nvSpPr>
+        <p:spPr>
+          <a:xfrm>
+            <a:off x="457200" y="620688"/>
+            <a:ext cx="8147248" cy="5112568"/>
+          </a:xfrm>
+        </p:spPr>
+        <p:txBody>
+          <a:bodyPr>
+            <a:normAutofit/>
+          </a:bodyPr>
+          <a:lstStyle/>
+          <a:p>
+            <a:pPr marL="0" indent="0" algn="just">
+              <a:buNone/>
+            </a:pPr>
+            <a:r>
+              <a:rPr lang="en-US" dirty="0">
+                <a:latin typeface="Times New Roman" pitchFamily="18" charset="0"/>
+                <a:cs typeface="Times New Roman" pitchFamily="18" charset="0"/>
+              </a:rPr>
+              <a:t>The bar chart illustrates the total traffic generated by various applications. The ranking reveals that:</a:t>
+            </a:r>
+          </a:p>
+          <a:p>
+            <a:pPr algn="just"/>
+            <a:r>
+              <a:rPr lang="en-US" dirty="0" smtClean="0">
+                <a:latin typeface="Times New Roman" pitchFamily="18" charset="0"/>
+                <a:cs typeface="Times New Roman" pitchFamily="18" charset="0"/>
+              </a:rPr>
+              <a:t> </a:t>
+            </a:r>
+            <a:r>
+              <a:rPr lang="en-US" dirty="0">
+                <a:latin typeface="Times New Roman" pitchFamily="18" charset="0"/>
+                <a:cs typeface="Times New Roman" pitchFamily="18" charset="0"/>
+              </a:rPr>
+              <a:t>Gaming dominates the traffic, indicating a strong user base with high engagement.</a:t>
+            </a:r>
+          </a:p>
+          <a:p>
+            <a:pPr algn="just"/>
+            <a:r>
+              <a:rPr lang="en-US" dirty="0" smtClean="0">
+                <a:latin typeface="Times New Roman" pitchFamily="18" charset="0"/>
+                <a:cs typeface="Times New Roman" pitchFamily="18" charset="0"/>
+              </a:rPr>
+              <a:t>Other </a:t>
+            </a:r>
+            <a:r>
+              <a:rPr lang="en-US" dirty="0">
+                <a:latin typeface="Times New Roman" pitchFamily="18" charset="0"/>
+                <a:cs typeface="Times New Roman" pitchFamily="18" charset="0"/>
+              </a:rPr>
+              <a:t>applications collectively contribute a substantial amount of traffic.</a:t>
+            </a:r>
+          </a:p>
+          <a:p>
+            <a:pPr algn="just"/>
+            <a:r>
+              <a:rPr lang="en-US" dirty="0" smtClean="0">
+                <a:latin typeface="Times New Roman" pitchFamily="18" charset="0"/>
+                <a:cs typeface="Times New Roman" pitchFamily="18" charset="0"/>
+              </a:rPr>
+              <a:t>YouTube </a:t>
+            </a:r>
+            <a:r>
+              <a:rPr lang="en-US" dirty="0">
+                <a:latin typeface="Times New Roman" pitchFamily="18" charset="0"/>
+                <a:cs typeface="Times New Roman" pitchFamily="18" charset="0"/>
+              </a:rPr>
+              <a:t>and Netflix follow closely, reflecting the popularity of video streaming services.</a:t>
+            </a:r>
+          </a:p>
+          <a:p>
+            <a:pPr algn="just"/>
+            <a:r>
+              <a:rPr lang="en-US" dirty="0" smtClean="0">
+                <a:latin typeface="Times New Roman" pitchFamily="18" charset="0"/>
+                <a:cs typeface="Times New Roman" pitchFamily="18" charset="0"/>
+              </a:rPr>
+              <a:t>Google</a:t>
+            </a:r>
+            <a:r>
+              <a:rPr lang="en-US" dirty="0">
+                <a:latin typeface="Times New Roman" pitchFamily="18" charset="0"/>
+                <a:cs typeface="Times New Roman" pitchFamily="18" charset="0"/>
+              </a:rPr>
+              <a:t>, Email, and Social Media trail behind, suggesting relatively lower traffic.</a:t>
+            </a:r>
+          </a:p>
+          <a:p>
+            <a:pPr marL="0" indent="0" algn="just">
+              <a:buNone/>
+            </a:pPr>
+            <a:r>
+              <a:rPr lang="en-US" dirty="0" smtClean="0">
+                <a:latin typeface="Times New Roman" pitchFamily="18" charset="0"/>
+                <a:cs typeface="Times New Roman" pitchFamily="18" charset="0"/>
+              </a:rPr>
+              <a:t>This </a:t>
+            </a:r>
+            <a:r>
+              <a:rPr lang="en-US" dirty="0">
+                <a:latin typeface="Times New Roman" pitchFamily="18" charset="0"/>
+                <a:cs typeface="Times New Roman" pitchFamily="18" charset="0"/>
+              </a:rPr>
+              <a:t>analysis provides valuable insights into user behavior and application usage patterns.</a:t>
+            </a:r>
+          </a:p>
+          <a:p>
+            <a:pPr marL="0" indent="0" algn="just">
+              <a:buNone/>
+            </a:pPr>
+            <a:endParaRPr lang="en-IN" dirty="0">
+              <a:latin typeface="Times New Roman" pitchFamily="18" charset="0"/>
+              <a:cs typeface="Times New Roman" pitchFamily="18" charset="0"/>
+            </a:endParaRPr>
+          </a:p>
+        </p:txBody>
+      </p:sp>
+    </p:spTree>
+    <p:extLst>
+      <p:ext uri="{BB962C8B-B14F-4D97-AF65-F5344CB8AC3E}">
+        <p14:creationId xmlns:p14="http://schemas.microsoft.com/office/powerpoint/2010/main" val="1626165178"/>
       </p:ext>
     </p:extLst>
   </p:cSld>
@@ -7276,18 +7358,18 @@
       </p:grpSpPr>
       <p:sp>
         <p:nvSpPr>
-          <p:cNvPr id="3" name="Content Placeholder 2"/>
-          <p:cNvSpPr>
-            <a:spLocks noGrp="1"/>
-          </p:cNvSpPr>
-          <p:nvPr>
-            <p:ph sz="quarter" idx="1"/>
+          <p:cNvPr id="2" name="Title 1"/>
+          <p:cNvSpPr>
+            <a:spLocks noGrp="1"/>
+          </p:cNvSpPr>
+          <p:nvPr>
+            <p:ph type="title"/>
           </p:nvPr>
         </p:nvSpPr>
         <p:spPr>
           <a:xfrm>
-            <a:off x="539552" y="620688"/>
-            <a:ext cx="8003232" cy="3816424"/>
+            <a:off x="467544" y="332656"/>
+            <a:ext cx="7467600" cy="652934"/>
           </a:xfrm>
         </p:spPr>
         <p:txBody>
@@ -7296,155 +7378,23 @@
           </a:bodyPr>
           <a:lstStyle/>
           <a:p>
-            <a:pPr algn="just"/>
-            <a:r>
-              <a:rPr lang="en-US" dirty="0" smtClean="0">
+            <a:r>
+              <a:rPr lang="en-IN" sz="2800" b="1" dirty="0" smtClean="0">
                 <a:latin typeface="Times New Roman" pitchFamily="18" charset="0"/>
                 <a:cs typeface="Times New Roman" pitchFamily="18" charset="0"/>
               </a:rPr>
-              <a:t>All </a:t>
-            </a:r>
-            <a:r>
-              <a:rPr lang="en-US" dirty="0">
-                <a:latin typeface="Times New Roman" pitchFamily="18" charset="0"/>
-                <a:cs typeface="Times New Roman" pitchFamily="18" charset="0"/>
-              </a:rPr>
-              <a:t>handsets have high throughput: The average throughput for all top 10 handsets exceeds 40,000, indicating high-speed data transmission capabilities.</a:t>
-            </a:r>
-          </a:p>
-          <a:p>
-            <a:pPr algn="just"/>
-            <a:r>
-              <a:rPr lang="en-US" dirty="0" smtClean="0">
-                <a:latin typeface="Times New Roman" pitchFamily="18" charset="0"/>
-                <a:cs typeface="Times New Roman" pitchFamily="18" charset="0"/>
-              </a:rPr>
-              <a:t>Variety </a:t>
-            </a:r>
-            <a:r>
-              <a:rPr lang="en-US" dirty="0">
-                <a:latin typeface="Times New Roman" pitchFamily="18" charset="0"/>
-                <a:cs typeface="Times New Roman" pitchFamily="18" charset="0"/>
-              </a:rPr>
-              <a:t>of handset models: The top 10 list comprises handsets from different manufacturers, including LePhone U Pro, Huawei stf-TI10, Samsung, Xiaomi, and Meizu.</a:t>
-            </a:r>
-          </a:p>
-          <a:p>
-            <a:pPr algn="just"/>
-            <a:r>
-              <a:rPr lang="en-US" dirty="0" smtClean="0">
-                <a:latin typeface="Times New Roman" pitchFamily="18" charset="0"/>
-                <a:cs typeface="Times New Roman" pitchFamily="18" charset="0"/>
-              </a:rPr>
-              <a:t>LePhone </a:t>
-            </a:r>
-            <a:r>
-              <a:rPr lang="en-US" dirty="0">
-                <a:latin typeface="Times New Roman" pitchFamily="18" charset="0"/>
-                <a:cs typeface="Times New Roman" pitchFamily="18" charset="0"/>
-              </a:rPr>
-              <a:t>U Pro leads: The LePhone U Pro has the highest average throughput, followed closely by the  Huawei stf-TI10.</a:t>
-            </a:r>
-          </a:p>
-          <a:p>
-            <a:pPr algn="just"/>
-            <a:endParaRPr lang="en-IN" dirty="0">
+              <a:t>Top 10 Handsets by average throughput:</a:t>
+            </a:r>
+            <a:endParaRPr lang="en-IN" sz="2800" b="1" dirty="0">
               <a:latin typeface="Times New Roman" pitchFamily="18" charset="0"/>
               <a:cs typeface="Times New Roman" pitchFamily="18" charset="0"/>
             </a:endParaRPr>
           </a:p>
         </p:txBody>
       </p:sp>
-    </p:spTree>
-    <p:extLst>
-      <p:ext uri="{BB962C8B-B14F-4D97-AF65-F5344CB8AC3E}">
-        <p14:creationId xmlns:p14="http://schemas.microsoft.com/office/powerpoint/2010/main" val="3157908885"/>
-      </p:ext>
-    </p:extLst>
-  </p:cSld>
-  <p:clrMapOvr>
-    <a:masterClrMapping/>
-  </p:clrMapOvr>
-  <p:timing>
-    <p:tnLst>
-      <p:par>
-        <p:cTn id="1" dur="indefinite" restart="never" nodeType="tmRoot"/>
-      </p:par>
-    </p:tnLst>
-  </p:timing>
-</p:sld>
-</file>
-
-<file path=ppt/slides/slide9.xml><?xml version="1.0" encoding="utf-8"?>
-<p:sld xmlns:a="http://schemas.openxmlformats.org/drawingml/2006/main" xmlns:r="http://schemas.openxmlformats.org/officeDocument/2006/relationships" xmlns:p="http://schemas.openxmlformats.org/presentationml/2006/main">
-  <p:cSld>
-    <p:spTree>
-      <p:nvGrpSpPr>
-        <p:cNvPr id="1" name=""/>
-        <p:cNvGrpSpPr/>
-        <p:nvPr/>
-      </p:nvGrpSpPr>
-      <p:grpSpPr>
-        <a:xfrm>
-          <a:off x="0" y="0"/>
-          <a:ext cx="0" cy="0"/>
-          <a:chOff x="0" y="0"/>
-          <a:chExt cx="0" cy="0"/>
-        </a:xfrm>
-      </p:grpSpPr>
-      <p:sp>
-        <p:nvSpPr>
-          <p:cNvPr id="2" name="Title 1"/>
-          <p:cNvSpPr>
-            <a:spLocks noGrp="1"/>
-          </p:cNvSpPr>
-          <p:nvPr>
-            <p:ph type="title"/>
-          </p:nvPr>
-        </p:nvSpPr>
-        <p:spPr>
-          <a:xfrm>
-            <a:off x="467544" y="332656"/>
-            <a:ext cx="7467600" cy="508918"/>
-          </a:xfrm>
-        </p:spPr>
-        <p:txBody>
-          <a:bodyPr>
-            <a:normAutofit/>
-          </a:bodyPr>
-          <a:lstStyle/>
-          <a:p>
-            <a:r>
-              <a:rPr lang="en-IN" sz="2400" b="1" dirty="0" smtClean="0">
-                <a:latin typeface="Times New Roman" pitchFamily="18" charset="0"/>
-                <a:cs typeface="Times New Roman" pitchFamily="18" charset="0"/>
-              </a:rPr>
-              <a:t>Top 10 handset by average </a:t>
-            </a:r>
-            <a:r>
-              <a:rPr lang="en-IN" sz="2400" b="1" dirty="0" err="1" smtClean="0">
-                <a:latin typeface="Times New Roman" pitchFamily="18" charset="0"/>
-                <a:cs typeface="Times New Roman" pitchFamily="18" charset="0"/>
-              </a:rPr>
-              <a:t>tcp</a:t>
-            </a:r>
-            <a:r>
-              <a:rPr lang="en-IN" sz="2400" b="1" dirty="0" smtClean="0">
-                <a:latin typeface="Times New Roman" pitchFamily="18" charset="0"/>
-                <a:cs typeface="Times New Roman" pitchFamily="18" charset="0"/>
-              </a:rPr>
-              <a:t> retransmission</a:t>
-            </a:r>
-            <a:endParaRPr lang="en-IN" sz="2400" b="1" dirty="0">
-              <a:latin typeface="Times New Roman" pitchFamily="18" charset="0"/>
-              <a:cs typeface="Times New Roman" pitchFamily="18" charset="0"/>
-            </a:endParaRPr>
-          </a:p>
-        </p:txBody>
-      </p:sp>
       <p:pic>
         <p:nvPicPr>
-          <p:cNvPr id="5122" name="Picture 2"/>
+          <p:cNvPr id="4098" name="Picture 2"/>
           <p:cNvPicPr>
             <a:picLocks noGrp="1" noChangeAspect="1" noChangeArrowheads="1"/>
           </p:cNvPicPr>
@@ -7467,8 +7417,8 @@
         </p:blipFill>
         <p:spPr bwMode="auto">
           <a:xfrm>
-            <a:off x="251520" y="980728"/>
-            <a:ext cx="8568952" cy="5493097"/>
+            <a:off x="107504" y="1412776"/>
+            <a:ext cx="8784976" cy="5277073"/>
           </a:xfrm>
           <a:prstGeom prst="rect">
             <a:avLst/>
@@ -7511,7 +7461,125 @@
     </p:spTree>
     <p:extLst>
       <p:ext uri="{BB962C8B-B14F-4D97-AF65-F5344CB8AC3E}">
-        <p14:creationId xmlns:p14="http://schemas.microsoft.com/office/powerpoint/2010/main" val="1625256330"/>
+        <p14:creationId xmlns:p14="http://schemas.microsoft.com/office/powerpoint/2010/main" val="41398935"/>
+      </p:ext>
+    </p:extLst>
+  </p:cSld>
+  <p:clrMapOvr>
+    <a:masterClrMapping/>
+  </p:clrMapOvr>
+  <p:timing>
+    <p:tnLst>
+      <p:par>
+        <p:cTn id="1" dur="indefinite" restart="never" nodeType="tmRoot"/>
+      </p:par>
+    </p:tnLst>
+  </p:timing>
+</p:sld>
+</file>
+
+<file path=ppt/slides/slide9.xml><?xml version="1.0" encoding="utf-8"?>
+<p:sld xmlns:a="http://schemas.openxmlformats.org/drawingml/2006/main" xmlns:r="http://schemas.openxmlformats.org/officeDocument/2006/relationships" xmlns:p="http://schemas.openxmlformats.org/presentationml/2006/main">
+  <p:cSld>
+    <p:spTree>
+      <p:nvGrpSpPr>
+        <p:cNvPr id="1" name=""/>
+        <p:cNvGrpSpPr/>
+        <p:nvPr/>
+      </p:nvGrpSpPr>
+      <p:grpSpPr>
+        <a:xfrm>
+          <a:off x="0" y="0"/>
+          <a:ext cx="0" cy="0"/>
+          <a:chOff x="0" y="0"/>
+          <a:chExt cx="0" cy="0"/>
+        </a:xfrm>
+      </p:grpSpPr>
+      <p:sp>
+        <p:nvSpPr>
+          <p:cNvPr id="3" name="Content Placeholder 2"/>
+          <p:cNvSpPr>
+            <a:spLocks noGrp="1"/>
+          </p:cNvSpPr>
+          <p:nvPr>
+            <p:ph sz="quarter" idx="1"/>
+          </p:nvPr>
+        </p:nvSpPr>
+        <p:spPr>
+          <a:xfrm>
+            <a:off x="539552" y="620688"/>
+            <a:ext cx="8003232" cy="3816424"/>
+          </a:xfrm>
+        </p:spPr>
+        <p:txBody>
+          <a:bodyPr>
+            <a:normAutofit/>
+          </a:bodyPr>
+          <a:lstStyle/>
+          <a:p>
+            <a:pPr algn="just"/>
+            <a:r>
+              <a:rPr lang="en-US" dirty="0" smtClean="0">
+                <a:latin typeface="Times New Roman" pitchFamily="18" charset="0"/>
+                <a:cs typeface="Times New Roman" pitchFamily="18" charset="0"/>
+              </a:rPr>
+              <a:t>All </a:t>
+            </a:r>
+            <a:r>
+              <a:rPr lang="en-US" dirty="0">
+                <a:latin typeface="Times New Roman" pitchFamily="18" charset="0"/>
+                <a:cs typeface="Times New Roman" pitchFamily="18" charset="0"/>
+              </a:rPr>
+              <a:t>handsets have high throughput: The average throughput for all top 10 handsets exceeds 40,000, indicating high-speed data transmission capabilities.</a:t>
+            </a:r>
+          </a:p>
+          <a:p>
+            <a:pPr algn="just"/>
+            <a:r>
+              <a:rPr lang="en-US" dirty="0" smtClean="0">
+                <a:latin typeface="Times New Roman" pitchFamily="18" charset="0"/>
+                <a:cs typeface="Times New Roman" pitchFamily="18" charset="0"/>
+              </a:rPr>
+              <a:t>Variety </a:t>
+            </a:r>
+            <a:r>
+              <a:rPr lang="en-US" dirty="0">
+                <a:latin typeface="Times New Roman" pitchFamily="18" charset="0"/>
+                <a:cs typeface="Times New Roman" pitchFamily="18" charset="0"/>
+              </a:rPr>
+              <a:t>of handset models: The top 10 list comprises handsets from different manufacturers, including LePhone U Pro, Huawei stf-TI10, Samsung, Xiaomi, and Meizu.</a:t>
+            </a:r>
+          </a:p>
+          <a:p>
+            <a:pPr algn="just"/>
+            <a:r>
+              <a:rPr lang="en-US" dirty="0" smtClean="0">
+                <a:latin typeface="Times New Roman" pitchFamily="18" charset="0"/>
+                <a:cs typeface="Times New Roman" pitchFamily="18" charset="0"/>
+              </a:rPr>
+              <a:t>LePhone </a:t>
+            </a:r>
+            <a:r>
+              <a:rPr lang="en-US" dirty="0">
+                <a:latin typeface="Times New Roman" pitchFamily="18" charset="0"/>
+                <a:cs typeface="Times New Roman" pitchFamily="18" charset="0"/>
+              </a:rPr>
+              <a:t>U Pro leads: The LePhone U Pro has the highest average throughput, followed closely by the  Huawei stf-TI10.</a:t>
+            </a:r>
+          </a:p>
+          <a:p>
+            <a:pPr algn="just"/>
+            <a:endParaRPr lang="en-IN" dirty="0">
+              <a:latin typeface="Times New Roman" pitchFamily="18" charset="0"/>
+              <a:cs typeface="Times New Roman" pitchFamily="18" charset="0"/>
+            </a:endParaRPr>
+          </a:p>
+        </p:txBody>
+      </p:sp>
+    </p:spTree>
+    <p:extLst>
+      <p:ext uri="{BB962C8B-B14F-4D97-AF65-F5344CB8AC3E}">
+        <p14:creationId xmlns:p14="http://schemas.microsoft.com/office/powerpoint/2010/main" val="3157908885"/>
       </p:ext>
     </p:extLst>
   </p:cSld>

--- a/Presentation pro5.pptx
+++ b/Presentation pro5.pptx
@@ -9,21 +9,21 @@
   </p:notesMasterIdLst>
   <p:sldIdLst>
     <p:sldId id="265" r:id="rId2"/>
-    <p:sldId id="277" r:id="rId3"/>
-    <p:sldId id="271" r:id="rId4"/>
-    <p:sldId id="258" r:id="rId5"/>
-    <p:sldId id="259" r:id="rId6"/>
-    <p:sldId id="260" r:id="rId7"/>
-    <p:sldId id="261" r:id="rId8"/>
-    <p:sldId id="264" r:id="rId9"/>
-    <p:sldId id="267" r:id="rId10"/>
-    <p:sldId id="268" r:id="rId11"/>
-    <p:sldId id="270" r:id="rId12"/>
-    <p:sldId id="272" r:id="rId13"/>
-    <p:sldId id="273" r:id="rId14"/>
-    <p:sldId id="274" r:id="rId15"/>
-    <p:sldId id="275" r:id="rId16"/>
-    <p:sldId id="276" r:id="rId17"/>
+    <p:sldId id="271" r:id="rId3"/>
+    <p:sldId id="258" r:id="rId4"/>
+    <p:sldId id="259" r:id="rId5"/>
+    <p:sldId id="260" r:id="rId6"/>
+    <p:sldId id="261" r:id="rId7"/>
+    <p:sldId id="264" r:id="rId8"/>
+    <p:sldId id="267" r:id="rId9"/>
+    <p:sldId id="268" r:id="rId10"/>
+    <p:sldId id="270" r:id="rId11"/>
+    <p:sldId id="272" r:id="rId12"/>
+    <p:sldId id="273" r:id="rId13"/>
+    <p:sldId id="274" r:id="rId14"/>
+    <p:sldId id="275" r:id="rId15"/>
+    <p:sldId id="276" r:id="rId16"/>
+    <p:sldId id="278" r:id="rId17"/>
   </p:sldIdLst>
   <p:sldSz cx="9144000" cy="6858000" type="screen4x3"/>
   <p:notesSz cx="6858000" cy="9144000"/>
@@ -540,7 +540,7 @@
           <a:p>
             <a:fld id="{4227D476-9131-40F6-8635-1728DBA9B579}" type="slidenum">
               <a:rPr lang="en-IN" smtClean="0"/>
-              <a:t>12</a:t>
+              <a:t>11</a:t>
             </a:fld>
             <a:endParaRPr lang="en-IN"/>
           </a:p>
@@ -5591,18 +5591,18 @@
       </p:grpSpPr>
       <p:sp>
         <p:nvSpPr>
-          <p:cNvPr id="2" name="Title 1"/>
-          <p:cNvSpPr>
-            <a:spLocks noGrp="1"/>
-          </p:cNvSpPr>
-          <p:nvPr>
-            <p:ph type="title"/>
+          <p:cNvPr id="3" name="Content Placeholder 2"/>
+          <p:cNvSpPr>
+            <a:spLocks noGrp="1"/>
+          </p:cNvSpPr>
+          <p:nvPr>
+            <p:ph sz="quarter" idx="1"/>
           </p:nvPr>
         </p:nvSpPr>
         <p:spPr>
           <a:xfrm>
-            <a:off x="467544" y="332656"/>
-            <a:ext cx="7467600" cy="508918"/>
+            <a:off x="457200" y="908720"/>
+            <a:ext cx="7643192" cy="5565232"/>
           </a:xfrm>
         </p:spPr>
         <p:txBody>
@@ -5611,46 +5611,182 @@
           </a:bodyPr>
           <a:lstStyle/>
           <a:p>
-            <a:r>
-              <a:rPr lang="en-IN" sz="2400" b="1" dirty="0" smtClean="0">
+            <a:pPr algn="just"/>
+            <a:r>
+              <a:rPr lang="en-US" b="1" dirty="0" smtClean="0">
                 <a:latin typeface="Times New Roman" pitchFamily="18" charset="0"/>
                 <a:cs typeface="Times New Roman" pitchFamily="18" charset="0"/>
               </a:rPr>
-              <a:t>Top 10 handset by average </a:t>
-            </a:r>
-            <a:r>
-              <a:rPr lang="en-IN" sz="2400" b="1" dirty="0" err="1" smtClean="0">
+              <a:t>High </a:t>
+            </a:r>
+            <a:r>
+              <a:rPr lang="en-US" b="1" dirty="0">
                 <a:latin typeface="Times New Roman" pitchFamily="18" charset="0"/>
                 <a:cs typeface="Times New Roman" pitchFamily="18" charset="0"/>
               </a:rPr>
-              <a:t>tcp</a:t>
-            </a:r>
-            <a:r>
-              <a:rPr lang="en-IN" sz="2400" b="1" dirty="0" smtClean="0">
+              <a:t>TCP retransmission rates: </a:t>
+            </a:r>
+            <a:r>
+              <a:rPr lang="en-US" dirty="0">
                 <a:latin typeface="Times New Roman" pitchFamily="18" charset="0"/>
                 <a:cs typeface="Times New Roman" pitchFamily="18" charset="0"/>
               </a:rPr>
-              <a:t> retransmission</a:t>
-            </a:r>
-            <a:endParaRPr lang="en-IN" sz="2400" b="1" dirty="0">
+              <a:t>All top 10 handsets have average TCP retransmission rates above 4, indicating a significant amount of retransmitted </a:t>
+            </a:r>
+            <a:r>
+              <a:rPr lang="en-US" dirty="0" smtClean="0">
+                <a:latin typeface="Times New Roman" pitchFamily="18" charset="0"/>
+                <a:cs typeface="Times New Roman" pitchFamily="18" charset="0"/>
+              </a:rPr>
+              <a:t>data.</a:t>
+            </a:r>
+          </a:p>
+          <a:p>
+            <a:pPr algn="just"/>
+            <a:r>
+              <a:rPr lang="en-US" b="1" dirty="0" smtClean="0">
+                <a:latin typeface="Times New Roman" pitchFamily="18" charset="0"/>
+                <a:cs typeface="Times New Roman" pitchFamily="18" charset="0"/>
+              </a:rPr>
+              <a:t>Similar </a:t>
+            </a:r>
+            <a:r>
+              <a:rPr lang="en-US" b="1" dirty="0">
+                <a:latin typeface="Times New Roman" pitchFamily="18" charset="0"/>
+                <a:cs typeface="Times New Roman" pitchFamily="18" charset="0"/>
+              </a:rPr>
+              <a:t>retransmission rates: </a:t>
+            </a:r>
+            <a:r>
+              <a:rPr lang="en-US" dirty="0">
+                <a:latin typeface="Times New Roman" pitchFamily="18" charset="0"/>
+                <a:cs typeface="Times New Roman" pitchFamily="18" charset="0"/>
+              </a:rPr>
+              <a:t>The top 10 handsets have relatively similar average TCP retransmission rates, suggesting that these handsets may be experiencing similar network conditions or </a:t>
+            </a:r>
+            <a:r>
+              <a:rPr lang="en-US" dirty="0" smtClean="0">
+                <a:latin typeface="Times New Roman" pitchFamily="18" charset="0"/>
+                <a:cs typeface="Times New Roman" pitchFamily="18" charset="0"/>
+              </a:rPr>
+              <a:t>issues.</a:t>
+            </a:r>
+          </a:p>
+          <a:p>
+            <a:pPr algn="just"/>
+            <a:r>
+              <a:rPr lang="en-US" b="1" dirty="0" smtClean="0">
+                <a:latin typeface="Times New Roman" pitchFamily="18" charset="0"/>
+                <a:cs typeface="Times New Roman" pitchFamily="18" charset="0"/>
+              </a:rPr>
+              <a:t>No </a:t>
+            </a:r>
+            <a:r>
+              <a:rPr lang="en-US" b="1" dirty="0">
+                <a:latin typeface="Times New Roman" pitchFamily="18" charset="0"/>
+                <a:cs typeface="Times New Roman" pitchFamily="18" charset="0"/>
+              </a:rPr>
+              <a:t>clear leader: </a:t>
+            </a:r>
+            <a:r>
+              <a:rPr lang="en-US" dirty="0">
+                <a:latin typeface="Times New Roman" pitchFamily="18" charset="0"/>
+                <a:cs typeface="Times New Roman" pitchFamily="18" charset="0"/>
+              </a:rPr>
+              <a:t>Unlike the throughput graph, there is no clear leader in terms of TCP retransmission rate, as all handsets have similar rates.</a:t>
+            </a:r>
+            <a:endParaRPr lang="en-IN" dirty="0">
               <a:latin typeface="Times New Roman" pitchFamily="18" charset="0"/>
               <a:cs typeface="Times New Roman" pitchFamily="18" charset="0"/>
             </a:endParaRPr>
           </a:p>
         </p:txBody>
       </p:sp>
+    </p:spTree>
+    <p:extLst>
+      <p:ext uri="{BB962C8B-B14F-4D97-AF65-F5344CB8AC3E}">
+        <p14:creationId xmlns:p14="http://schemas.microsoft.com/office/powerpoint/2010/main" val="2985201409"/>
+      </p:ext>
+    </p:extLst>
+  </p:cSld>
+  <p:clrMapOvr>
+    <a:masterClrMapping/>
+  </p:clrMapOvr>
+  <p:timing>
+    <p:tnLst>
+      <p:par>
+        <p:cTn id="1" dur="indefinite" restart="never" nodeType="tmRoot"/>
+      </p:par>
+    </p:tnLst>
+  </p:timing>
+</p:sld>
+</file>
+
+<file path=ppt/slides/slide11.xml><?xml version="1.0" encoding="utf-8"?>
+<p:sld xmlns:a="http://schemas.openxmlformats.org/drawingml/2006/main" xmlns:r="http://schemas.openxmlformats.org/officeDocument/2006/relationships" xmlns:p="http://schemas.openxmlformats.org/presentationml/2006/main">
+  <p:cSld>
+    <p:spTree>
+      <p:nvGrpSpPr>
+        <p:cNvPr id="1" name=""/>
+        <p:cNvGrpSpPr/>
+        <p:nvPr/>
+      </p:nvGrpSpPr>
+      <p:grpSpPr>
+        <a:xfrm>
+          <a:off x="0" y="0"/>
+          <a:ext cx="0" cy="0"/>
+          <a:chOff x="0" y="0"/>
+          <a:chExt cx="0" cy="0"/>
+        </a:xfrm>
+      </p:grpSpPr>
+      <p:sp>
+        <p:nvSpPr>
+          <p:cNvPr id="2" name="Title 1"/>
+          <p:cNvSpPr>
+            <a:spLocks noGrp="1"/>
+          </p:cNvSpPr>
+          <p:nvPr>
+            <p:ph type="title"/>
+          </p:nvPr>
+        </p:nvSpPr>
+        <p:spPr/>
+        <p:txBody>
+          <a:bodyPr/>
+          <a:lstStyle/>
+          <a:p>
+            <a:endParaRPr lang="en-IN"/>
+          </a:p>
+        </p:txBody>
+      </p:sp>
+      <p:sp>
+        <p:nvSpPr>
+          <p:cNvPr id="3" name="Content Placeholder 2"/>
+          <p:cNvSpPr>
+            <a:spLocks noGrp="1"/>
+          </p:cNvSpPr>
+          <p:nvPr>
+            <p:ph sz="quarter" idx="1"/>
+          </p:nvPr>
+        </p:nvSpPr>
+        <p:spPr/>
+        <p:txBody>
+          <a:bodyPr/>
+          <a:lstStyle/>
+          <a:p>
+            <a:endParaRPr lang="en-IN" dirty="0"/>
+          </a:p>
+        </p:txBody>
+      </p:sp>
       <p:pic>
         <p:nvPicPr>
-          <p:cNvPr id="5122" name="Picture 2"/>
+          <p:cNvPr id="1026" name="Picture 2"/>
           <p:cNvPicPr>
-            <a:picLocks noGrp="1" noChangeAspect="1" noChangeArrowheads="1"/>
+            <a:picLocks noChangeAspect="1" noChangeArrowheads="1"/>
           </p:cNvPicPr>
-          <p:nvPr>
-            <p:ph sz="quarter" idx="1"/>
-          </p:nvPr>
+          <p:nvPr/>
         </p:nvPicPr>
         <p:blipFill>
-          <a:blip r:embed="rId2">
+          <a:blip r:embed="rId3">
             <a:extLst>
               <a:ext uri="{28A0092B-C50C-407E-A947-70E740481C1C}">
                 <a14:useLocalDpi xmlns:a14="http://schemas.microsoft.com/office/drawing/2010/main" val="0"/>
@@ -5664,8 +5800,8 @@
         </p:blipFill>
         <p:spPr bwMode="auto">
           <a:xfrm>
-            <a:off x="251520" y="980728"/>
-            <a:ext cx="8568952" cy="5493097"/>
+            <a:off x="467544" y="1556792"/>
+            <a:ext cx="7488831" cy="4968552"/>
           </a:xfrm>
           <a:prstGeom prst="rect">
             <a:avLst/>
@@ -5708,170 +5844,13 @@
     </p:spTree>
     <p:extLst>
       <p:ext uri="{BB962C8B-B14F-4D97-AF65-F5344CB8AC3E}">
-        <p14:creationId xmlns:p14="http://schemas.microsoft.com/office/powerpoint/2010/main" val="1625256330"/>
+        <p14:creationId xmlns:p14="http://schemas.microsoft.com/office/powerpoint/2010/main" val="2341733145"/>
       </p:ext>
     </p:extLst>
   </p:cSld>
   <p:clrMapOvr>
     <a:masterClrMapping/>
   </p:clrMapOvr>
-  <p:timing>
-    <p:tnLst>
-      <p:par>
-        <p:cTn id="1" dur="indefinite" restart="never" nodeType="tmRoot"/>
-      </p:par>
-    </p:tnLst>
-  </p:timing>
-</p:sld>
-</file>
-
-<file path=ppt/slides/slide11.xml><?xml version="1.0" encoding="utf-8"?>
-<p:sld xmlns:a="http://schemas.openxmlformats.org/drawingml/2006/main" xmlns:r="http://schemas.openxmlformats.org/officeDocument/2006/relationships" xmlns:p="http://schemas.openxmlformats.org/presentationml/2006/main">
-  <p:cSld>
-    <p:spTree>
-      <p:nvGrpSpPr>
-        <p:cNvPr id="1" name=""/>
-        <p:cNvGrpSpPr/>
-        <p:nvPr/>
-      </p:nvGrpSpPr>
-      <p:grpSpPr>
-        <a:xfrm>
-          <a:off x="0" y="0"/>
-          <a:ext cx="0" cy="0"/>
-          <a:chOff x="0" y="0"/>
-          <a:chExt cx="0" cy="0"/>
-        </a:xfrm>
-      </p:grpSpPr>
-      <p:sp>
-        <p:nvSpPr>
-          <p:cNvPr id="3" name="Content Placeholder 2"/>
-          <p:cNvSpPr>
-            <a:spLocks noGrp="1"/>
-          </p:cNvSpPr>
-          <p:nvPr>
-            <p:ph sz="quarter" idx="1"/>
-          </p:nvPr>
-        </p:nvSpPr>
-        <p:spPr>
-          <a:xfrm>
-            <a:off x="457200" y="908720"/>
-            <a:ext cx="7643192" cy="5565232"/>
-          </a:xfrm>
-        </p:spPr>
-        <p:txBody>
-          <a:bodyPr>
-            <a:normAutofit/>
-          </a:bodyPr>
-          <a:lstStyle/>
-          <a:p>
-            <a:pPr algn="just"/>
-            <a:r>
-              <a:rPr lang="en-US" b="1" dirty="0" smtClean="0">
-                <a:latin typeface="Times New Roman" pitchFamily="18" charset="0"/>
-                <a:cs typeface="Times New Roman" pitchFamily="18" charset="0"/>
-              </a:rPr>
-              <a:t>High </a:t>
-            </a:r>
-            <a:r>
-              <a:rPr lang="en-US" b="1" dirty="0">
-                <a:latin typeface="Times New Roman" pitchFamily="18" charset="0"/>
-                <a:cs typeface="Times New Roman" pitchFamily="18" charset="0"/>
-              </a:rPr>
-              <a:t>TCP retransmission rates: </a:t>
-            </a:r>
-            <a:r>
-              <a:rPr lang="en-US" dirty="0">
-                <a:latin typeface="Times New Roman" pitchFamily="18" charset="0"/>
-                <a:cs typeface="Times New Roman" pitchFamily="18" charset="0"/>
-              </a:rPr>
-              <a:t>All top 10 handsets have average TCP retransmission rates above 4, indicating a significant amount of retransmitted </a:t>
-            </a:r>
-            <a:r>
-              <a:rPr lang="en-US" dirty="0" smtClean="0">
-                <a:latin typeface="Times New Roman" pitchFamily="18" charset="0"/>
-                <a:cs typeface="Times New Roman" pitchFamily="18" charset="0"/>
-              </a:rPr>
-              <a:t>data.</a:t>
-            </a:r>
-          </a:p>
-          <a:p>
-            <a:pPr algn="just"/>
-            <a:r>
-              <a:rPr lang="en-US" b="1" dirty="0" smtClean="0">
-                <a:latin typeface="Times New Roman" pitchFamily="18" charset="0"/>
-                <a:cs typeface="Times New Roman" pitchFamily="18" charset="0"/>
-              </a:rPr>
-              <a:t>Similar </a:t>
-            </a:r>
-            <a:r>
-              <a:rPr lang="en-US" b="1" dirty="0">
-                <a:latin typeface="Times New Roman" pitchFamily="18" charset="0"/>
-                <a:cs typeface="Times New Roman" pitchFamily="18" charset="0"/>
-              </a:rPr>
-              <a:t>retransmission rates: </a:t>
-            </a:r>
-            <a:r>
-              <a:rPr lang="en-US" dirty="0">
-                <a:latin typeface="Times New Roman" pitchFamily="18" charset="0"/>
-                <a:cs typeface="Times New Roman" pitchFamily="18" charset="0"/>
-              </a:rPr>
-              <a:t>The top 10 handsets have relatively similar average TCP retransmission rates, suggesting that these handsets may be experiencing similar network conditions or </a:t>
-            </a:r>
-            <a:r>
-              <a:rPr lang="en-US" dirty="0" smtClean="0">
-                <a:latin typeface="Times New Roman" pitchFamily="18" charset="0"/>
-                <a:cs typeface="Times New Roman" pitchFamily="18" charset="0"/>
-              </a:rPr>
-              <a:t>issues.</a:t>
-            </a:r>
-          </a:p>
-          <a:p>
-            <a:pPr algn="just"/>
-            <a:r>
-              <a:rPr lang="en-US" b="1" dirty="0" smtClean="0">
-                <a:latin typeface="Times New Roman" pitchFamily="18" charset="0"/>
-                <a:cs typeface="Times New Roman" pitchFamily="18" charset="0"/>
-              </a:rPr>
-              <a:t>No </a:t>
-            </a:r>
-            <a:r>
-              <a:rPr lang="en-US" b="1" dirty="0">
-                <a:latin typeface="Times New Roman" pitchFamily="18" charset="0"/>
-                <a:cs typeface="Times New Roman" pitchFamily="18" charset="0"/>
-              </a:rPr>
-              <a:t>clear leader: </a:t>
-            </a:r>
-            <a:r>
-              <a:rPr lang="en-US" dirty="0">
-                <a:latin typeface="Times New Roman" pitchFamily="18" charset="0"/>
-                <a:cs typeface="Times New Roman" pitchFamily="18" charset="0"/>
-              </a:rPr>
-              <a:t>Unlike the throughput graph, there is no clear leader in terms of TCP retransmission rate, as all handsets have similar rates.</a:t>
-            </a:r>
-            <a:endParaRPr lang="en-IN" dirty="0">
-              <a:latin typeface="Times New Roman" pitchFamily="18" charset="0"/>
-              <a:cs typeface="Times New Roman" pitchFamily="18" charset="0"/>
-            </a:endParaRPr>
-          </a:p>
-        </p:txBody>
-      </p:sp>
-    </p:spTree>
-    <p:extLst>
-      <p:ext uri="{BB962C8B-B14F-4D97-AF65-F5344CB8AC3E}">
-        <p14:creationId xmlns:p14="http://schemas.microsoft.com/office/powerpoint/2010/main" val="2985201409"/>
-      </p:ext>
-    </p:extLst>
-  </p:cSld>
-  <p:clrMapOvr>
-    <a:masterClrMapping/>
-  </p:clrMapOvr>
-  <p:timing>
-    <p:tnLst>
-      <p:par>
-        <p:cTn id="1" dur="indefinite" restart="never" nodeType="tmRoot"/>
-      </p:par>
-    </p:tnLst>
-  </p:timing>
 </p:sld>
 </file>
 
@@ -5904,10 +5883,410 @@
         </p:nvSpPr>
         <p:spPr/>
         <p:txBody>
+          <a:bodyPr>
+            <a:normAutofit/>
+          </a:bodyPr>
+          <a:lstStyle/>
+          <a:p>
+            <a:r>
+              <a:rPr lang="en-US" sz="2800" dirty="0">
+                <a:latin typeface="Times New Roman" pitchFamily="18" charset="0"/>
+                <a:cs typeface="Times New Roman" pitchFamily="18" charset="0"/>
+              </a:rPr>
+              <a:t>Engagement and Satisfaction Correlation</a:t>
+            </a:r>
+            <a:br>
+              <a:rPr lang="en-US" sz="2800" dirty="0">
+                <a:latin typeface="Times New Roman" pitchFamily="18" charset="0"/>
+                <a:cs typeface="Times New Roman" pitchFamily="18" charset="0"/>
+              </a:rPr>
+            </a:br>
+            <a:endParaRPr lang="en-IN" sz="2800" dirty="0">
+              <a:latin typeface="Times New Roman" pitchFamily="18" charset="0"/>
+              <a:cs typeface="Times New Roman" pitchFamily="18" charset="0"/>
+            </a:endParaRPr>
+          </a:p>
+        </p:txBody>
+      </p:sp>
+      <p:sp>
+        <p:nvSpPr>
+          <p:cNvPr id="3" name="Content Placeholder 2"/>
+          <p:cNvSpPr>
+            <a:spLocks noGrp="1"/>
+          </p:cNvSpPr>
+          <p:nvPr>
+            <p:ph sz="quarter" idx="1"/>
+          </p:nvPr>
+        </p:nvSpPr>
+        <p:spPr>
+          <a:xfrm>
+            <a:off x="539552" y="1556792"/>
+            <a:ext cx="7467600" cy="2808312"/>
+          </a:xfrm>
+        </p:spPr>
+        <p:txBody>
+          <a:bodyPr>
+            <a:normAutofit/>
+          </a:bodyPr>
+          <a:lstStyle/>
+          <a:p>
+            <a:pPr marL="457200" indent="-457200" algn="just">
+              <a:buFont typeface="+mj-lt"/>
+              <a:buAutoNum type="arabicPeriod"/>
+            </a:pPr>
+            <a:r>
+              <a:rPr lang="en-US" dirty="0" smtClean="0">
+                <a:latin typeface="Times New Roman" pitchFamily="18" charset="0"/>
+                <a:cs typeface="Times New Roman" pitchFamily="18" charset="0"/>
+              </a:rPr>
+              <a:t>There </a:t>
+            </a:r>
+            <a:r>
+              <a:rPr lang="en-US" dirty="0">
+                <a:latin typeface="Times New Roman" pitchFamily="18" charset="0"/>
+                <a:cs typeface="Times New Roman" pitchFamily="18" charset="0"/>
+              </a:rPr>
+              <a:t>is a positive correlation between engagement and satisfaction scores. As engagement scores increase, satisfaction scores also tend to </a:t>
+            </a:r>
+            <a:r>
+              <a:rPr lang="en-US" dirty="0" smtClean="0">
+                <a:latin typeface="Times New Roman" pitchFamily="18" charset="0"/>
+                <a:cs typeface="Times New Roman" pitchFamily="18" charset="0"/>
+              </a:rPr>
+              <a:t>increase.</a:t>
+            </a:r>
+          </a:p>
+          <a:p>
+            <a:pPr marL="457200" indent="-457200" algn="just">
+              <a:buFont typeface="+mj-lt"/>
+              <a:buAutoNum type="arabicPeriod"/>
+            </a:pPr>
+            <a:r>
+              <a:rPr lang="en-US" dirty="0" smtClean="0">
+                <a:latin typeface="Times New Roman" pitchFamily="18" charset="0"/>
+                <a:cs typeface="Times New Roman" pitchFamily="18" charset="0"/>
+              </a:rPr>
+              <a:t>This </a:t>
+            </a:r>
+            <a:r>
+              <a:rPr lang="en-US" dirty="0">
+                <a:latin typeface="Times New Roman" pitchFamily="18" charset="0"/>
+                <a:cs typeface="Times New Roman" pitchFamily="18" charset="0"/>
+              </a:rPr>
+              <a:t>suggests that users who are more engaged with the product or service tend to be more satisfied</a:t>
+            </a:r>
+            <a:r>
+              <a:rPr lang="en-US" dirty="0" smtClean="0">
+                <a:latin typeface="Times New Roman" pitchFamily="18" charset="0"/>
+                <a:cs typeface="Times New Roman" pitchFamily="18" charset="0"/>
+              </a:rPr>
+              <a:t>.</a:t>
+            </a:r>
+          </a:p>
+        </p:txBody>
+      </p:sp>
+    </p:spTree>
+    <p:extLst>
+      <p:ext uri="{BB962C8B-B14F-4D97-AF65-F5344CB8AC3E}">
+        <p14:creationId xmlns:p14="http://schemas.microsoft.com/office/powerpoint/2010/main" val="4217266634"/>
+      </p:ext>
+    </p:extLst>
+  </p:cSld>
+  <p:clrMapOvr>
+    <a:masterClrMapping/>
+  </p:clrMapOvr>
+</p:sld>
+</file>
+
+<file path=ppt/slides/slide13.xml><?xml version="1.0" encoding="utf-8"?>
+<p:sld xmlns:a="http://schemas.openxmlformats.org/drawingml/2006/main" xmlns:r="http://schemas.openxmlformats.org/officeDocument/2006/relationships" xmlns:p="http://schemas.openxmlformats.org/presentationml/2006/main">
+  <p:cSld>
+    <p:spTree>
+      <p:nvGrpSpPr>
+        <p:cNvPr id="1" name=""/>
+        <p:cNvGrpSpPr/>
+        <p:nvPr/>
+      </p:nvGrpSpPr>
+      <p:grpSpPr>
+        <a:xfrm>
+          <a:off x="0" y="0"/>
+          <a:ext cx="0" cy="0"/>
+          <a:chOff x="0" y="0"/>
+          <a:chExt cx="0" cy="0"/>
+        </a:xfrm>
+      </p:grpSpPr>
+      <p:sp>
+        <p:nvSpPr>
+          <p:cNvPr id="2" name="Title 1"/>
+          <p:cNvSpPr>
+            <a:spLocks noGrp="1"/>
+          </p:cNvSpPr>
+          <p:nvPr>
+            <p:ph type="title"/>
+          </p:nvPr>
+        </p:nvSpPr>
+        <p:spPr>
+          <a:xfrm>
+            <a:off x="395536" y="332656"/>
+            <a:ext cx="7467600" cy="796950"/>
+          </a:xfrm>
+        </p:spPr>
+        <p:txBody>
           <a:bodyPr/>
           <a:lstStyle/>
           <a:p>
-            <a:endParaRPr lang="en-IN"/>
+            <a:r>
+              <a:rPr lang="en-IN" dirty="0">
+                <a:latin typeface="Times New Roman" pitchFamily="18" charset="0"/>
+                <a:cs typeface="Times New Roman" pitchFamily="18" charset="0"/>
+              </a:rPr>
+              <a:t>Consistent Experience Scores</a:t>
+            </a:r>
+          </a:p>
+        </p:txBody>
+      </p:sp>
+      <p:sp>
+        <p:nvSpPr>
+          <p:cNvPr id="3" name="Content Placeholder 2"/>
+          <p:cNvSpPr>
+            <a:spLocks noGrp="1"/>
+          </p:cNvSpPr>
+          <p:nvPr>
+            <p:ph sz="quarter" idx="1"/>
+          </p:nvPr>
+        </p:nvSpPr>
+        <p:spPr>
+          <a:xfrm>
+            <a:off x="395536" y="1412776"/>
+            <a:ext cx="7920880" cy="4873752"/>
+          </a:xfrm>
+        </p:spPr>
+        <p:txBody>
+          <a:bodyPr/>
+          <a:lstStyle/>
+          <a:p>
+            <a:pPr marL="457200" indent="-457200" algn="just">
+              <a:buFont typeface="+mj-lt"/>
+              <a:buAutoNum type="arabicPeriod"/>
+            </a:pPr>
+            <a:r>
+              <a:rPr lang="en-US" dirty="0" smtClean="0">
+                <a:latin typeface="Times New Roman" pitchFamily="18" charset="0"/>
+                <a:cs typeface="Times New Roman" pitchFamily="18" charset="0"/>
+              </a:rPr>
+              <a:t> </a:t>
+            </a:r>
+            <a:r>
+              <a:rPr lang="en-US" dirty="0">
+                <a:latin typeface="Times New Roman" pitchFamily="18" charset="0"/>
+                <a:cs typeface="Times New Roman" pitchFamily="18" charset="0"/>
+              </a:rPr>
+              <a:t>Experience scores remain consistent across all data points, with a score of </a:t>
+            </a:r>
+            <a:r>
+              <a:rPr lang="en-US" dirty="0" smtClean="0">
+                <a:latin typeface="Times New Roman" pitchFamily="18" charset="0"/>
+                <a:cs typeface="Times New Roman" pitchFamily="18" charset="0"/>
+              </a:rPr>
+              <a:t>1.0.</a:t>
+            </a:r>
+          </a:p>
+          <a:p>
+            <a:pPr marL="457200" indent="-457200" algn="just">
+              <a:buFont typeface="+mj-lt"/>
+              <a:buAutoNum type="arabicPeriod"/>
+            </a:pPr>
+            <a:r>
+              <a:rPr lang="en-US" dirty="0" smtClean="0">
+                <a:latin typeface="Times New Roman" pitchFamily="18" charset="0"/>
+                <a:cs typeface="Times New Roman" pitchFamily="18" charset="0"/>
+              </a:rPr>
+              <a:t>This </a:t>
+            </a:r>
+            <a:r>
+              <a:rPr lang="en-US" dirty="0">
+                <a:latin typeface="Times New Roman" pitchFamily="18" charset="0"/>
+                <a:cs typeface="Times New Roman" pitchFamily="18" charset="0"/>
+              </a:rPr>
+              <a:t>could indicate that the experience of using the product or service is uniform across all users.</a:t>
+            </a:r>
+          </a:p>
+        </p:txBody>
+      </p:sp>
+    </p:spTree>
+    <p:extLst>
+      <p:ext uri="{BB962C8B-B14F-4D97-AF65-F5344CB8AC3E}">
+        <p14:creationId xmlns:p14="http://schemas.microsoft.com/office/powerpoint/2010/main" val="1795068585"/>
+      </p:ext>
+    </p:extLst>
+  </p:cSld>
+  <p:clrMapOvr>
+    <a:masterClrMapping/>
+  </p:clrMapOvr>
+</p:sld>
+</file>
+
+<file path=ppt/slides/slide14.xml><?xml version="1.0" encoding="utf-8"?>
+<p:sld xmlns:a="http://schemas.openxmlformats.org/drawingml/2006/main" xmlns:r="http://schemas.openxmlformats.org/officeDocument/2006/relationships" xmlns:p="http://schemas.openxmlformats.org/presentationml/2006/main">
+  <p:cSld>
+    <p:spTree>
+      <p:nvGrpSpPr>
+        <p:cNvPr id="1" name=""/>
+        <p:cNvGrpSpPr/>
+        <p:nvPr/>
+      </p:nvGrpSpPr>
+      <p:grpSpPr>
+        <a:xfrm>
+          <a:off x="0" y="0"/>
+          <a:ext cx="0" cy="0"/>
+          <a:chOff x="0" y="0"/>
+          <a:chExt cx="0" cy="0"/>
+        </a:xfrm>
+      </p:grpSpPr>
+      <p:sp>
+        <p:nvSpPr>
+          <p:cNvPr id="2" name="Title 1"/>
+          <p:cNvSpPr>
+            <a:spLocks noGrp="1"/>
+          </p:cNvSpPr>
+          <p:nvPr>
+            <p:ph type="title"/>
+          </p:nvPr>
+        </p:nvSpPr>
+        <p:spPr/>
+        <p:txBody>
+          <a:bodyPr/>
+          <a:lstStyle/>
+          <a:p>
+            <a:r>
+              <a:rPr lang="en-IN" dirty="0">
+                <a:latin typeface="Times New Roman" pitchFamily="18" charset="0"/>
+                <a:cs typeface="Times New Roman" pitchFamily="18" charset="0"/>
+              </a:rPr>
+              <a:t>Variance in Satisfaction Scores</a:t>
+            </a:r>
+          </a:p>
+        </p:txBody>
+      </p:sp>
+      <p:sp>
+        <p:nvSpPr>
+          <p:cNvPr id="3" name="Content Placeholder 2"/>
+          <p:cNvSpPr>
+            <a:spLocks noGrp="1"/>
+          </p:cNvSpPr>
+          <p:nvPr>
+            <p:ph sz="quarter" idx="1"/>
+          </p:nvPr>
+        </p:nvSpPr>
+        <p:spPr/>
+        <p:txBody>
+          <a:bodyPr/>
+          <a:lstStyle/>
+          <a:p>
+            <a:pPr marL="457200" indent="-457200" algn="just">
+              <a:buFont typeface="+mj-lt"/>
+              <a:buAutoNum type="arabicPeriod"/>
+            </a:pPr>
+            <a:r>
+              <a:rPr lang="en-US" dirty="0" smtClean="0">
+                <a:latin typeface="Times New Roman" pitchFamily="18" charset="0"/>
+                <a:cs typeface="Times New Roman" pitchFamily="18" charset="0"/>
+              </a:rPr>
+              <a:t>Satisfaction </a:t>
+            </a:r>
+            <a:r>
+              <a:rPr lang="en-US" dirty="0">
+                <a:latin typeface="Times New Roman" pitchFamily="18" charset="0"/>
+                <a:cs typeface="Times New Roman" pitchFamily="18" charset="0"/>
+              </a:rPr>
+              <a:t>scores vary widely, ranging from 126,037,214 to </a:t>
+            </a:r>
+            <a:r>
+              <a:rPr lang="en-US" dirty="0" smtClean="0">
+                <a:latin typeface="Times New Roman" pitchFamily="18" charset="0"/>
+                <a:cs typeface="Times New Roman" pitchFamily="18" charset="0"/>
+              </a:rPr>
+              <a:t>1,366,386,971.</a:t>
+            </a:r>
+          </a:p>
+          <a:p>
+            <a:pPr marL="457200" indent="-457200" algn="just">
+              <a:buFont typeface="+mj-lt"/>
+              <a:buAutoNum type="arabicPeriod"/>
+            </a:pPr>
+            <a:r>
+              <a:rPr lang="en-US" dirty="0" smtClean="0">
+                <a:latin typeface="Times New Roman" pitchFamily="18" charset="0"/>
+                <a:cs typeface="Times New Roman" pitchFamily="18" charset="0"/>
+              </a:rPr>
+              <a:t>This </a:t>
+            </a:r>
+            <a:r>
+              <a:rPr lang="en-US" dirty="0">
+                <a:latin typeface="Times New Roman" pitchFamily="18" charset="0"/>
+                <a:cs typeface="Times New Roman" pitchFamily="18" charset="0"/>
+              </a:rPr>
+              <a:t>suggests that there are opportunities for improvement in terms of satisfaction, as some users are much more satisfied than others.</a:t>
+            </a:r>
+            <a:endParaRPr lang="en-IN" dirty="0">
+              <a:latin typeface="Times New Roman" pitchFamily="18" charset="0"/>
+              <a:cs typeface="Times New Roman" pitchFamily="18" charset="0"/>
+            </a:endParaRPr>
+          </a:p>
+        </p:txBody>
+      </p:sp>
+    </p:spTree>
+    <p:extLst>
+      <p:ext uri="{BB962C8B-B14F-4D97-AF65-F5344CB8AC3E}">
+        <p14:creationId xmlns:p14="http://schemas.microsoft.com/office/powerpoint/2010/main" val="3015223564"/>
+      </p:ext>
+    </p:extLst>
+  </p:cSld>
+  <p:clrMapOvr>
+    <a:masterClrMapping/>
+  </p:clrMapOvr>
+</p:sld>
+</file>
+
+<file path=ppt/slides/slide15.xml><?xml version="1.0" encoding="utf-8"?>
+<p:sld xmlns:a="http://schemas.openxmlformats.org/drawingml/2006/main" xmlns:r="http://schemas.openxmlformats.org/officeDocument/2006/relationships" xmlns:p="http://schemas.openxmlformats.org/presentationml/2006/main">
+  <p:cSld>
+    <p:spTree>
+      <p:nvGrpSpPr>
+        <p:cNvPr id="1" name=""/>
+        <p:cNvGrpSpPr/>
+        <p:nvPr/>
+      </p:nvGrpSpPr>
+      <p:grpSpPr>
+        <a:xfrm>
+          <a:off x="0" y="0"/>
+          <a:ext cx="0" cy="0"/>
+          <a:chOff x="0" y="0"/>
+          <a:chExt cx="0" cy="0"/>
+        </a:xfrm>
+      </p:grpSpPr>
+      <p:sp>
+        <p:nvSpPr>
+          <p:cNvPr id="2" name="Title 1"/>
+          <p:cNvSpPr>
+            <a:spLocks noGrp="1"/>
+          </p:cNvSpPr>
+          <p:nvPr>
+            <p:ph type="title"/>
+          </p:nvPr>
+        </p:nvSpPr>
+        <p:spPr/>
+        <p:txBody>
+          <a:bodyPr/>
+          <a:lstStyle/>
+          <a:p>
+            <a:r>
+              <a:rPr lang="en-IN" dirty="0">
+                <a:latin typeface="Times New Roman" pitchFamily="18" charset="0"/>
+                <a:cs typeface="Times New Roman" pitchFamily="18" charset="0"/>
+              </a:rPr>
+              <a:t>Model Tracking Report</a:t>
+            </a:r>
           </a:p>
         </p:txBody>
       </p:sp>
@@ -5932,14 +6311,14 @@
       </p:sp>
       <p:pic>
         <p:nvPicPr>
-          <p:cNvPr id="1026" name="Picture 2"/>
+          <p:cNvPr id="2050" name="Picture 2"/>
           <p:cNvPicPr>
             <a:picLocks noChangeAspect="1" noChangeArrowheads="1"/>
           </p:cNvPicPr>
           <p:nvPr/>
         </p:nvPicPr>
         <p:blipFill>
-          <a:blip r:embed="rId3">
+          <a:blip r:embed="rId2">
             <a:extLst>
               <a:ext uri="{28A0092B-C50C-407E-A947-70E740481C1C}">
                 <a14:useLocalDpi xmlns:a14="http://schemas.microsoft.com/office/drawing/2010/main" val="0"/>
@@ -5953,8 +6332,8 @@
         </p:blipFill>
         <p:spPr bwMode="auto">
           <a:xfrm>
-            <a:off x="467544" y="1556792"/>
-            <a:ext cx="7488831" cy="4968552"/>
+            <a:off x="395536" y="1556792"/>
+            <a:ext cx="7632848" cy="5113883"/>
           </a:xfrm>
           <a:prstGeom prst="rect">
             <a:avLst/>
@@ -5997,401 +6376,7 @@
     </p:spTree>
     <p:extLst>
       <p:ext uri="{BB962C8B-B14F-4D97-AF65-F5344CB8AC3E}">
-        <p14:creationId xmlns:p14="http://schemas.microsoft.com/office/powerpoint/2010/main" val="2341733145"/>
-      </p:ext>
-    </p:extLst>
-  </p:cSld>
-  <p:clrMapOvr>
-    <a:masterClrMapping/>
-  </p:clrMapOvr>
-</p:sld>
-</file>
-
-<file path=ppt/slides/slide13.xml><?xml version="1.0" encoding="utf-8"?>
-<p:sld xmlns:a="http://schemas.openxmlformats.org/drawingml/2006/main" xmlns:r="http://schemas.openxmlformats.org/officeDocument/2006/relationships" xmlns:p="http://schemas.openxmlformats.org/presentationml/2006/main">
-  <p:cSld>
-    <p:spTree>
-      <p:nvGrpSpPr>
-        <p:cNvPr id="1" name=""/>
-        <p:cNvGrpSpPr/>
-        <p:nvPr/>
-      </p:nvGrpSpPr>
-      <p:grpSpPr>
-        <a:xfrm>
-          <a:off x="0" y="0"/>
-          <a:ext cx="0" cy="0"/>
-          <a:chOff x="0" y="0"/>
-          <a:chExt cx="0" cy="0"/>
-        </a:xfrm>
-      </p:grpSpPr>
-      <p:sp>
-        <p:nvSpPr>
-          <p:cNvPr id="2" name="Title 1"/>
-          <p:cNvSpPr>
-            <a:spLocks noGrp="1"/>
-          </p:cNvSpPr>
-          <p:nvPr>
-            <p:ph type="title"/>
-          </p:nvPr>
-        </p:nvSpPr>
-        <p:spPr/>
-        <p:txBody>
-          <a:bodyPr>
-            <a:normAutofit/>
-          </a:bodyPr>
-          <a:lstStyle/>
-          <a:p>
-            <a:r>
-              <a:rPr lang="en-US" sz="2800" dirty="0">
-                <a:latin typeface="Times New Roman" pitchFamily="18" charset="0"/>
-                <a:cs typeface="Times New Roman" pitchFamily="18" charset="0"/>
-              </a:rPr>
-              <a:t>Engagement and Satisfaction Correlation</a:t>
-            </a:r>
-            <a:br>
-              <a:rPr lang="en-US" sz="2800" dirty="0">
-                <a:latin typeface="Times New Roman" pitchFamily="18" charset="0"/>
-                <a:cs typeface="Times New Roman" pitchFamily="18" charset="0"/>
-              </a:rPr>
-            </a:br>
-            <a:endParaRPr lang="en-IN" sz="2800" dirty="0">
-              <a:latin typeface="Times New Roman" pitchFamily="18" charset="0"/>
-              <a:cs typeface="Times New Roman" pitchFamily="18" charset="0"/>
-            </a:endParaRPr>
-          </a:p>
-        </p:txBody>
-      </p:sp>
-      <p:sp>
-        <p:nvSpPr>
-          <p:cNvPr id="3" name="Content Placeholder 2"/>
-          <p:cNvSpPr>
-            <a:spLocks noGrp="1"/>
-          </p:cNvSpPr>
-          <p:nvPr>
-            <p:ph sz="quarter" idx="1"/>
-          </p:nvPr>
-        </p:nvSpPr>
-        <p:spPr>
-          <a:xfrm>
-            <a:off x="539552" y="1556792"/>
-            <a:ext cx="7467600" cy="2808312"/>
-          </a:xfrm>
-        </p:spPr>
-        <p:txBody>
-          <a:bodyPr>
-            <a:normAutofit/>
-          </a:bodyPr>
-          <a:lstStyle/>
-          <a:p>
-            <a:pPr marL="457200" indent="-457200" algn="just">
-              <a:buFont typeface="+mj-lt"/>
-              <a:buAutoNum type="arabicPeriod"/>
-            </a:pPr>
-            <a:r>
-              <a:rPr lang="en-US" dirty="0" smtClean="0">
-                <a:latin typeface="Times New Roman" pitchFamily="18" charset="0"/>
-                <a:cs typeface="Times New Roman" pitchFamily="18" charset="0"/>
-              </a:rPr>
-              <a:t>There </a:t>
-            </a:r>
-            <a:r>
-              <a:rPr lang="en-US" dirty="0">
-                <a:latin typeface="Times New Roman" pitchFamily="18" charset="0"/>
-                <a:cs typeface="Times New Roman" pitchFamily="18" charset="0"/>
-              </a:rPr>
-              <a:t>is a positive correlation between engagement and satisfaction scores. As engagement scores increase, satisfaction scores also tend to </a:t>
-            </a:r>
-            <a:r>
-              <a:rPr lang="en-US" dirty="0" smtClean="0">
-                <a:latin typeface="Times New Roman" pitchFamily="18" charset="0"/>
-                <a:cs typeface="Times New Roman" pitchFamily="18" charset="0"/>
-              </a:rPr>
-              <a:t>increase.</a:t>
-            </a:r>
-          </a:p>
-          <a:p>
-            <a:pPr marL="457200" indent="-457200" algn="just">
-              <a:buFont typeface="+mj-lt"/>
-              <a:buAutoNum type="arabicPeriod"/>
-            </a:pPr>
-            <a:r>
-              <a:rPr lang="en-US" dirty="0" smtClean="0">
-                <a:latin typeface="Times New Roman" pitchFamily="18" charset="0"/>
-                <a:cs typeface="Times New Roman" pitchFamily="18" charset="0"/>
-              </a:rPr>
-              <a:t>This </a:t>
-            </a:r>
-            <a:r>
-              <a:rPr lang="en-US" dirty="0">
-                <a:latin typeface="Times New Roman" pitchFamily="18" charset="0"/>
-                <a:cs typeface="Times New Roman" pitchFamily="18" charset="0"/>
-              </a:rPr>
-              <a:t>suggests that users who are more engaged with the product or service tend to be more satisfied</a:t>
-            </a:r>
-            <a:r>
-              <a:rPr lang="en-US" dirty="0" smtClean="0">
-                <a:latin typeface="Times New Roman" pitchFamily="18" charset="0"/>
-                <a:cs typeface="Times New Roman" pitchFamily="18" charset="0"/>
-              </a:rPr>
-              <a:t>.</a:t>
-            </a:r>
-          </a:p>
-        </p:txBody>
-      </p:sp>
-    </p:spTree>
-    <p:extLst>
-      <p:ext uri="{BB962C8B-B14F-4D97-AF65-F5344CB8AC3E}">
-        <p14:creationId xmlns:p14="http://schemas.microsoft.com/office/powerpoint/2010/main" val="4217266634"/>
-      </p:ext>
-    </p:extLst>
-  </p:cSld>
-  <p:clrMapOvr>
-    <a:masterClrMapping/>
-  </p:clrMapOvr>
-</p:sld>
-</file>
-
-<file path=ppt/slides/slide14.xml><?xml version="1.0" encoding="utf-8"?>
-<p:sld xmlns:a="http://schemas.openxmlformats.org/drawingml/2006/main" xmlns:r="http://schemas.openxmlformats.org/officeDocument/2006/relationships" xmlns:p="http://schemas.openxmlformats.org/presentationml/2006/main">
-  <p:cSld>
-    <p:spTree>
-      <p:nvGrpSpPr>
-        <p:cNvPr id="1" name=""/>
-        <p:cNvGrpSpPr/>
-        <p:nvPr/>
-      </p:nvGrpSpPr>
-      <p:grpSpPr>
-        <a:xfrm>
-          <a:off x="0" y="0"/>
-          <a:ext cx="0" cy="0"/>
-          <a:chOff x="0" y="0"/>
-          <a:chExt cx="0" cy="0"/>
-        </a:xfrm>
-      </p:grpSpPr>
-      <p:sp>
-        <p:nvSpPr>
-          <p:cNvPr id="2" name="Title 1"/>
-          <p:cNvSpPr>
-            <a:spLocks noGrp="1"/>
-          </p:cNvSpPr>
-          <p:nvPr>
-            <p:ph type="title"/>
-          </p:nvPr>
-        </p:nvSpPr>
-        <p:spPr>
-          <a:xfrm>
-            <a:off x="395536" y="332656"/>
-            <a:ext cx="7467600" cy="796950"/>
-          </a:xfrm>
-        </p:spPr>
-        <p:txBody>
-          <a:bodyPr/>
-          <a:lstStyle/>
-          <a:p>
-            <a:r>
-              <a:rPr lang="en-IN" dirty="0">
-                <a:latin typeface="Times New Roman" pitchFamily="18" charset="0"/>
-                <a:cs typeface="Times New Roman" pitchFamily="18" charset="0"/>
-              </a:rPr>
-              <a:t>Consistent Experience Scores</a:t>
-            </a:r>
-          </a:p>
-        </p:txBody>
-      </p:sp>
-      <p:sp>
-        <p:nvSpPr>
-          <p:cNvPr id="3" name="Content Placeholder 2"/>
-          <p:cNvSpPr>
-            <a:spLocks noGrp="1"/>
-          </p:cNvSpPr>
-          <p:nvPr>
-            <p:ph sz="quarter" idx="1"/>
-          </p:nvPr>
-        </p:nvSpPr>
-        <p:spPr>
-          <a:xfrm>
-            <a:off x="395536" y="1412776"/>
-            <a:ext cx="7920880" cy="4873752"/>
-          </a:xfrm>
-        </p:spPr>
-        <p:txBody>
-          <a:bodyPr/>
-          <a:lstStyle/>
-          <a:p>
-            <a:pPr marL="457200" indent="-457200" algn="just">
-              <a:buFont typeface="+mj-lt"/>
-              <a:buAutoNum type="arabicPeriod"/>
-            </a:pPr>
-            <a:r>
-              <a:rPr lang="en-US" dirty="0" smtClean="0">
-                <a:latin typeface="Times New Roman" pitchFamily="18" charset="0"/>
-                <a:cs typeface="Times New Roman" pitchFamily="18" charset="0"/>
-              </a:rPr>
-              <a:t> </a:t>
-            </a:r>
-            <a:r>
-              <a:rPr lang="en-US" dirty="0">
-                <a:latin typeface="Times New Roman" pitchFamily="18" charset="0"/>
-                <a:cs typeface="Times New Roman" pitchFamily="18" charset="0"/>
-              </a:rPr>
-              <a:t>Experience scores remain consistent across all data points, with a score of </a:t>
-            </a:r>
-            <a:r>
-              <a:rPr lang="en-US" dirty="0" smtClean="0">
-                <a:latin typeface="Times New Roman" pitchFamily="18" charset="0"/>
-                <a:cs typeface="Times New Roman" pitchFamily="18" charset="0"/>
-              </a:rPr>
-              <a:t>1.0.</a:t>
-            </a:r>
-          </a:p>
-          <a:p>
-            <a:pPr marL="457200" indent="-457200" algn="just">
-              <a:buFont typeface="+mj-lt"/>
-              <a:buAutoNum type="arabicPeriod"/>
-            </a:pPr>
-            <a:r>
-              <a:rPr lang="en-US" dirty="0" smtClean="0">
-                <a:latin typeface="Times New Roman" pitchFamily="18" charset="0"/>
-                <a:cs typeface="Times New Roman" pitchFamily="18" charset="0"/>
-              </a:rPr>
-              <a:t>This </a:t>
-            </a:r>
-            <a:r>
-              <a:rPr lang="en-US" dirty="0">
-                <a:latin typeface="Times New Roman" pitchFamily="18" charset="0"/>
-                <a:cs typeface="Times New Roman" pitchFamily="18" charset="0"/>
-              </a:rPr>
-              <a:t>could indicate that the experience of using the product or service is uniform across all users.</a:t>
-            </a:r>
-          </a:p>
-        </p:txBody>
-      </p:sp>
-    </p:spTree>
-    <p:extLst>
-      <p:ext uri="{BB962C8B-B14F-4D97-AF65-F5344CB8AC3E}">
-        <p14:creationId xmlns:p14="http://schemas.microsoft.com/office/powerpoint/2010/main" val="1795068585"/>
-      </p:ext>
-    </p:extLst>
-  </p:cSld>
-  <p:clrMapOvr>
-    <a:masterClrMapping/>
-  </p:clrMapOvr>
-</p:sld>
-</file>
-
-<file path=ppt/slides/slide15.xml><?xml version="1.0" encoding="utf-8"?>
-<p:sld xmlns:a="http://schemas.openxmlformats.org/drawingml/2006/main" xmlns:r="http://schemas.openxmlformats.org/officeDocument/2006/relationships" xmlns:p="http://schemas.openxmlformats.org/presentationml/2006/main">
-  <p:cSld>
-    <p:spTree>
-      <p:nvGrpSpPr>
-        <p:cNvPr id="1" name=""/>
-        <p:cNvGrpSpPr/>
-        <p:nvPr/>
-      </p:nvGrpSpPr>
-      <p:grpSpPr>
-        <a:xfrm>
-          <a:off x="0" y="0"/>
-          <a:ext cx="0" cy="0"/>
-          <a:chOff x="0" y="0"/>
-          <a:chExt cx="0" cy="0"/>
-        </a:xfrm>
-      </p:grpSpPr>
-      <p:sp>
-        <p:nvSpPr>
-          <p:cNvPr id="2" name="Title 1"/>
-          <p:cNvSpPr>
-            <a:spLocks noGrp="1"/>
-          </p:cNvSpPr>
-          <p:nvPr>
-            <p:ph type="title"/>
-          </p:nvPr>
-        </p:nvSpPr>
-        <p:spPr/>
-        <p:txBody>
-          <a:bodyPr/>
-          <a:lstStyle/>
-          <a:p>
-            <a:r>
-              <a:rPr lang="en-IN" dirty="0">
-                <a:latin typeface="Times New Roman" pitchFamily="18" charset="0"/>
-                <a:cs typeface="Times New Roman" pitchFamily="18" charset="0"/>
-              </a:rPr>
-              <a:t>Variance in Satisfaction Scores</a:t>
-            </a:r>
-          </a:p>
-        </p:txBody>
-      </p:sp>
-      <p:sp>
-        <p:nvSpPr>
-          <p:cNvPr id="3" name="Content Placeholder 2"/>
-          <p:cNvSpPr>
-            <a:spLocks noGrp="1"/>
-          </p:cNvSpPr>
-          <p:nvPr>
-            <p:ph sz="quarter" idx="1"/>
-          </p:nvPr>
-        </p:nvSpPr>
-        <p:spPr/>
-        <p:txBody>
-          <a:bodyPr/>
-          <a:lstStyle/>
-          <a:p>
-            <a:pPr marL="457200" indent="-457200" algn="just">
-              <a:buFont typeface="+mj-lt"/>
-              <a:buAutoNum type="arabicPeriod"/>
-            </a:pPr>
-            <a:r>
-              <a:rPr lang="en-US" dirty="0" smtClean="0">
-                <a:latin typeface="Times New Roman" pitchFamily="18" charset="0"/>
-                <a:cs typeface="Times New Roman" pitchFamily="18" charset="0"/>
-              </a:rPr>
-              <a:t>Satisfaction </a:t>
-            </a:r>
-            <a:r>
-              <a:rPr lang="en-US" dirty="0">
-                <a:latin typeface="Times New Roman" pitchFamily="18" charset="0"/>
-                <a:cs typeface="Times New Roman" pitchFamily="18" charset="0"/>
-              </a:rPr>
-              <a:t>scores vary widely, ranging from 126,037,214 to </a:t>
-            </a:r>
-            <a:r>
-              <a:rPr lang="en-US" dirty="0" smtClean="0">
-                <a:latin typeface="Times New Roman" pitchFamily="18" charset="0"/>
-                <a:cs typeface="Times New Roman" pitchFamily="18" charset="0"/>
-              </a:rPr>
-              <a:t>1,366,386,971.</a:t>
-            </a:r>
-          </a:p>
-          <a:p>
-            <a:pPr marL="457200" indent="-457200" algn="just">
-              <a:buFont typeface="+mj-lt"/>
-              <a:buAutoNum type="arabicPeriod"/>
-            </a:pPr>
-            <a:r>
-              <a:rPr lang="en-US" dirty="0" smtClean="0">
-                <a:latin typeface="Times New Roman" pitchFamily="18" charset="0"/>
-                <a:cs typeface="Times New Roman" pitchFamily="18" charset="0"/>
-              </a:rPr>
-              <a:t>This </a:t>
-            </a:r>
-            <a:r>
-              <a:rPr lang="en-US" dirty="0">
-                <a:latin typeface="Times New Roman" pitchFamily="18" charset="0"/>
-                <a:cs typeface="Times New Roman" pitchFamily="18" charset="0"/>
-              </a:rPr>
-              <a:t>suggests that there are opportunities for improvement in terms of satisfaction, as some users are much more satisfied than others.</a:t>
-            </a:r>
-            <a:endParaRPr lang="en-IN" dirty="0">
-              <a:latin typeface="Times New Roman" pitchFamily="18" charset="0"/>
-              <a:cs typeface="Times New Roman" pitchFamily="18" charset="0"/>
-            </a:endParaRPr>
-          </a:p>
-        </p:txBody>
-      </p:sp>
-    </p:spTree>
-    <p:extLst>
-      <p:ext uri="{BB962C8B-B14F-4D97-AF65-F5344CB8AC3E}">
-        <p14:creationId xmlns:p14="http://schemas.microsoft.com/office/powerpoint/2010/main" val="3015223564"/>
+        <p14:creationId xmlns:p14="http://schemas.microsoft.com/office/powerpoint/2010/main" val="769578865"/>
       </p:ext>
     </p:extLst>
   </p:cSld>
@@ -6428,18 +6413,102 @@
             <p:ph type="title"/>
           </p:nvPr>
         </p:nvSpPr>
-        <p:spPr/>
-        <p:txBody>
-          <a:bodyPr/>
-          <a:lstStyle/>
-          <a:p>
-            <a:r>
-              <a:rPr lang="en-IN" dirty="0">
+        <p:spPr>
+          <a:xfrm>
+            <a:off x="611560" y="2636912"/>
+            <a:ext cx="7467600" cy="1143000"/>
+          </a:xfrm>
+        </p:spPr>
+        <p:txBody>
+          <a:bodyPr>
+            <a:noAutofit/>
+          </a:bodyPr>
+          <a:lstStyle/>
+          <a:p>
+            <a:pPr algn="ctr"/>
+            <a:r>
+              <a:rPr lang="en-IN" sz="9600" b="1" dirty="0" smtClean="0">
+                <a:effectLst>
+                  <a:outerShdw blurRad="38100" dist="38100" dir="2700000" algn="tl">
+                    <a:srgbClr val="000000">
+                      <a:alpha val="43137"/>
+                    </a:srgbClr>
+                  </a:outerShdw>
+                </a:effectLst>
                 <a:latin typeface="Times New Roman" pitchFamily="18" charset="0"/>
                 <a:cs typeface="Times New Roman" pitchFamily="18" charset="0"/>
               </a:rPr>
-              <a:t>Model Tracking Report</a:t>
-            </a:r>
+              <a:t>Thank you</a:t>
+            </a:r>
+            <a:endParaRPr lang="en-IN" sz="9600" b="1" dirty="0">
+              <a:effectLst>
+                <a:outerShdw blurRad="38100" dist="38100" dir="2700000" algn="tl">
+                  <a:srgbClr val="000000">
+                    <a:alpha val="43137"/>
+                  </a:srgbClr>
+                </a:outerShdw>
+              </a:effectLst>
+              <a:latin typeface="Times New Roman" pitchFamily="18" charset="0"/>
+              <a:cs typeface="Times New Roman" pitchFamily="18" charset="0"/>
+            </a:endParaRPr>
+          </a:p>
+        </p:txBody>
+      </p:sp>
+    </p:spTree>
+    <p:extLst>
+      <p:ext uri="{BB962C8B-B14F-4D97-AF65-F5344CB8AC3E}">
+        <p14:creationId xmlns:p14="http://schemas.microsoft.com/office/powerpoint/2010/main" val="4110185304"/>
+      </p:ext>
+    </p:extLst>
+  </p:cSld>
+  <p:clrMapOvr>
+    <a:masterClrMapping/>
+  </p:clrMapOvr>
+</p:sld>
+</file>
+
+<file path=ppt/slides/slide2.xml><?xml version="1.0" encoding="utf-8"?>
+<p:sld xmlns:a="http://schemas.openxmlformats.org/drawingml/2006/main" xmlns:r="http://schemas.openxmlformats.org/officeDocument/2006/relationships" xmlns:p="http://schemas.openxmlformats.org/presentationml/2006/main">
+  <p:cSld>
+    <p:spTree>
+      <p:nvGrpSpPr>
+        <p:cNvPr id="1" name=""/>
+        <p:cNvGrpSpPr/>
+        <p:nvPr/>
+      </p:nvGrpSpPr>
+      <p:grpSpPr>
+        <a:xfrm>
+          <a:off x="0" y="0"/>
+          <a:ext cx="0" cy="0"/>
+          <a:chOff x="0" y="0"/>
+          <a:chExt cx="0" cy="0"/>
+        </a:xfrm>
+      </p:grpSpPr>
+      <p:sp>
+        <p:nvSpPr>
+          <p:cNvPr id="2" name="Title 1"/>
+          <p:cNvSpPr>
+            <a:spLocks noGrp="1"/>
+          </p:cNvSpPr>
+          <p:nvPr>
+            <p:ph type="title"/>
+          </p:nvPr>
+        </p:nvSpPr>
+        <p:spPr/>
+        <p:txBody>
+          <a:bodyPr>
+            <a:normAutofit/>
+          </a:bodyPr>
+          <a:lstStyle/>
+          <a:p>
+            <a:r>
+              <a:rPr lang="en-IN" sz="3600" b="1" dirty="0">
+                <a:latin typeface="Times New Roman" pitchFamily="18" charset="0"/>
+                <a:cs typeface="Times New Roman" pitchFamily="18" charset="0"/>
+              </a:rPr>
+              <a:t>Brief Overview:</a:t>
+            </a:r>
+            <a:endParaRPr lang="en-IN" sz="3600" b="1" dirty="0"/>
           </a:p>
         </p:txBody>
       </p:sp>
@@ -6458,17 +6527,143 @@
           <a:bodyPr/>
           <a:lstStyle/>
           <a:p>
+            <a:pPr marL="342900" indent="-342900" algn="just">
+              <a:buFont typeface="Wingdings" pitchFamily="2" charset="2"/>
+              <a:buChar char="v"/>
+            </a:pPr>
+            <a:r>
+              <a:rPr lang="en-US" dirty="0">
+                <a:latin typeface="Times New Roman" pitchFamily="18" charset="0"/>
+                <a:cs typeface="Times New Roman" pitchFamily="18" charset="0"/>
+              </a:rPr>
+              <a:t>In today's competitive telecommunications market, understanding user behavior and experience is crucial for driving business growth. </a:t>
+            </a:r>
+          </a:p>
+          <a:p>
+            <a:pPr marL="342900" indent="-342900" algn="just">
+              <a:buFont typeface="Wingdings" pitchFamily="2" charset="2"/>
+              <a:buChar char="v"/>
+            </a:pPr>
+            <a:r>
+              <a:rPr lang="en-US" dirty="0">
+                <a:latin typeface="Times New Roman" pitchFamily="18" charset="0"/>
+                <a:cs typeface="Times New Roman" pitchFamily="18" charset="0"/>
+              </a:rPr>
+              <a:t>This project aims to analyze user data from </a:t>
+            </a:r>
+            <a:r>
+              <a:rPr lang="en-US" dirty="0" err="1">
+                <a:latin typeface="Times New Roman" pitchFamily="18" charset="0"/>
+                <a:cs typeface="Times New Roman" pitchFamily="18" charset="0"/>
+              </a:rPr>
+              <a:t>TellCo</a:t>
+            </a:r>
+            <a:r>
+              <a:rPr lang="en-US" dirty="0">
+                <a:latin typeface="Times New Roman" pitchFamily="18" charset="0"/>
+                <a:cs typeface="Times New Roman" pitchFamily="18" charset="0"/>
+              </a:rPr>
+              <a:t>, a telecommunications service provider, to identify key insights and opportunities for improvement.</a:t>
+            </a:r>
+            <a:endParaRPr lang="en-IN" dirty="0">
+              <a:latin typeface="Times New Roman" pitchFamily="18" charset="0"/>
+              <a:cs typeface="Times New Roman" pitchFamily="18" charset="0"/>
+            </a:endParaRPr>
+          </a:p>
+          <a:p>
             <a:endParaRPr lang="en-IN" dirty="0"/>
+          </a:p>
+        </p:txBody>
+      </p:sp>
+    </p:spTree>
+    <p:extLst>
+      <p:ext uri="{BB962C8B-B14F-4D97-AF65-F5344CB8AC3E}">
+        <p14:creationId xmlns:p14="http://schemas.microsoft.com/office/powerpoint/2010/main" val="1671073747"/>
+      </p:ext>
+    </p:extLst>
+  </p:cSld>
+  <p:clrMapOvr>
+    <a:masterClrMapping/>
+  </p:clrMapOvr>
+  <p:timing>
+    <p:tnLst>
+      <p:par>
+        <p:cTn id="1" dur="indefinite" restart="never" nodeType="tmRoot"/>
+      </p:par>
+    </p:tnLst>
+  </p:timing>
+</p:sld>
+</file>
+
+<file path=ppt/slides/slide3.xml><?xml version="1.0" encoding="utf-8"?>
+<p:sld xmlns:a="http://schemas.openxmlformats.org/drawingml/2006/main" xmlns:r="http://schemas.openxmlformats.org/officeDocument/2006/relationships" xmlns:p="http://schemas.openxmlformats.org/presentationml/2006/main">
+  <p:cSld>
+    <p:spTree>
+      <p:nvGrpSpPr>
+        <p:cNvPr id="1" name=""/>
+        <p:cNvGrpSpPr/>
+        <p:nvPr/>
+      </p:nvGrpSpPr>
+      <p:grpSpPr>
+        <a:xfrm>
+          <a:off x="0" y="0"/>
+          <a:ext cx="0" cy="0"/>
+          <a:chOff x="0" y="0"/>
+          <a:chExt cx="0" cy="0"/>
+        </a:xfrm>
+      </p:grpSpPr>
+      <p:sp>
+        <p:nvSpPr>
+          <p:cNvPr id="2" name="Title 1"/>
+          <p:cNvSpPr>
+            <a:spLocks noGrp="1"/>
+          </p:cNvSpPr>
+          <p:nvPr>
+            <p:ph type="title"/>
+          </p:nvPr>
+        </p:nvSpPr>
+        <p:spPr>
+          <a:xfrm>
+            <a:off x="611560" y="332656"/>
+            <a:ext cx="7467600" cy="508918"/>
+          </a:xfrm>
+        </p:spPr>
+        <p:txBody>
+          <a:bodyPr>
+            <a:normAutofit/>
+          </a:bodyPr>
+          <a:lstStyle/>
+          <a:p>
+            <a:r>
+              <a:rPr lang="en-IN" sz="2400" b="1" dirty="0">
+                <a:latin typeface="Times New Roman" pitchFamily="18" charset="0"/>
+                <a:cs typeface="Times New Roman" pitchFamily="18" charset="0"/>
+              </a:rPr>
+              <a:t>Cluster Analysis: User Engagement </a:t>
+            </a:r>
+            <a:r>
+              <a:rPr lang="en-IN" sz="2400" b="1" dirty="0" smtClean="0">
+                <a:latin typeface="Times New Roman" pitchFamily="18" charset="0"/>
+                <a:cs typeface="Times New Roman" pitchFamily="18" charset="0"/>
+              </a:rPr>
+              <a:t>Patterns</a:t>
+            </a:r>
+            <a:endParaRPr lang="en-IN" sz="2400" b="1" dirty="0">
+              <a:latin typeface="Times New Roman" pitchFamily="18" charset="0"/>
+              <a:cs typeface="Times New Roman" pitchFamily="18" charset="0"/>
+            </a:endParaRPr>
           </a:p>
         </p:txBody>
       </p:sp>
       <p:pic>
         <p:nvPicPr>
-          <p:cNvPr id="2050" name="Picture 2"/>
+          <p:cNvPr id="1026" name="Picture 2"/>
           <p:cNvPicPr>
-            <a:picLocks noChangeAspect="1" noChangeArrowheads="1"/>
+            <a:picLocks noGrp="1" noChangeAspect="1" noChangeArrowheads="1"/>
           </p:cNvPicPr>
-          <p:nvPr/>
+          <p:nvPr>
+            <p:ph sz="quarter" idx="1"/>
+          </p:nvPr>
         </p:nvPicPr>
         <p:blipFill>
           <a:blip r:embed="rId2">
@@ -6485,8 +6680,8 @@
         </p:blipFill>
         <p:spPr bwMode="auto">
           <a:xfrm>
-            <a:off x="395536" y="1556792"/>
-            <a:ext cx="7632848" cy="5113883"/>
+            <a:off x="457200" y="1124744"/>
+            <a:ext cx="7859216" cy="5256584"/>
           </a:xfrm>
           <a:prstGeom prst="rect">
             <a:avLst/>
@@ -6529,195 +6724,7 @@
     </p:spTree>
     <p:extLst>
       <p:ext uri="{BB962C8B-B14F-4D97-AF65-F5344CB8AC3E}">
-        <p14:creationId xmlns:p14="http://schemas.microsoft.com/office/powerpoint/2010/main" val="769578865"/>
-      </p:ext>
-    </p:extLst>
-  </p:cSld>
-  <p:clrMapOvr>
-    <a:masterClrMapping/>
-  </p:clrMapOvr>
-</p:sld>
-</file>
-
-<file path=ppt/slides/slide2.xml><?xml version="1.0" encoding="utf-8"?>
-<p:sld xmlns:a="http://schemas.openxmlformats.org/drawingml/2006/main" xmlns:r="http://schemas.openxmlformats.org/officeDocument/2006/relationships" xmlns:p="http://schemas.openxmlformats.org/presentationml/2006/main">
-  <p:cSld>
-    <p:spTree>
-      <p:nvGrpSpPr>
-        <p:cNvPr id="1" name=""/>
-        <p:cNvGrpSpPr/>
-        <p:nvPr/>
-      </p:nvGrpSpPr>
-      <p:grpSpPr>
-        <a:xfrm>
-          <a:off x="0" y="0"/>
-          <a:ext cx="0" cy="0"/>
-          <a:chOff x="0" y="0"/>
-          <a:chExt cx="0" cy="0"/>
-        </a:xfrm>
-      </p:grpSpPr>
-      <p:sp>
-        <p:nvSpPr>
-          <p:cNvPr id="2" name="Title 1"/>
-          <p:cNvSpPr>
-            <a:spLocks noGrp="1"/>
-          </p:cNvSpPr>
-          <p:nvPr>
-            <p:ph type="title"/>
-          </p:nvPr>
-        </p:nvSpPr>
-        <p:spPr>
-          <a:xfrm>
-            <a:off x="611560" y="2492896"/>
-            <a:ext cx="7467600" cy="1143000"/>
-          </a:xfrm>
-        </p:spPr>
-        <p:txBody>
-          <a:bodyPr>
-            <a:noAutofit/>
-          </a:bodyPr>
-          <a:lstStyle/>
-          <a:p>
-            <a:pPr algn="ctr"/>
-            <a:r>
-              <a:rPr lang="en-IN" sz="9600" dirty="0" smtClean="0">
-                <a:latin typeface="Times New Roman" pitchFamily="18" charset="0"/>
-                <a:cs typeface="Times New Roman" pitchFamily="18" charset="0"/>
-              </a:rPr>
-              <a:t>Thank you</a:t>
-            </a:r>
-            <a:endParaRPr lang="en-IN" sz="9600" dirty="0">
-              <a:latin typeface="Times New Roman" pitchFamily="18" charset="0"/>
-              <a:cs typeface="Times New Roman" pitchFamily="18" charset="0"/>
-            </a:endParaRPr>
-          </a:p>
-        </p:txBody>
-      </p:sp>
-    </p:spTree>
-    <p:extLst>
-      <p:ext uri="{BB962C8B-B14F-4D97-AF65-F5344CB8AC3E}">
-        <p14:creationId xmlns:p14="http://schemas.microsoft.com/office/powerpoint/2010/main" val="2561587435"/>
-      </p:ext>
-    </p:extLst>
-  </p:cSld>
-  <p:clrMapOvr>
-    <a:masterClrMapping/>
-  </p:clrMapOvr>
-</p:sld>
-</file>
-
-<file path=ppt/slides/slide3.xml><?xml version="1.0" encoding="utf-8"?>
-<p:sld xmlns:a="http://schemas.openxmlformats.org/drawingml/2006/main" xmlns:r="http://schemas.openxmlformats.org/officeDocument/2006/relationships" xmlns:p="http://schemas.openxmlformats.org/presentationml/2006/main">
-  <p:cSld>
-    <p:spTree>
-      <p:nvGrpSpPr>
-        <p:cNvPr id="1" name=""/>
-        <p:cNvGrpSpPr/>
-        <p:nvPr/>
-      </p:nvGrpSpPr>
-      <p:grpSpPr>
-        <a:xfrm>
-          <a:off x="0" y="0"/>
-          <a:ext cx="0" cy="0"/>
-          <a:chOff x="0" y="0"/>
-          <a:chExt cx="0" cy="0"/>
-        </a:xfrm>
-      </p:grpSpPr>
-      <p:sp>
-        <p:nvSpPr>
-          <p:cNvPr id="2" name="Title 1"/>
-          <p:cNvSpPr>
-            <a:spLocks noGrp="1"/>
-          </p:cNvSpPr>
-          <p:nvPr>
-            <p:ph type="title"/>
-          </p:nvPr>
-        </p:nvSpPr>
-        <p:spPr/>
-        <p:txBody>
-          <a:bodyPr>
-            <a:normAutofit/>
-          </a:bodyPr>
-          <a:lstStyle/>
-          <a:p>
-            <a:r>
-              <a:rPr lang="en-IN" sz="3600" b="1" dirty="0">
-                <a:latin typeface="Times New Roman" pitchFamily="18" charset="0"/>
-                <a:cs typeface="Times New Roman" pitchFamily="18" charset="0"/>
-              </a:rPr>
-              <a:t>Brief Overview:</a:t>
-            </a:r>
-            <a:endParaRPr lang="en-IN" sz="3600" b="1" dirty="0"/>
-          </a:p>
-        </p:txBody>
-      </p:sp>
-      <p:sp>
-        <p:nvSpPr>
-          <p:cNvPr id="3" name="Content Placeholder 2"/>
-          <p:cNvSpPr>
-            <a:spLocks noGrp="1"/>
-          </p:cNvSpPr>
-          <p:nvPr>
-            <p:ph sz="quarter" idx="1"/>
-          </p:nvPr>
-        </p:nvSpPr>
-        <p:spPr/>
-        <p:txBody>
-          <a:bodyPr/>
-          <a:lstStyle/>
-          <a:p>
-            <a:pPr marL="342900" indent="-342900" algn="just">
-              <a:buFont typeface="Wingdings" pitchFamily="2" charset="2"/>
-              <a:buChar char="v"/>
-            </a:pPr>
-            <a:r>
-              <a:rPr lang="en-US" dirty="0">
-                <a:latin typeface="Times New Roman" pitchFamily="18" charset="0"/>
-                <a:cs typeface="Times New Roman" pitchFamily="18" charset="0"/>
-              </a:rPr>
-              <a:t>In today's competitive telecommunications market, understanding user behavior and experience is crucial for driving business growth. </a:t>
-            </a:r>
-          </a:p>
-          <a:p>
-            <a:pPr marL="342900" indent="-342900" algn="just">
-              <a:buFont typeface="Wingdings" pitchFamily="2" charset="2"/>
-              <a:buChar char="v"/>
-            </a:pPr>
-            <a:r>
-              <a:rPr lang="en-US" dirty="0">
-                <a:latin typeface="Times New Roman" pitchFamily="18" charset="0"/>
-                <a:cs typeface="Times New Roman" pitchFamily="18" charset="0"/>
-              </a:rPr>
-              <a:t>This project aims to analyze user data from </a:t>
-            </a:r>
-            <a:r>
-              <a:rPr lang="en-US" dirty="0" err="1">
-                <a:latin typeface="Times New Roman" pitchFamily="18" charset="0"/>
-                <a:cs typeface="Times New Roman" pitchFamily="18" charset="0"/>
-              </a:rPr>
-              <a:t>TellCo</a:t>
-            </a:r>
-            <a:r>
-              <a:rPr lang="en-US" dirty="0">
-                <a:latin typeface="Times New Roman" pitchFamily="18" charset="0"/>
-                <a:cs typeface="Times New Roman" pitchFamily="18" charset="0"/>
-              </a:rPr>
-              <a:t>, a telecommunications service provider, to identify key insights and opportunities for improvement.</a:t>
-            </a:r>
-            <a:endParaRPr lang="en-IN" dirty="0">
-              <a:latin typeface="Times New Roman" pitchFamily="18" charset="0"/>
-              <a:cs typeface="Times New Roman" pitchFamily="18" charset="0"/>
-            </a:endParaRPr>
-          </a:p>
-          <a:p>
-            <a:endParaRPr lang="en-IN" dirty="0"/>
-          </a:p>
-        </p:txBody>
-      </p:sp>
-    </p:spTree>
-    <p:extLst>
-      <p:ext uri="{BB962C8B-B14F-4D97-AF65-F5344CB8AC3E}">
-        <p14:creationId xmlns:p14="http://schemas.microsoft.com/office/powerpoint/2010/main" val="1671073747"/>
+        <p14:creationId xmlns:p14="http://schemas.microsoft.com/office/powerpoint/2010/main" val="1677044254"/>
       </p:ext>
     </p:extLst>
   </p:cSld>
@@ -6753,6 +6760,158 @@
       </p:grpSpPr>
       <p:sp>
         <p:nvSpPr>
+          <p:cNvPr id="3" name="Content Placeholder 2"/>
+          <p:cNvSpPr>
+            <a:spLocks noGrp="1"/>
+          </p:cNvSpPr>
+          <p:nvPr>
+            <p:ph sz="quarter" idx="1"/>
+          </p:nvPr>
+        </p:nvSpPr>
+        <p:spPr>
+          <a:xfrm>
+            <a:off x="457200" y="692696"/>
+            <a:ext cx="8219256" cy="5781256"/>
+          </a:xfrm>
+        </p:spPr>
+        <p:txBody>
+          <a:bodyPr>
+            <a:normAutofit fontScale="92500" lnSpcReduction="10000"/>
+          </a:bodyPr>
+          <a:lstStyle/>
+          <a:p>
+            <a:pPr algn="just"/>
+            <a:r>
+              <a:rPr lang="en-US" dirty="0" smtClean="0">
+                <a:latin typeface="Times New Roman" pitchFamily="18" charset="0"/>
+                <a:cs typeface="Times New Roman" pitchFamily="18" charset="0"/>
+              </a:rPr>
+              <a:t>Cluster 2 dominates: Cluster 2 exhibits significantly higher values for session duration, total downloads, and total uploads compared to the other two clusters.</a:t>
+            </a:r>
+          </a:p>
+          <a:p>
+            <a:pPr algn="just"/>
+            <a:r>
+              <a:rPr lang="en-US" dirty="0" smtClean="0">
+                <a:latin typeface="Times New Roman" pitchFamily="18" charset="0"/>
+                <a:cs typeface="Times New Roman" pitchFamily="18" charset="0"/>
+              </a:rPr>
+              <a:t>Cluster 3 shows moderate activity: Cluster 3 displays moderate levels of session duration, total downloads, and total uploads, but substantially lower than Cluster 2.</a:t>
+            </a:r>
+          </a:p>
+          <a:p>
+            <a:pPr algn="just"/>
+            <a:r>
+              <a:rPr lang="en-US" dirty="0" smtClean="0">
+                <a:latin typeface="Times New Roman" pitchFamily="18" charset="0"/>
+                <a:cs typeface="Times New Roman" pitchFamily="18" charset="0"/>
+              </a:rPr>
+              <a:t>Cluster 1 is relatively inactive: Cluster 1 shows minimal activity, with almost negligible values for session duration, total downloads, and total uploads.</a:t>
+            </a:r>
+          </a:p>
+          <a:p>
+            <a:pPr marL="0" indent="0" algn="just">
+              <a:buNone/>
+            </a:pPr>
+            <a:r>
+              <a:rPr lang="en-US" dirty="0" smtClean="0">
+                <a:latin typeface="Times New Roman" pitchFamily="18" charset="0"/>
+                <a:cs typeface="Times New Roman" pitchFamily="18" charset="0"/>
+              </a:rPr>
+              <a:t/>
+            </a:r>
+            <a:br>
+              <a:rPr lang="en-US" dirty="0" smtClean="0">
+                <a:latin typeface="Times New Roman" pitchFamily="18" charset="0"/>
+                <a:cs typeface="Times New Roman" pitchFamily="18" charset="0"/>
+              </a:rPr>
+            </a:br>
+            <a:r>
+              <a:rPr lang="en-US" b="1" dirty="0" smtClean="0">
+                <a:latin typeface="Times New Roman" pitchFamily="18" charset="0"/>
+                <a:cs typeface="Times New Roman" pitchFamily="18" charset="0"/>
+              </a:rPr>
+              <a:t>Insights:</a:t>
+            </a:r>
+          </a:p>
+          <a:p>
+            <a:pPr algn="just"/>
+            <a:r>
+              <a:rPr lang="en-US" dirty="0" smtClean="0">
+                <a:latin typeface="Times New Roman" pitchFamily="18" charset="0"/>
+                <a:cs typeface="Times New Roman" pitchFamily="18" charset="0"/>
+              </a:rPr>
+              <a:t>Cluster 2 users are the most engaged and active, indicating a strong affinity for the service.</a:t>
+            </a:r>
+          </a:p>
+          <a:p>
+            <a:pPr algn="just"/>
+            <a:r>
+              <a:rPr lang="en-US" dirty="0" smtClean="0">
+                <a:latin typeface="Times New Roman" pitchFamily="18" charset="0"/>
+                <a:cs typeface="Times New Roman" pitchFamily="18" charset="0"/>
+              </a:rPr>
+              <a:t>Cluster 3 users represent a moderate segment, which may require targeted marketing efforts to increase engagement.</a:t>
+            </a:r>
+          </a:p>
+          <a:p>
+            <a:pPr algn="just"/>
+            <a:r>
+              <a:rPr lang="en-US" dirty="0" smtClean="0">
+                <a:latin typeface="Times New Roman" pitchFamily="18" charset="0"/>
+                <a:cs typeface="Times New Roman" pitchFamily="18" charset="0"/>
+              </a:rPr>
+              <a:t>Cluster 1 users are relatively inactive, suggesting a need for re-engagement strategies or potentially a different service offering.</a:t>
+            </a:r>
+          </a:p>
+          <a:p>
+            <a:pPr algn="just"/>
+            <a:endParaRPr lang="en-IN" dirty="0">
+              <a:latin typeface="Times New Roman" pitchFamily="18" charset="0"/>
+              <a:cs typeface="Times New Roman" pitchFamily="18" charset="0"/>
+            </a:endParaRPr>
+          </a:p>
+        </p:txBody>
+      </p:sp>
+    </p:spTree>
+    <p:extLst>
+      <p:ext uri="{BB962C8B-B14F-4D97-AF65-F5344CB8AC3E}">
+        <p14:creationId xmlns:p14="http://schemas.microsoft.com/office/powerpoint/2010/main" val="3778781498"/>
+      </p:ext>
+    </p:extLst>
+  </p:cSld>
+  <p:clrMapOvr>
+    <a:masterClrMapping/>
+  </p:clrMapOvr>
+  <p:timing>
+    <p:tnLst>
+      <p:par>
+        <p:cTn id="1" dur="indefinite" restart="never" nodeType="tmRoot"/>
+      </p:par>
+    </p:tnLst>
+  </p:timing>
+</p:sld>
+</file>
+
+<file path=ppt/slides/slide5.xml><?xml version="1.0" encoding="utf-8"?>
+<p:sld xmlns:a="http://schemas.openxmlformats.org/drawingml/2006/main" xmlns:r="http://schemas.openxmlformats.org/officeDocument/2006/relationships" xmlns:p="http://schemas.openxmlformats.org/presentationml/2006/main">
+  <p:cSld>
+    <p:spTree>
+      <p:nvGrpSpPr>
+        <p:cNvPr id="1" name=""/>
+        <p:cNvGrpSpPr/>
+        <p:nvPr/>
+      </p:nvGrpSpPr>
+      <p:grpSpPr>
+        <a:xfrm>
+          <a:off x="0" y="0"/>
+          <a:ext cx="0" cy="0"/>
+          <a:chOff x="0" y="0"/>
+          <a:chExt cx="0" cy="0"/>
+        </a:xfrm>
+      </p:grpSpPr>
+      <p:sp>
+        <p:nvSpPr>
           <p:cNvPr id="2" name="Title 1"/>
           <p:cNvSpPr>
             <a:spLocks noGrp="1"/>
@@ -6763,8 +6922,8 @@
         </p:nvSpPr>
         <p:spPr>
           <a:xfrm>
-            <a:off x="611560" y="332656"/>
-            <a:ext cx="7467600" cy="508918"/>
+            <a:off x="467544" y="404664"/>
+            <a:ext cx="7467600" cy="652934"/>
           </a:xfrm>
         </p:spPr>
         <p:txBody>
@@ -6774,20 +6933,13 @@
           <a:lstStyle/>
           <a:p>
             <a:r>
-              <a:rPr lang="en-IN" sz="2400" b="1" dirty="0">
+              <a:rPr lang="en-IN" sz="3600" b="1" dirty="0" smtClean="0">
                 <a:latin typeface="Times New Roman" pitchFamily="18" charset="0"/>
                 <a:cs typeface="Times New Roman" pitchFamily="18" charset="0"/>
               </a:rPr>
-              <a:t>Cluster Analysis: User Engagement </a:t>
-            </a:r>
-            <a:r>
-              <a:rPr lang="en-IN" sz="2400" b="1" dirty="0" smtClean="0">
-                <a:latin typeface="Times New Roman" pitchFamily="18" charset="0"/>
-                <a:cs typeface="Times New Roman" pitchFamily="18" charset="0"/>
-              </a:rPr>
-              <a:t>Patterns</a:t>
-            </a:r>
-            <a:endParaRPr lang="en-IN" sz="2400" b="1" dirty="0">
+              <a:t>Top applications by traffic:</a:t>
+            </a:r>
+            <a:endParaRPr lang="en-IN" sz="3600" b="1" dirty="0">
               <a:latin typeface="Times New Roman" pitchFamily="18" charset="0"/>
               <a:cs typeface="Times New Roman" pitchFamily="18" charset="0"/>
             </a:endParaRPr>
@@ -6796,7 +6948,7 @@
       </p:sp>
       <p:pic>
         <p:nvPicPr>
-          <p:cNvPr id="1026" name="Picture 2"/>
+          <p:cNvPr id="2050" name="Picture 2"/>
           <p:cNvPicPr>
             <a:picLocks noGrp="1" noChangeAspect="1" noChangeArrowheads="1"/>
           </p:cNvPicPr>
@@ -6820,7 +6972,7 @@
         <p:spPr bwMode="auto">
           <a:xfrm>
             <a:off x="457200" y="1124744"/>
-            <a:ext cx="7859216" cy="5256584"/>
+            <a:ext cx="7931224" cy="5184576"/>
           </a:xfrm>
           <a:prstGeom prst="rect">
             <a:avLst/>
@@ -6863,159 +7015,7 @@
     </p:spTree>
     <p:extLst>
       <p:ext uri="{BB962C8B-B14F-4D97-AF65-F5344CB8AC3E}">
-        <p14:creationId xmlns:p14="http://schemas.microsoft.com/office/powerpoint/2010/main" val="1677044254"/>
-      </p:ext>
-    </p:extLst>
-  </p:cSld>
-  <p:clrMapOvr>
-    <a:masterClrMapping/>
-  </p:clrMapOvr>
-  <p:timing>
-    <p:tnLst>
-      <p:par>
-        <p:cTn id="1" dur="indefinite" restart="never" nodeType="tmRoot"/>
-      </p:par>
-    </p:tnLst>
-  </p:timing>
-</p:sld>
-</file>
-
-<file path=ppt/slides/slide5.xml><?xml version="1.0" encoding="utf-8"?>
-<p:sld xmlns:a="http://schemas.openxmlformats.org/drawingml/2006/main" xmlns:r="http://schemas.openxmlformats.org/officeDocument/2006/relationships" xmlns:p="http://schemas.openxmlformats.org/presentationml/2006/main">
-  <p:cSld>
-    <p:spTree>
-      <p:nvGrpSpPr>
-        <p:cNvPr id="1" name=""/>
-        <p:cNvGrpSpPr/>
-        <p:nvPr/>
-      </p:nvGrpSpPr>
-      <p:grpSpPr>
-        <a:xfrm>
-          <a:off x="0" y="0"/>
-          <a:ext cx="0" cy="0"/>
-          <a:chOff x="0" y="0"/>
-          <a:chExt cx="0" cy="0"/>
-        </a:xfrm>
-      </p:grpSpPr>
-      <p:sp>
-        <p:nvSpPr>
-          <p:cNvPr id="3" name="Content Placeholder 2"/>
-          <p:cNvSpPr>
-            <a:spLocks noGrp="1"/>
-          </p:cNvSpPr>
-          <p:nvPr>
-            <p:ph sz="quarter" idx="1"/>
-          </p:nvPr>
-        </p:nvSpPr>
-        <p:spPr>
-          <a:xfrm>
-            <a:off x="457200" y="692696"/>
-            <a:ext cx="8219256" cy="5781256"/>
-          </a:xfrm>
-        </p:spPr>
-        <p:txBody>
-          <a:bodyPr>
-            <a:normAutofit fontScale="92500" lnSpcReduction="10000"/>
-          </a:bodyPr>
-          <a:lstStyle/>
-          <a:p>
-            <a:pPr algn="just"/>
-            <a:r>
-              <a:rPr lang="en-US" dirty="0" smtClean="0">
-                <a:latin typeface="Times New Roman" pitchFamily="18" charset="0"/>
-                <a:cs typeface="Times New Roman" pitchFamily="18" charset="0"/>
-              </a:rPr>
-              <a:t>Cluster 2 dominates: Cluster 2 exhibits significantly higher values for session duration, total downloads, and total uploads compared to the other two clusters.</a:t>
-            </a:r>
-          </a:p>
-          <a:p>
-            <a:pPr algn="just"/>
-            <a:r>
-              <a:rPr lang="en-US" dirty="0" smtClean="0">
-                <a:latin typeface="Times New Roman" pitchFamily="18" charset="0"/>
-                <a:cs typeface="Times New Roman" pitchFamily="18" charset="0"/>
-              </a:rPr>
-              <a:t>Cluster 3 shows moderate activity: Cluster 3 displays moderate levels of session duration, total downloads, and total uploads, but substantially lower than Cluster 2.</a:t>
-            </a:r>
-          </a:p>
-          <a:p>
-            <a:pPr algn="just"/>
-            <a:r>
-              <a:rPr lang="en-US" dirty="0" smtClean="0">
-                <a:latin typeface="Times New Roman" pitchFamily="18" charset="0"/>
-                <a:cs typeface="Times New Roman" pitchFamily="18" charset="0"/>
-              </a:rPr>
-              <a:t>Cluster 1 is relatively inactive: Cluster 1 shows minimal activity, with almost negligible values for session duration, total downloads, and total uploads.</a:t>
-            </a:r>
-          </a:p>
-          <a:p>
-            <a:pPr marL="0" indent="0" algn="just">
-              <a:buNone/>
-            </a:pPr>
-            <a:r>
-              <a:rPr lang="en-US" dirty="0" smtClean="0">
-                <a:latin typeface="Times New Roman" pitchFamily="18" charset="0"/>
-                <a:cs typeface="Times New Roman" pitchFamily="18" charset="0"/>
-              </a:rPr>
-              <a:t/>
-            </a:r>
-            <a:br>
-              <a:rPr lang="en-US" dirty="0" smtClean="0">
-                <a:latin typeface="Times New Roman" pitchFamily="18" charset="0"/>
-                <a:cs typeface="Times New Roman" pitchFamily="18" charset="0"/>
-              </a:rPr>
-            </a:br>
-            <a:r>
-              <a:rPr lang="en-US" b="1" dirty="0" smtClean="0">
-                <a:latin typeface="Times New Roman" pitchFamily="18" charset="0"/>
-                <a:cs typeface="Times New Roman" pitchFamily="18" charset="0"/>
-              </a:rPr>
-              <a:t>Insights:</a:t>
-            </a:r>
-          </a:p>
-          <a:p>
-            <a:pPr algn="just"/>
-            <a:r>
-              <a:rPr lang="en-US" dirty="0" smtClean="0">
-                <a:latin typeface="Times New Roman" pitchFamily="18" charset="0"/>
-                <a:cs typeface="Times New Roman" pitchFamily="18" charset="0"/>
-              </a:rPr>
-              <a:t>Cluster 2 users are the most engaged and active, indicating a strong affinity for the service.</a:t>
-            </a:r>
-          </a:p>
-          <a:p>
-            <a:pPr algn="just"/>
-            <a:r>
-              <a:rPr lang="en-US" dirty="0" smtClean="0">
-                <a:latin typeface="Times New Roman" pitchFamily="18" charset="0"/>
-                <a:cs typeface="Times New Roman" pitchFamily="18" charset="0"/>
-              </a:rPr>
-              <a:t>Cluster 3 users represent a moderate segment, which may require targeted marketing efforts to increase engagement.</a:t>
-            </a:r>
-          </a:p>
-          <a:p>
-            <a:pPr algn="just"/>
-            <a:r>
-              <a:rPr lang="en-US" dirty="0" smtClean="0">
-                <a:latin typeface="Times New Roman" pitchFamily="18" charset="0"/>
-                <a:cs typeface="Times New Roman" pitchFamily="18" charset="0"/>
-              </a:rPr>
-              <a:t>Cluster 1 users are relatively inactive, suggesting a need for re-engagement strategies or potentially a different service offering.</a:t>
-            </a:r>
-          </a:p>
-          <a:p>
-            <a:pPr algn="just"/>
-            <a:endParaRPr lang="en-IN" dirty="0">
-              <a:latin typeface="Times New Roman" pitchFamily="18" charset="0"/>
-              <a:cs typeface="Times New Roman" pitchFamily="18" charset="0"/>
-            </a:endParaRPr>
-          </a:p>
-        </p:txBody>
-      </p:sp>
-    </p:spTree>
-    <p:extLst>
-      <p:ext uri="{BB962C8B-B14F-4D97-AF65-F5344CB8AC3E}">
-        <p14:creationId xmlns:p14="http://schemas.microsoft.com/office/powerpoint/2010/main" val="3778781498"/>
+        <p14:creationId xmlns:p14="http://schemas.microsoft.com/office/powerpoint/2010/main" val="2094499879"/>
       </p:ext>
     </p:extLst>
   </p:cSld>
@@ -7051,18 +7051,18 @@
       </p:grpSpPr>
       <p:sp>
         <p:nvSpPr>
-          <p:cNvPr id="2" name="Title 1"/>
-          <p:cNvSpPr>
-            <a:spLocks noGrp="1"/>
-          </p:cNvSpPr>
-          <p:nvPr>
-            <p:ph type="title"/>
+          <p:cNvPr id="3" name="Content Placeholder 2"/>
+          <p:cNvSpPr>
+            <a:spLocks noGrp="1"/>
+          </p:cNvSpPr>
+          <p:nvPr>
+            <p:ph sz="quarter" idx="1"/>
           </p:nvPr>
         </p:nvSpPr>
         <p:spPr>
           <a:xfrm>
-            <a:off x="467544" y="404664"/>
-            <a:ext cx="7467600" cy="652934"/>
+            <a:off x="457200" y="620688"/>
+            <a:ext cx="8147248" cy="5112568"/>
           </a:xfrm>
         </p:spPr>
         <p:txBody>
@@ -7071,23 +7071,191 @@
           </a:bodyPr>
           <a:lstStyle/>
           <a:p>
-            <a:r>
-              <a:rPr lang="en-IN" sz="3600" b="1" dirty="0" smtClean="0">
+            <a:pPr marL="0" indent="0" algn="just">
+              <a:buNone/>
+            </a:pPr>
+            <a:r>
+              <a:rPr lang="en-US" dirty="0">
                 <a:latin typeface="Times New Roman" pitchFamily="18" charset="0"/>
                 <a:cs typeface="Times New Roman" pitchFamily="18" charset="0"/>
               </a:rPr>
-              <a:t>Top applications by traffic:</a:t>
-            </a:r>
-            <a:endParaRPr lang="en-IN" sz="3600" b="1" dirty="0">
+              <a:t>The bar chart illustrates the total traffic generated by various applications. The ranking reveals that:</a:t>
+            </a:r>
+          </a:p>
+          <a:p>
+            <a:pPr algn="just"/>
+            <a:r>
+              <a:rPr lang="en-US" dirty="0" smtClean="0">
+                <a:latin typeface="Times New Roman" pitchFamily="18" charset="0"/>
+                <a:cs typeface="Times New Roman" pitchFamily="18" charset="0"/>
+              </a:rPr>
+              <a:t> </a:t>
+            </a:r>
+            <a:r>
+              <a:rPr lang="en-US" dirty="0">
+                <a:latin typeface="Times New Roman" pitchFamily="18" charset="0"/>
+                <a:cs typeface="Times New Roman" pitchFamily="18" charset="0"/>
+              </a:rPr>
+              <a:t>Gaming dominates the traffic, indicating a strong user base with high engagement.</a:t>
+            </a:r>
+          </a:p>
+          <a:p>
+            <a:pPr algn="just"/>
+            <a:r>
+              <a:rPr lang="en-US" dirty="0" smtClean="0">
+                <a:latin typeface="Times New Roman" pitchFamily="18" charset="0"/>
+                <a:cs typeface="Times New Roman" pitchFamily="18" charset="0"/>
+              </a:rPr>
+              <a:t>Other </a:t>
+            </a:r>
+            <a:r>
+              <a:rPr lang="en-US" dirty="0">
+                <a:latin typeface="Times New Roman" pitchFamily="18" charset="0"/>
+                <a:cs typeface="Times New Roman" pitchFamily="18" charset="0"/>
+              </a:rPr>
+              <a:t>applications collectively contribute a substantial amount of traffic.</a:t>
+            </a:r>
+          </a:p>
+          <a:p>
+            <a:pPr algn="just"/>
+            <a:r>
+              <a:rPr lang="en-US" dirty="0" smtClean="0">
+                <a:latin typeface="Times New Roman" pitchFamily="18" charset="0"/>
+                <a:cs typeface="Times New Roman" pitchFamily="18" charset="0"/>
+              </a:rPr>
+              <a:t>YouTube </a:t>
+            </a:r>
+            <a:r>
+              <a:rPr lang="en-US" dirty="0">
+                <a:latin typeface="Times New Roman" pitchFamily="18" charset="0"/>
+                <a:cs typeface="Times New Roman" pitchFamily="18" charset="0"/>
+              </a:rPr>
+              <a:t>and Netflix follow closely, reflecting the popularity of video streaming services.</a:t>
+            </a:r>
+          </a:p>
+          <a:p>
+            <a:pPr algn="just"/>
+            <a:r>
+              <a:rPr lang="en-US" dirty="0" smtClean="0">
+                <a:latin typeface="Times New Roman" pitchFamily="18" charset="0"/>
+                <a:cs typeface="Times New Roman" pitchFamily="18" charset="0"/>
+              </a:rPr>
+              <a:t>Google</a:t>
+            </a:r>
+            <a:r>
+              <a:rPr lang="en-US" dirty="0">
+                <a:latin typeface="Times New Roman" pitchFamily="18" charset="0"/>
+                <a:cs typeface="Times New Roman" pitchFamily="18" charset="0"/>
+              </a:rPr>
+              <a:t>, Email, and Social Media trail behind, suggesting relatively lower traffic.</a:t>
+            </a:r>
+          </a:p>
+          <a:p>
+            <a:pPr marL="0" indent="0" algn="just">
+              <a:buNone/>
+            </a:pPr>
+            <a:r>
+              <a:rPr lang="en-US" dirty="0" smtClean="0">
+                <a:latin typeface="Times New Roman" pitchFamily="18" charset="0"/>
+                <a:cs typeface="Times New Roman" pitchFamily="18" charset="0"/>
+              </a:rPr>
+              <a:t>This </a:t>
+            </a:r>
+            <a:r>
+              <a:rPr lang="en-US" dirty="0">
+                <a:latin typeface="Times New Roman" pitchFamily="18" charset="0"/>
+                <a:cs typeface="Times New Roman" pitchFamily="18" charset="0"/>
+              </a:rPr>
+              <a:t>analysis provides valuable insights into user behavior and application usage patterns.</a:t>
+            </a:r>
+          </a:p>
+          <a:p>
+            <a:pPr marL="0" indent="0" algn="just">
+              <a:buNone/>
+            </a:pPr>
+            <a:endParaRPr lang="en-IN" dirty="0">
               <a:latin typeface="Times New Roman" pitchFamily="18" charset="0"/>
               <a:cs typeface="Times New Roman" pitchFamily="18" charset="0"/>
             </a:endParaRPr>
           </a:p>
         </p:txBody>
       </p:sp>
+    </p:spTree>
+    <p:extLst>
+      <p:ext uri="{BB962C8B-B14F-4D97-AF65-F5344CB8AC3E}">
+        <p14:creationId xmlns:p14="http://schemas.microsoft.com/office/powerpoint/2010/main" val="1626165178"/>
+      </p:ext>
+    </p:extLst>
+  </p:cSld>
+  <p:clrMapOvr>
+    <a:masterClrMapping/>
+  </p:clrMapOvr>
+  <p:timing>
+    <p:tnLst>
+      <p:par>
+        <p:cTn id="1" dur="indefinite" restart="never" nodeType="tmRoot"/>
+      </p:par>
+    </p:tnLst>
+  </p:timing>
+</p:sld>
+</file>
+
+<file path=ppt/slides/slide7.xml><?xml version="1.0" encoding="utf-8"?>
+<p:sld xmlns:a="http://schemas.openxmlformats.org/drawingml/2006/main" xmlns:r="http://schemas.openxmlformats.org/officeDocument/2006/relationships" xmlns:p="http://schemas.openxmlformats.org/presentationml/2006/main">
+  <p:cSld>
+    <p:spTree>
+      <p:nvGrpSpPr>
+        <p:cNvPr id="1" name=""/>
+        <p:cNvGrpSpPr/>
+        <p:nvPr/>
+      </p:nvGrpSpPr>
+      <p:grpSpPr>
+        <a:xfrm>
+          <a:off x="0" y="0"/>
+          <a:ext cx="0" cy="0"/>
+          <a:chOff x="0" y="0"/>
+          <a:chExt cx="0" cy="0"/>
+        </a:xfrm>
+      </p:grpSpPr>
+      <p:sp>
+        <p:nvSpPr>
+          <p:cNvPr id="2" name="Title 1"/>
+          <p:cNvSpPr>
+            <a:spLocks noGrp="1"/>
+          </p:cNvSpPr>
+          <p:nvPr>
+            <p:ph type="title"/>
+          </p:nvPr>
+        </p:nvSpPr>
+        <p:spPr>
+          <a:xfrm>
+            <a:off x="467544" y="332656"/>
+            <a:ext cx="7467600" cy="652934"/>
+          </a:xfrm>
+        </p:spPr>
+        <p:txBody>
+          <a:bodyPr>
+            <a:normAutofit/>
+          </a:bodyPr>
+          <a:lstStyle/>
+          <a:p>
+            <a:r>
+              <a:rPr lang="en-IN" sz="2800" b="1" dirty="0" smtClean="0">
+                <a:latin typeface="Times New Roman" pitchFamily="18" charset="0"/>
+                <a:cs typeface="Times New Roman" pitchFamily="18" charset="0"/>
+              </a:rPr>
+              <a:t>Top 10 Handsets by average throughput:</a:t>
+            </a:r>
+            <a:endParaRPr lang="en-IN" sz="2800" b="1" dirty="0">
+              <a:latin typeface="Times New Roman" pitchFamily="18" charset="0"/>
+              <a:cs typeface="Times New Roman" pitchFamily="18" charset="0"/>
+            </a:endParaRPr>
+          </a:p>
+        </p:txBody>
+      </p:sp>
       <p:pic>
         <p:nvPicPr>
-          <p:cNvPr id="2050" name="Picture 2"/>
+          <p:cNvPr id="4098" name="Picture 2"/>
           <p:cNvPicPr>
             <a:picLocks noGrp="1" noChangeAspect="1" noChangeArrowheads="1"/>
           </p:cNvPicPr>
@@ -7110,8 +7278,8 @@
         </p:blipFill>
         <p:spPr bwMode="auto">
           <a:xfrm>
-            <a:off x="457200" y="1124744"/>
-            <a:ext cx="7931224" cy="5184576"/>
+            <a:off x="107504" y="1412776"/>
+            <a:ext cx="8784976" cy="5277073"/>
           </a:xfrm>
           <a:prstGeom prst="rect">
             <a:avLst/>
@@ -7154,175 +7322,7 @@
     </p:spTree>
     <p:extLst>
       <p:ext uri="{BB962C8B-B14F-4D97-AF65-F5344CB8AC3E}">
-        <p14:creationId xmlns:p14="http://schemas.microsoft.com/office/powerpoint/2010/main" val="2094499879"/>
-      </p:ext>
-    </p:extLst>
-  </p:cSld>
-  <p:clrMapOvr>
-    <a:masterClrMapping/>
-  </p:clrMapOvr>
-  <p:timing>
-    <p:tnLst>
-      <p:par>
-        <p:cTn id="1" dur="indefinite" restart="never" nodeType="tmRoot"/>
-      </p:par>
-    </p:tnLst>
-  </p:timing>
-</p:sld>
-</file>
-
-<file path=ppt/slides/slide7.xml><?xml version="1.0" encoding="utf-8"?>
-<p:sld xmlns:a="http://schemas.openxmlformats.org/drawingml/2006/main" xmlns:r="http://schemas.openxmlformats.org/officeDocument/2006/relationships" xmlns:p="http://schemas.openxmlformats.org/presentationml/2006/main">
-  <p:cSld>
-    <p:spTree>
-      <p:nvGrpSpPr>
-        <p:cNvPr id="1" name=""/>
-        <p:cNvGrpSpPr/>
-        <p:nvPr/>
-      </p:nvGrpSpPr>
-      <p:grpSpPr>
-        <a:xfrm>
-          <a:off x="0" y="0"/>
-          <a:ext cx="0" cy="0"/>
-          <a:chOff x="0" y="0"/>
-          <a:chExt cx="0" cy="0"/>
-        </a:xfrm>
-      </p:grpSpPr>
-      <p:sp>
-        <p:nvSpPr>
-          <p:cNvPr id="3" name="Content Placeholder 2"/>
-          <p:cNvSpPr>
-            <a:spLocks noGrp="1"/>
-          </p:cNvSpPr>
-          <p:nvPr>
-            <p:ph sz="quarter" idx="1"/>
-          </p:nvPr>
-        </p:nvSpPr>
-        <p:spPr>
-          <a:xfrm>
-            <a:off x="457200" y="620688"/>
-            <a:ext cx="8147248" cy="5112568"/>
-          </a:xfrm>
-        </p:spPr>
-        <p:txBody>
-          <a:bodyPr>
-            <a:normAutofit/>
-          </a:bodyPr>
-          <a:lstStyle/>
-          <a:p>
-            <a:pPr marL="0" indent="0" algn="just">
-              <a:buNone/>
-            </a:pPr>
-            <a:r>
-              <a:rPr lang="en-US" dirty="0">
-                <a:latin typeface="Times New Roman" pitchFamily="18" charset="0"/>
-                <a:cs typeface="Times New Roman" pitchFamily="18" charset="0"/>
-              </a:rPr>
-              <a:t>The bar chart illustrates the total traffic generated by various applications. The ranking reveals that:</a:t>
-            </a:r>
-          </a:p>
-          <a:p>
-            <a:pPr algn="just"/>
-            <a:r>
-              <a:rPr lang="en-US" dirty="0" smtClean="0">
-                <a:latin typeface="Times New Roman" pitchFamily="18" charset="0"/>
-                <a:cs typeface="Times New Roman" pitchFamily="18" charset="0"/>
-              </a:rPr>
-              <a:t> </a:t>
-            </a:r>
-            <a:r>
-              <a:rPr lang="en-US" dirty="0">
-                <a:latin typeface="Times New Roman" pitchFamily="18" charset="0"/>
-                <a:cs typeface="Times New Roman" pitchFamily="18" charset="0"/>
-              </a:rPr>
-              <a:t>Gaming dominates the traffic, indicating a strong user base with high engagement.</a:t>
-            </a:r>
-          </a:p>
-          <a:p>
-            <a:pPr algn="just"/>
-            <a:r>
-              <a:rPr lang="en-US" dirty="0" smtClean="0">
-                <a:latin typeface="Times New Roman" pitchFamily="18" charset="0"/>
-                <a:cs typeface="Times New Roman" pitchFamily="18" charset="0"/>
-              </a:rPr>
-              <a:t>Other </a:t>
-            </a:r>
-            <a:r>
-              <a:rPr lang="en-US" dirty="0">
-                <a:latin typeface="Times New Roman" pitchFamily="18" charset="0"/>
-                <a:cs typeface="Times New Roman" pitchFamily="18" charset="0"/>
-              </a:rPr>
-              <a:t>applications collectively contribute a substantial amount of traffic.</a:t>
-            </a:r>
-          </a:p>
-          <a:p>
-            <a:pPr algn="just"/>
-            <a:r>
-              <a:rPr lang="en-US" dirty="0" smtClean="0">
-                <a:latin typeface="Times New Roman" pitchFamily="18" charset="0"/>
-                <a:cs typeface="Times New Roman" pitchFamily="18" charset="0"/>
-              </a:rPr>
-              <a:t>YouTube </a:t>
-            </a:r>
-            <a:r>
-              <a:rPr lang="en-US" dirty="0">
-                <a:latin typeface="Times New Roman" pitchFamily="18" charset="0"/>
-                <a:cs typeface="Times New Roman" pitchFamily="18" charset="0"/>
-              </a:rPr>
-              <a:t>and Netflix follow closely, reflecting the popularity of video streaming services.</a:t>
-            </a:r>
-          </a:p>
-          <a:p>
-            <a:pPr algn="just"/>
-            <a:r>
-              <a:rPr lang="en-US" dirty="0" smtClean="0">
-                <a:latin typeface="Times New Roman" pitchFamily="18" charset="0"/>
-                <a:cs typeface="Times New Roman" pitchFamily="18" charset="0"/>
-              </a:rPr>
-              <a:t>Google</a:t>
-            </a:r>
-            <a:r>
-              <a:rPr lang="en-US" dirty="0">
-                <a:latin typeface="Times New Roman" pitchFamily="18" charset="0"/>
-                <a:cs typeface="Times New Roman" pitchFamily="18" charset="0"/>
-              </a:rPr>
-              <a:t>, Email, and Social Media trail behind, suggesting relatively lower traffic.</a:t>
-            </a:r>
-          </a:p>
-          <a:p>
-            <a:pPr marL="0" indent="0" algn="just">
-              <a:buNone/>
-            </a:pPr>
-            <a:r>
-              <a:rPr lang="en-US" dirty="0" smtClean="0">
-                <a:latin typeface="Times New Roman" pitchFamily="18" charset="0"/>
-                <a:cs typeface="Times New Roman" pitchFamily="18" charset="0"/>
-              </a:rPr>
-              <a:t>This </a:t>
-            </a:r>
-            <a:r>
-              <a:rPr lang="en-US" dirty="0">
-                <a:latin typeface="Times New Roman" pitchFamily="18" charset="0"/>
-                <a:cs typeface="Times New Roman" pitchFamily="18" charset="0"/>
-              </a:rPr>
-              <a:t>analysis provides valuable insights into user behavior and application usage patterns.</a:t>
-            </a:r>
-          </a:p>
-          <a:p>
-            <a:pPr marL="0" indent="0" algn="just">
-              <a:buNone/>
-            </a:pPr>
-            <a:endParaRPr lang="en-IN" dirty="0">
-              <a:latin typeface="Times New Roman" pitchFamily="18" charset="0"/>
-              <a:cs typeface="Times New Roman" pitchFamily="18" charset="0"/>
-            </a:endParaRPr>
-          </a:p>
-        </p:txBody>
-      </p:sp>
-    </p:spTree>
-    <p:extLst>
-      <p:ext uri="{BB962C8B-B14F-4D97-AF65-F5344CB8AC3E}">
-        <p14:creationId xmlns:p14="http://schemas.microsoft.com/office/powerpoint/2010/main" val="1626165178"/>
+        <p14:creationId xmlns:p14="http://schemas.microsoft.com/office/powerpoint/2010/main" val="41398935"/>
       </p:ext>
     </p:extLst>
   </p:cSld>
@@ -7358,18 +7358,18 @@
       </p:grpSpPr>
       <p:sp>
         <p:nvSpPr>
-          <p:cNvPr id="2" name="Title 1"/>
-          <p:cNvSpPr>
-            <a:spLocks noGrp="1"/>
-          </p:cNvSpPr>
-          <p:nvPr>
-            <p:ph type="title"/>
+          <p:cNvPr id="3" name="Content Placeholder 2"/>
+          <p:cNvSpPr>
+            <a:spLocks noGrp="1"/>
+          </p:cNvSpPr>
+          <p:nvPr>
+            <p:ph sz="quarter" idx="1"/>
           </p:nvPr>
         </p:nvSpPr>
         <p:spPr>
           <a:xfrm>
-            <a:off x="467544" y="332656"/>
-            <a:ext cx="7467600" cy="652934"/>
+            <a:off x="539552" y="620688"/>
+            <a:ext cx="8003232" cy="3816424"/>
           </a:xfrm>
         </p:spPr>
         <p:txBody>
@@ -7378,23 +7378,155 @@
           </a:bodyPr>
           <a:lstStyle/>
           <a:p>
-            <a:r>
-              <a:rPr lang="en-IN" sz="2800" b="1" dirty="0" smtClean="0">
+            <a:pPr algn="just"/>
+            <a:r>
+              <a:rPr lang="en-US" dirty="0" smtClean="0">
                 <a:latin typeface="Times New Roman" pitchFamily="18" charset="0"/>
                 <a:cs typeface="Times New Roman" pitchFamily="18" charset="0"/>
               </a:rPr>
-              <a:t>Top 10 Handsets by average throughput:</a:t>
-            </a:r>
-            <a:endParaRPr lang="en-IN" sz="2800" b="1" dirty="0">
+              <a:t>All </a:t>
+            </a:r>
+            <a:r>
+              <a:rPr lang="en-US" dirty="0">
+                <a:latin typeface="Times New Roman" pitchFamily="18" charset="0"/>
+                <a:cs typeface="Times New Roman" pitchFamily="18" charset="0"/>
+              </a:rPr>
+              <a:t>handsets have high throughput: The average throughput for all top 10 handsets exceeds 40,000, indicating high-speed data transmission capabilities.</a:t>
+            </a:r>
+          </a:p>
+          <a:p>
+            <a:pPr algn="just"/>
+            <a:r>
+              <a:rPr lang="en-US" dirty="0" smtClean="0">
+                <a:latin typeface="Times New Roman" pitchFamily="18" charset="0"/>
+                <a:cs typeface="Times New Roman" pitchFamily="18" charset="0"/>
+              </a:rPr>
+              <a:t>Variety </a:t>
+            </a:r>
+            <a:r>
+              <a:rPr lang="en-US" dirty="0">
+                <a:latin typeface="Times New Roman" pitchFamily="18" charset="0"/>
+                <a:cs typeface="Times New Roman" pitchFamily="18" charset="0"/>
+              </a:rPr>
+              <a:t>of handset models: The top 10 list comprises handsets from different manufacturers, including LePhone U Pro, Huawei stf-TI10, Samsung, Xiaomi, and Meizu.</a:t>
+            </a:r>
+          </a:p>
+          <a:p>
+            <a:pPr algn="just"/>
+            <a:r>
+              <a:rPr lang="en-US" dirty="0" smtClean="0">
+                <a:latin typeface="Times New Roman" pitchFamily="18" charset="0"/>
+                <a:cs typeface="Times New Roman" pitchFamily="18" charset="0"/>
+              </a:rPr>
+              <a:t>LePhone </a:t>
+            </a:r>
+            <a:r>
+              <a:rPr lang="en-US" dirty="0">
+                <a:latin typeface="Times New Roman" pitchFamily="18" charset="0"/>
+                <a:cs typeface="Times New Roman" pitchFamily="18" charset="0"/>
+              </a:rPr>
+              <a:t>U Pro leads: The LePhone U Pro has the highest average throughput, followed closely by the  Huawei stf-TI10.</a:t>
+            </a:r>
+          </a:p>
+          <a:p>
+            <a:pPr algn="just"/>
+            <a:endParaRPr lang="en-IN" dirty="0">
               <a:latin typeface="Times New Roman" pitchFamily="18" charset="0"/>
               <a:cs typeface="Times New Roman" pitchFamily="18" charset="0"/>
             </a:endParaRPr>
           </a:p>
         </p:txBody>
       </p:sp>
+    </p:spTree>
+    <p:extLst>
+      <p:ext uri="{BB962C8B-B14F-4D97-AF65-F5344CB8AC3E}">
+        <p14:creationId xmlns:p14="http://schemas.microsoft.com/office/powerpoint/2010/main" val="3157908885"/>
+      </p:ext>
+    </p:extLst>
+  </p:cSld>
+  <p:clrMapOvr>
+    <a:masterClrMapping/>
+  </p:clrMapOvr>
+  <p:timing>
+    <p:tnLst>
+      <p:par>
+        <p:cTn id="1" dur="indefinite" restart="never" nodeType="tmRoot"/>
+      </p:par>
+    </p:tnLst>
+  </p:timing>
+</p:sld>
+</file>
+
+<file path=ppt/slides/slide9.xml><?xml version="1.0" encoding="utf-8"?>
+<p:sld xmlns:a="http://schemas.openxmlformats.org/drawingml/2006/main" xmlns:r="http://schemas.openxmlformats.org/officeDocument/2006/relationships" xmlns:p="http://schemas.openxmlformats.org/presentationml/2006/main">
+  <p:cSld>
+    <p:spTree>
+      <p:nvGrpSpPr>
+        <p:cNvPr id="1" name=""/>
+        <p:cNvGrpSpPr/>
+        <p:nvPr/>
+      </p:nvGrpSpPr>
+      <p:grpSpPr>
+        <a:xfrm>
+          <a:off x="0" y="0"/>
+          <a:ext cx="0" cy="0"/>
+          <a:chOff x="0" y="0"/>
+          <a:chExt cx="0" cy="0"/>
+        </a:xfrm>
+      </p:grpSpPr>
+      <p:sp>
+        <p:nvSpPr>
+          <p:cNvPr id="2" name="Title 1"/>
+          <p:cNvSpPr>
+            <a:spLocks noGrp="1"/>
+          </p:cNvSpPr>
+          <p:nvPr>
+            <p:ph type="title"/>
+          </p:nvPr>
+        </p:nvSpPr>
+        <p:spPr>
+          <a:xfrm>
+            <a:off x="467544" y="332656"/>
+            <a:ext cx="7467600" cy="508918"/>
+          </a:xfrm>
+        </p:spPr>
+        <p:txBody>
+          <a:bodyPr>
+            <a:normAutofit/>
+          </a:bodyPr>
+          <a:lstStyle/>
+          <a:p>
+            <a:r>
+              <a:rPr lang="en-IN" sz="2400" b="1" dirty="0" smtClean="0">
+                <a:latin typeface="Times New Roman" pitchFamily="18" charset="0"/>
+                <a:cs typeface="Times New Roman" pitchFamily="18" charset="0"/>
+              </a:rPr>
+              <a:t>Top 10 handset by average </a:t>
+            </a:r>
+            <a:r>
+              <a:rPr lang="en-IN" sz="2400" b="1" dirty="0" err="1" smtClean="0">
+                <a:latin typeface="Times New Roman" pitchFamily="18" charset="0"/>
+                <a:cs typeface="Times New Roman" pitchFamily="18" charset="0"/>
+              </a:rPr>
+              <a:t>tcp</a:t>
+            </a:r>
+            <a:r>
+              <a:rPr lang="en-IN" sz="2400" b="1" dirty="0" smtClean="0">
+                <a:latin typeface="Times New Roman" pitchFamily="18" charset="0"/>
+                <a:cs typeface="Times New Roman" pitchFamily="18" charset="0"/>
+              </a:rPr>
+              <a:t> retransmission</a:t>
+            </a:r>
+            <a:endParaRPr lang="en-IN" sz="2400" b="1" dirty="0">
+              <a:latin typeface="Times New Roman" pitchFamily="18" charset="0"/>
+              <a:cs typeface="Times New Roman" pitchFamily="18" charset="0"/>
+            </a:endParaRPr>
+          </a:p>
+        </p:txBody>
+      </p:sp>
       <p:pic>
         <p:nvPicPr>
-          <p:cNvPr id="4098" name="Picture 2"/>
+          <p:cNvPr id="5122" name="Picture 2"/>
           <p:cNvPicPr>
             <a:picLocks noGrp="1" noChangeAspect="1" noChangeArrowheads="1"/>
           </p:cNvPicPr>
@@ -7417,8 +7549,8 @@
         </p:blipFill>
         <p:spPr bwMode="auto">
           <a:xfrm>
-            <a:off x="107504" y="1412776"/>
-            <a:ext cx="8784976" cy="5277073"/>
+            <a:off x="251520" y="980728"/>
+            <a:ext cx="8568952" cy="5493097"/>
           </a:xfrm>
           <a:prstGeom prst="rect">
             <a:avLst/>
@@ -7461,125 +7593,7 @@
     </p:spTree>
     <p:extLst>
       <p:ext uri="{BB962C8B-B14F-4D97-AF65-F5344CB8AC3E}">
-        <p14:creationId xmlns:p14="http://schemas.microsoft.com/office/powerpoint/2010/main" val="41398935"/>
-      </p:ext>
-    </p:extLst>
-  </p:cSld>
-  <p:clrMapOvr>
-    <a:masterClrMapping/>
-  </p:clrMapOvr>
-  <p:timing>
-    <p:tnLst>
-      <p:par>
-        <p:cTn id="1" dur="indefinite" restart="never" nodeType="tmRoot"/>
-      </p:par>
-    </p:tnLst>
-  </p:timing>
-</p:sld>
-</file>
-
-<file path=ppt/slides/slide9.xml><?xml version="1.0" encoding="utf-8"?>
-<p:sld xmlns:a="http://schemas.openxmlformats.org/drawingml/2006/main" xmlns:r="http://schemas.openxmlformats.org/officeDocument/2006/relationships" xmlns:p="http://schemas.openxmlformats.org/presentationml/2006/main">
-  <p:cSld>
-    <p:spTree>
-      <p:nvGrpSpPr>
-        <p:cNvPr id="1" name=""/>
-        <p:cNvGrpSpPr/>
-        <p:nvPr/>
-      </p:nvGrpSpPr>
-      <p:grpSpPr>
-        <a:xfrm>
-          <a:off x="0" y="0"/>
-          <a:ext cx="0" cy="0"/>
-          <a:chOff x="0" y="0"/>
-          <a:chExt cx="0" cy="0"/>
-        </a:xfrm>
-      </p:grpSpPr>
-      <p:sp>
-        <p:nvSpPr>
-          <p:cNvPr id="3" name="Content Placeholder 2"/>
-          <p:cNvSpPr>
-            <a:spLocks noGrp="1"/>
-          </p:cNvSpPr>
-          <p:nvPr>
-            <p:ph sz="quarter" idx="1"/>
-          </p:nvPr>
-        </p:nvSpPr>
-        <p:spPr>
-          <a:xfrm>
-            <a:off x="539552" y="620688"/>
-            <a:ext cx="8003232" cy="3816424"/>
-          </a:xfrm>
-        </p:spPr>
-        <p:txBody>
-          <a:bodyPr>
-            <a:normAutofit/>
-          </a:bodyPr>
-          <a:lstStyle/>
-          <a:p>
-            <a:pPr algn="just"/>
-            <a:r>
-              <a:rPr lang="en-US" dirty="0" smtClean="0">
-                <a:latin typeface="Times New Roman" pitchFamily="18" charset="0"/>
-                <a:cs typeface="Times New Roman" pitchFamily="18" charset="0"/>
-              </a:rPr>
-              <a:t>All </a:t>
-            </a:r>
-            <a:r>
-              <a:rPr lang="en-US" dirty="0">
-                <a:latin typeface="Times New Roman" pitchFamily="18" charset="0"/>
-                <a:cs typeface="Times New Roman" pitchFamily="18" charset="0"/>
-              </a:rPr>
-              <a:t>handsets have high throughput: The average throughput for all top 10 handsets exceeds 40,000, indicating high-speed data transmission capabilities.</a:t>
-            </a:r>
-          </a:p>
-          <a:p>
-            <a:pPr algn="just"/>
-            <a:r>
-              <a:rPr lang="en-US" dirty="0" smtClean="0">
-                <a:latin typeface="Times New Roman" pitchFamily="18" charset="0"/>
-                <a:cs typeface="Times New Roman" pitchFamily="18" charset="0"/>
-              </a:rPr>
-              <a:t>Variety </a:t>
-            </a:r>
-            <a:r>
-              <a:rPr lang="en-US" dirty="0">
-                <a:latin typeface="Times New Roman" pitchFamily="18" charset="0"/>
-                <a:cs typeface="Times New Roman" pitchFamily="18" charset="0"/>
-              </a:rPr>
-              <a:t>of handset models: The top 10 list comprises handsets from different manufacturers, including LePhone U Pro, Huawei stf-TI10, Samsung, Xiaomi, and Meizu.</a:t>
-            </a:r>
-          </a:p>
-          <a:p>
-            <a:pPr algn="just"/>
-            <a:r>
-              <a:rPr lang="en-US" dirty="0" smtClean="0">
-                <a:latin typeface="Times New Roman" pitchFamily="18" charset="0"/>
-                <a:cs typeface="Times New Roman" pitchFamily="18" charset="0"/>
-              </a:rPr>
-              <a:t>LePhone </a:t>
-            </a:r>
-            <a:r>
-              <a:rPr lang="en-US" dirty="0">
-                <a:latin typeface="Times New Roman" pitchFamily="18" charset="0"/>
-                <a:cs typeface="Times New Roman" pitchFamily="18" charset="0"/>
-              </a:rPr>
-              <a:t>U Pro leads: The LePhone U Pro has the highest average throughput, followed closely by the  Huawei stf-TI10.</a:t>
-            </a:r>
-          </a:p>
-          <a:p>
-            <a:pPr algn="just"/>
-            <a:endParaRPr lang="en-IN" dirty="0">
-              <a:latin typeface="Times New Roman" pitchFamily="18" charset="0"/>
-              <a:cs typeface="Times New Roman" pitchFamily="18" charset="0"/>
-            </a:endParaRPr>
-          </a:p>
-        </p:txBody>
-      </p:sp>
-    </p:spTree>
-    <p:extLst>
-      <p:ext uri="{BB962C8B-B14F-4D97-AF65-F5344CB8AC3E}">
-        <p14:creationId xmlns:p14="http://schemas.microsoft.com/office/powerpoint/2010/main" val="3157908885"/>
+        <p14:creationId xmlns:p14="http://schemas.microsoft.com/office/powerpoint/2010/main" val="1625256330"/>
       </p:ext>
     </p:extLst>
   </p:cSld>
